--- a/poster/Group9_poster.pptx
+++ b/poster/Group9_poster.pptx
@@ -119,7 +119,7 @@
   </p:defaultTextStyle>
   <p:extLst>
     <p:ext uri="{EFAFB233-063F-42B5-8137-9DF3F51BA10A}">
-      <p15:sldGuideLst xmlns:p15="http://schemas.microsoft.com/office/powerpoint/2012/main">
+      <p15:sldGuideLst xmlns:p15="http://schemas.microsoft.com/office/powerpoint/2012/main" xmlns="">
         <p15:guide id="1" orient="horz" pos="261">
           <p15:clr>
             <a:srgbClr val="A4A3A4"/>
@@ -49341,11 +49341,7 @@
             </a:r>
             <a:r>
               <a:rPr lang="en-US" dirty="0"/>
-              <a:t>) of the same pixel are calculated. The values of the pixels in between the original and the shifted pixel are obtained by a simple interpolation. All the RGB- values of the pixels are stored in the new panorama image at the corresponding position, </a:t>
-            </a:r>
-            <a:r>
-              <a:rPr lang="en-US" dirty="0"/>
-              <a:t>(</a:t>
+              <a:t>) of the same pixel are calculated. The values of the pixels in between the original and the shifted pixel are obtained by a simple interpolation. All the RGB- values of the pixels are stored in the new panorama image at the corresponding position, (</a:t>
             </a:r>
             <a:r>
               <a:rPr lang="el-GR" dirty="0"/>
@@ -49383,7 +49379,6 @@
               <a:rPr lang="en-US" dirty="0"/>
               <a:t>) or at one of the interpolated positions.</a:t>
             </a:r>
-            <a:endParaRPr lang="en-US" dirty="0"/>
           </a:p>
         </p:txBody>
       </p:sp>
@@ -49687,11 +49682,11 @@
               <a:t> same high </a:t>
             </a:r>
             <a:r>
-              <a:rPr lang="de-CH" dirty="0" err="1"/>
-              <a:t>qualtiy</a:t>
-            </a:r>
-            <a:r>
-              <a:rPr lang="de-CH" dirty="0"/>
+              <a:rPr lang="de-CH" dirty="0" err="1" smtClean="0"/>
+              <a:t>quality</a:t>
+            </a:r>
+            <a:r>
+              <a:rPr lang="de-CH" dirty="0" smtClean="0"/>
               <a:t> </a:t>
             </a:r>
             <a:r>
@@ -50793,63 +50788,63 @@
                 <a:gridCol w="1125045">
                   <a:extLst>
                     <a:ext uri="{9D8B030D-6E8A-4147-A177-3AD203B41FA5}">
-                      <a16:colId xmlns:a16="http://schemas.microsoft.com/office/drawing/2014/main" val="20000"/>
+                      <a16:colId xmlns:a16="http://schemas.microsoft.com/office/drawing/2014/main" xmlns="" val="20000"/>
                     </a:ext>
                   </a:extLst>
                 </a:gridCol>
                 <a:gridCol w="340923">
                   <a:extLst>
                     <a:ext uri="{9D8B030D-6E8A-4147-A177-3AD203B41FA5}">
-                      <a16:colId xmlns:a16="http://schemas.microsoft.com/office/drawing/2014/main" val="20001"/>
+                      <a16:colId xmlns:a16="http://schemas.microsoft.com/office/drawing/2014/main" xmlns="" val="20001"/>
                     </a:ext>
                   </a:extLst>
                 </a:gridCol>
                 <a:gridCol w="340923">
                   <a:extLst>
                     <a:ext uri="{9D8B030D-6E8A-4147-A177-3AD203B41FA5}">
-                      <a16:colId xmlns:a16="http://schemas.microsoft.com/office/drawing/2014/main" val="20002"/>
+                      <a16:colId xmlns:a16="http://schemas.microsoft.com/office/drawing/2014/main" xmlns="" val="20002"/>
                     </a:ext>
                   </a:extLst>
                 </a:gridCol>
                 <a:gridCol w="340923">
                   <a:extLst>
                     <a:ext uri="{9D8B030D-6E8A-4147-A177-3AD203B41FA5}">
-                      <a16:colId xmlns:a16="http://schemas.microsoft.com/office/drawing/2014/main" val="20003"/>
+                      <a16:colId xmlns:a16="http://schemas.microsoft.com/office/drawing/2014/main" xmlns="" val="20003"/>
                     </a:ext>
                   </a:extLst>
                 </a:gridCol>
                 <a:gridCol w="340923">
                   <a:extLst>
                     <a:ext uri="{9D8B030D-6E8A-4147-A177-3AD203B41FA5}">
-                      <a16:colId xmlns:a16="http://schemas.microsoft.com/office/drawing/2014/main" val="20004"/>
+                      <a16:colId xmlns:a16="http://schemas.microsoft.com/office/drawing/2014/main" xmlns="" val="20004"/>
                     </a:ext>
                   </a:extLst>
                 </a:gridCol>
                 <a:gridCol w="340923">
                   <a:extLst>
                     <a:ext uri="{9D8B030D-6E8A-4147-A177-3AD203B41FA5}">
-                      <a16:colId xmlns:a16="http://schemas.microsoft.com/office/drawing/2014/main" val="20005"/>
+                      <a16:colId xmlns:a16="http://schemas.microsoft.com/office/drawing/2014/main" xmlns="" val="20005"/>
                     </a:ext>
                   </a:extLst>
                 </a:gridCol>
                 <a:gridCol w="340923">
                   <a:extLst>
                     <a:ext uri="{9D8B030D-6E8A-4147-A177-3AD203B41FA5}">
-                      <a16:colId xmlns:a16="http://schemas.microsoft.com/office/drawing/2014/main" val="20006"/>
+                      <a16:colId xmlns:a16="http://schemas.microsoft.com/office/drawing/2014/main" xmlns="" val="20006"/>
                     </a:ext>
                   </a:extLst>
                 </a:gridCol>
                 <a:gridCol w="340923">
                   <a:extLst>
                     <a:ext uri="{9D8B030D-6E8A-4147-A177-3AD203B41FA5}">
-                      <a16:colId xmlns:a16="http://schemas.microsoft.com/office/drawing/2014/main" val="20007"/>
+                      <a16:colId xmlns:a16="http://schemas.microsoft.com/office/drawing/2014/main" xmlns="" val="20007"/>
                     </a:ext>
                   </a:extLst>
                 </a:gridCol>
                 <a:gridCol w="340923">
                   <a:extLst>
                     <a:ext uri="{9D8B030D-6E8A-4147-A177-3AD203B41FA5}">
-                      <a16:colId xmlns:a16="http://schemas.microsoft.com/office/drawing/2014/main" val="20008"/>
+                      <a16:colId xmlns:a16="http://schemas.microsoft.com/office/drawing/2014/main" xmlns="" val="20008"/>
                     </a:ext>
                   </a:extLst>
                 </a:gridCol>
@@ -51301,7 +51296,7 @@
                 </a:tc>
                 <a:extLst>
                   <a:ext uri="{0D108BD9-81ED-4DB2-BD59-A6C34878D82A}">
-                    <a16:rowId xmlns:a16="http://schemas.microsoft.com/office/drawing/2014/main" val="10000"/>
+                    <a16:rowId xmlns:a16="http://schemas.microsoft.com/office/drawing/2014/main" xmlns="" val="10000"/>
                   </a:ext>
                 </a:extLst>
               </a:tr>
@@ -51806,7 +51801,7 @@
                 </a:tc>
                 <a:extLst>
                   <a:ext uri="{0D108BD9-81ED-4DB2-BD59-A6C34878D82A}">
-                    <a16:rowId xmlns:a16="http://schemas.microsoft.com/office/drawing/2014/main" val="10001"/>
+                    <a16:rowId xmlns:a16="http://schemas.microsoft.com/office/drawing/2014/main" xmlns="" val="10001"/>
                   </a:ext>
                 </a:extLst>
               </a:tr>
@@ -52311,7 +52306,7 @@
                 </a:tc>
                 <a:extLst>
                   <a:ext uri="{0D108BD9-81ED-4DB2-BD59-A6C34878D82A}">
-                    <a16:rowId xmlns:a16="http://schemas.microsoft.com/office/drawing/2014/main" val="10002"/>
+                    <a16:rowId xmlns:a16="http://schemas.microsoft.com/office/drawing/2014/main" xmlns="" val="10002"/>
                   </a:ext>
                 </a:extLst>
               </a:tr>
@@ -52816,7 +52811,7 @@
                 </a:tc>
                 <a:extLst>
                   <a:ext uri="{0D108BD9-81ED-4DB2-BD59-A6C34878D82A}">
-                    <a16:rowId xmlns:a16="http://schemas.microsoft.com/office/drawing/2014/main" val="10003"/>
+                    <a16:rowId xmlns:a16="http://schemas.microsoft.com/office/drawing/2014/main" xmlns="" val="10003"/>
                   </a:ext>
                 </a:extLst>
               </a:tr>
@@ -53321,7 +53316,7 @@
                 </a:tc>
                 <a:extLst>
                   <a:ext uri="{0D108BD9-81ED-4DB2-BD59-A6C34878D82A}">
-                    <a16:rowId xmlns:a16="http://schemas.microsoft.com/office/drawing/2014/main" val="10004"/>
+                    <a16:rowId xmlns:a16="http://schemas.microsoft.com/office/drawing/2014/main" xmlns="" val="10004"/>
                   </a:ext>
                 </a:extLst>
               </a:tr>
@@ -53339,7 +53334,7 @@
         </p:nvSpPr>
         <p:spPr>
           <a:xfrm>
-            <a:off x="10190163" y="4897567"/>
+            <a:off x="10179605" y="5735111"/>
             <a:ext cx="4535487" cy="468000"/>
           </a:xfrm>
           <a:prstGeom prst="rect">
@@ -53529,8 +53524,8 @@
         </p:nvSpPr>
         <p:spPr>
           <a:xfrm>
-            <a:off x="10190164" y="5383933"/>
-            <a:ext cx="4556602" cy="3165316"/>
+            <a:off x="10179605" y="6203111"/>
+            <a:ext cx="4556602" cy="2332067"/>
           </a:xfrm>
           <a:prstGeom prst="rect">
             <a:avLst/>
@@ -54233,7 +54228,6 @@
               <a:rPr lang="en-US" sz="800" b="1" dirty="0"/>
               <a:t>https://developers.google.com/vr/concepts/vrview</a:t>
             </a:r>
-            <a:endParaRPr lang="en-US" sz="800" b="1" dirty="0"/>
           </a:p>
           <a:p>
             <a:pPr marL="177800" indent="-177800">
@@ -54448,7 +54442,7 @@
         <p:spPr>
           <a:xfrm>
             <a:off x="10190163" y="3474726"/>
-            <a:ext cx="4535487" cy="1422841"/>
+            <a:ext cx="4535487" cy="2260385"/>
           </a:xfrm>
           <a:prstGeom prst="rect">
             <a:avLst/>
@@ -54803,9 +54797,233 @@
               <a:t>feeling</a:t>
             </a:r>
             <a:r>
-              <a:rPr lang="de-CH" dirty="0"/>
+              <a:rPr lang="de-CH" dirty="0" smtClean="0"/>
               <a:t>.</a:t>
             </a:r>
+            <a:br>
+              <a:rPr lang="de-CH" dirty="0" smtClean="0"/>
+            </a:br>
+            <a:r>
+              <a:rPr lang="de-CH" dirty="0" err="1" smtClean="0"/>
+              <a:t>During</a:t>
+            </a:r>
+            <a:r>
+              <a:rPr lang="de-CH" dirty="0" smtClean="0"/>
+              <a:t> </a:t>
+            </a:r>
+            <a:r>
+              <a:rPr lang="de-CH" dirty="0" err="1" smtClean="0"/>
+              <a:t>the</a:t>
+            </a:r>
+            <a:r>
+              <a:rPr lang="de-CH" dirty="0" smtClean="0"/>
+              <a:t> </a:t>
+            </a:r>
+            <a:r>
+              <a:rPr lang="de-CH" dirty="0" err="1" smtClean="0"/>
+              <a:t>testing</a:t>
+            </a:r>
+            <a:r>
+              <a:rPr lang="de-CH" dirty="0" smtClean="0"/>
+              <a:t> </a:t>
+            </a:r>
+            <a:r>
+              <a:rPr lang="de-CH" dirty="0" err="1" smtClean="0"/>
+              <a:t>part</a:t>
+            </a:r>
+            <a:r>
+              <a:rPr lang="de-CH" dirty="0" smtClean="0"/>
+              <a:t> </a:t>
+            </a:r>
+            <a:r>
+              <a:rPr lang="de-CH" dirty="0" err="1" smtClean="0"/>
+              <a:t>we</a:t>
+            </a:r>
+            <a:r>
+              <a:rPr lang="de-CH" dirty="0" smtClean="0"/>
+              <a:t> </a:t>
+            </a:r>
+            <a:r>
+              <a:rPr lang="de-CH" dirty="0" err="1" smtClean="0"/>
+              <a:t>used</a:t>
+            </a:r>
+            <a:r>
+              <a:rPr lang="de-CH" dirty="0" smtClean="0"/>
+              <a:t> different </a:t>
+            </a:r>
+            <a:r>
+              <a:rPr lang="de-CH" dirty="0" err="1" smtClean="0"/>
+              <a:t>datasets</a:t>
+            </a:r>
+            <a:r>
+              <a:rPr lang="de-CH" dirty="0" smtClean="0"/>
+              <a:t>. The </a:t>
+            </a:r>
+            <a:r>
+              <a:rPr lang="de-CH" dirty="0" err="1" smtClean="0"/>
+              <a:t>one</a:t>
+            </a:r>
+            <a:r>
+              <a:rPr lang="de-CH" dirty="0" smtClean="0"/>
+              <a:t> </a:t>
+            </a:r>
+            <a:r>
+              <a:rPr lang="de-CH" dirty="0" err="1" smtClean="0"/>
+              <a:t>provided</a:t>
+            </a:r>
+            <a:r>
+              <a:rPr lang="de-CH" dirty="0" smtClean="0"/>
+              <a:t> </a:t>
+            </a:r>
+            <a:r>
+              <a:rPr lang="de-CH" dirty="0" err="1" smtClean="0"/>
+              <a:t>from</a:t>
+            </a:r>
+            <a:r>
+              <a:rPr lang="de-CH" dirty="0" smtClean="0"/>
+              <a:t> </a:t>
+            </a:r>
+            <a:r>
+              <a:rPr lang="de-CH" dirty="0" err="1" smtClean="0"/>
+              <a:t>our</a:t>
+            </a:r>
+            <a:r>
+              <a:rPr lang="de-CH" dirty="0" smtClean="0"/>
+              <a:t> </a:t>
+            </a:r>
+            <a:r>
+              <a:rPr lang="de-CH" dirty="0" err="1" smtClean="0"/>
+              <a:t>supervisor</a:t>
+            </a:r>
+            <a:r>
+              <a:rPr lang="de-CH" dirty="0" smtClean="0"/>
+              <a:t> </a:t>
+            </a:r>
+            <a:r>
+              <a:rPr lang="de-CH" dirty="0" err="1" smtClean="0"/>
+              <a:t>is</a:t>
+            </a:r>
+            <a:r>
+              <a:rPr lang="de-CH" dirty="0" smtClean="0"/>
+              <a:t> </a:t>
+            </a:r>
+            <a:r>
+              <a:rPr lang="de-CH" dirty="0" err="1" smtClean="0"/>
+              <a:t>obtained</a:t>
+            </a:r>
+            <a:r>
+              <a:rPr lang="de-CH" dirty="0" smtClean="0"/>
+              <a:t> </a:t>
+            </a:r>
+            <a:r>
+              <a:rPr lang="de-CH" dirty="0" err="1" smtClean="0"/>
+              <a:t>from</a:t>
+            </a:r>
+            <a:r>
+              <a:rPr lang="de-CH" dirty="0" smtClean="0"/>
+              <a:t> 10 </a:t>
+            </a:r>
+            <a:r>
+              <a:rPr lang="de-CH" dirty="0" err="1" smtClean="0"/>
+              <a:t>cameras</a:t>
+            </a:r>
+            <a:r>
+              <a:rPr lang="de-CH" dirty="0" smtClean="0"/>
+              <a:t> </a:t>
+            </a:r>
+            <a:r>
+              <a:rPr lang="de-CH" dirty="0" err="1" smtClean="0"/>
+              <a:t>mounted</a:t>
+            </a:r>
+            <a:r>
+              <a:rPr lang="de-CH" dirty="0" smtClean="0"/>
+              <a:t> on a </a:t>
+            </a:r>
+            <a:r>
+              <a:rPr lang="de-CH" dirty="0" err="1" smtClean="0"/>
+              <a:t>robot</a:t>
+            </a:r>
+            <a:r>
+              <a:rPr lang="de-CH" dirty="0" smtClean="0"/>
+              <a:t>. </a:t>
+            </a:r>
+            <a:r>
+              <a:rPr lang="de-CH" dirty="0" smtClean="0"/>
+              <a:t>The </a:t>
+            </a:r>
+            <a:r>
+              <a:rPr lang="de-CH" dirty="0" err="1" smtClean="0"/>
+              <a:t>calibration</a:t>
+            </a:r>
+            <a:r>
+              <a:rPr lang="de-CH" dirty="0" smtClean="0"/>
+              <a:t> </a:t>
+            </a:r>
+            <a:r>
+              <a:rPr lang="de-CH" dirty="0" err="1" smtClean="0"/>
+              <a:t>information</a:t>
+            </a:r>
+            <a:r>
+              <a:rPr lang="de-CH" dirty="0" smtClean="0"/>
+              <a:t> </a:t>
+            </a:r>
+            <a:r>
+              <a:rPr lang="de-CH" dirty="0" err="1" smtClean="0"/>
+              <a:t>of</a:t>
+            </a:r>
+            <a:r>
+              <a:rPr lang="de-CH" dirty="0" smtClean="0"/>
+              <a:t> </a:t>
+            </a:r>
+            <a:r>
+              <a:rPr lang="de-CH" dirty="0" err="1" smtClean="0"/>
+              <a:t>every</a:t>
+            </a:r>
+            <a:r>
+              <a:rPr lang="de-CH" dirty="0" smtClean="0"/>
+              <a:t> </a:t>
+            </a:r>
+            <a:r>
+              <a:rPr lang="de-CH" dirty="0" err="1" smtClean="0"/>
+              <a:t>camera</a:t>
+            </a:r>
+            <a:r>
+              <a:rPr lang="de-CH" dirty="0" smtClean="0"/>
+              <a:t> was also </a:t>
+            </a:r>
+            <a:r>
+              <a:rPr lang="de-CH" dirty="0" err="1" smtClean="0"/>
+              <a:t>made</a:t>
+            </a:r>
+            <a:r>
+              <a:rPr lang="de-CH" dirty="0" smtClean="0"/>
+              <a:t> </a:t>
+            </a:r>
+            <a:r>
+              <a:rPr lang="de-CH" dirty="0" err="1" smtClean="0"/>
+              <a:t>available</a:t>
+            </a:r>
+            <a:r>
+              <a:rPr lang="de-CH" dirty="0" smtClean="0"/>
+              <a:t> </a:t>
+            </a:r>
+            <a:r>
+              <a:rPr lang="de-CH" dirty="0" err="1" smtClean="0"/>
+              <a:t>to</a:t>
+            </a:r>
+            <a:r>
+              <a:rPr lang="de-CH" dirty="0" smtClean="0"/>
+              <a:t> </a:t>
+            </a:r>
+            <a:r>
+              <a:rPr lang="de-CH" dirty="0" err="1" smtClean="0"/>
+              <a:t>us</a:t>
+            </a:r>
+            <a:r>
+              <a:rPr lang="de-CH" dirty="0" smtClean="0"/>
+              <a:t>.</a:t>
+            </a:r>
+            <a:endParaRPr lang="de-CH" dirty="0"/>
           </a:p>
         </p:txBody>
       </p:sp>
@@ -55174,45 +55392,79 @@
           <a:p>
             <a:r>
               <a:rPr lang="en-US" dirty="0"/>
-              <a:t>Recently, Google introduced Jump </a:t>
-            </a:r>
-            <a:r>
-              <a:rPr lang="en-US" baseline="30000" dirty="0"/>
+              <a:t>Recently, Google introduced </a:t>
+            </a:r>
+            <a:r>
+              <a:rPr lang="en-US" dirty="0" smtClean="0"/>
+              <a:t>Jump </a:t>
+            </a:r>
+            <a:r>
+              <a:rPr lang="en-US" baseline="30000" dirty="0" smtClean="0"/>
               <a:t>1</a:t>
             </a:r>
             <a:r>
               <a:rPr lang="en-US" dirty="0"/>
-              <a:t>, a hardware and software framework for the offline rendering of omni-directional</a:t>
-            </a:r>
-          </a:p>
-          <a:p>
+              <a:t>, a hardware and software framework for the offline rendering of </a:t>
+            </a:r>
+            <a:r>
+              <a:rPr lang="en-US" dirty="0" err="1" smtClean="0"/>
+              <a:t>omni</a:t>
+            </a:r>
+            <a:r>
+              <a:rPr lang="en-US" dirty="0" smtClean="0"/>
+              <a:t>-directional stereo </a:t>
+            </a:r>
             <a:r>
               <a:rPr lang="en-US" dirty="0"/>
-              <a:t>stereo (ODS) videos for virtual reality(VR). Since Jump is designed as a complete solution, the vision</a:t>
-            </a:r>
-          </a:p>
-          <a:p>
+              <a:t>(ODS) videos for virtual reality(VR). Since Jump is designed as a complete solution, the </a:t>
+            </a:r>
+            <a:r>
+              <a:rPr lang="en-US" dirty="0" smtClean="0"/>
+              <a:t>vision algorithms </a:t>
+            </a:r>
             <a:r>
               <a:rPr lang="en-US" dirty="0"/>
-              <a:t>algorithms it employs are optimized for a specific camera rig: the GoPro Odyssey. The goal of this project is to</a:t>
-            </a:r>
-          </a:p>
-          <a:p>
+              <a:t>it employs are optimized for a specific camera rig: the GoPro Odyssey. The goal of this project is </a:t>
+            </a:r>
+            <a:r>
+              <a:rPr lang="en-US" dirty="0" smtClean="0"/>
+              <a:t>to implement </a:t>
+            </a:r>
             <a:r>
               <a:rPr lang="en-US" dirty="0"/>
-              <a:t>implement their ODS capture and composting algorithm and analyze its ability to render stereo images and videos</a:t>
-            </a:r>
-          </a:p>
-          <a:p>
+              <a:t>their ODS capture and composting algorithm and </a:t>
+            </a:r>
+            <a:r>
+              <a:rPr lang="en-US" dirty="0" smtClean="0"/>
+              <a:t>analyze its </a:t>
+            </a:r>
             <a:r>
               <a:rPr lang="en-US" dirty="0"/>
-              <a:t>captured through other means. At the end of the project, we hope to be able to render ODS content that can be</a:t>
-            </a:r>
-          </a:p>
-          <a:p>
+              <a:t>ability to render stereo images and </a:t>
+            </a:r>
+            <a:r>
+              <a:rPr lang="en-US" dirty="0" smtClean="0"/>
+              <a:t>videos captured </a:t>
+            </a:r>
             <a:r>
               <a:rPr lang="en-US" dirty="0"/>
-              <a:t>viewed on the Google Cardboard; a cost effective head mounted display (HMD) for VR.</a:t>
+              <a:t>through other means. At the end of the project, we hope to be able to render ODS content that can </a:t>
+            </a:r>
+            <a:r>
+              <a:rPr lang="en-US" dirty="0" smtClean="0"/>
+              <a:t>be viewed </a:t>
+            </a:r>
+            <a:r>
+              <a:rPr lang="en-US" dirty="0"/>
+              <a:t>on the Google </a:t>
+            </a:r>
+            <a:r>
+              <a:rPr lang="en-US" dirty="0" smtClean="0"/>
+              <a:t>Cardboard; a </a:t>
+            </a:r>
+            <a:r>
+              <a:rPr lang="en-US" dirty="0"/>
+              <a:t>cost effective head mounted display (HMD) for VR.</a:t>
             </a:r>
           </a:p>
         </p:txBody>

--- a/poster/Group9_poster.pptx
+++ b/poster/Group9_poster.pptx
@@ -119,7 +119,7 @@
   </p:defaultTextStyle>
   <p:extLst>
     <p:ext uri="{EFAFB233-063F-42B5-8137-9DF3F51BA10A}">
-      <p15:sldGuideLst xmlns:p15="http://schemas.microsoft.com/office/powerpoint/2012/main" xmlns="">
+      <p15:sldGuideLst xmlns:p15="http://schemas.microsoft.com/office/powerpoint/2012/main">
         <p15:guide id="1" orient="horz" pos="261">
           <p15:clr>
             <a:srgbClr val="A4A3A4"/>
@@ -49261,15 +49261,15 @@
             </a:br>
             <a:r>
               <a:rPr lang="en-US" dirty="0"/>
-              <a:t>The main idea of the </a:t>
-            </a:r>
-            <a:r>
-              <a:rPr lang="en-US" dirty="0" err="1"/>
-              <a:t>stitchting</a:t>
+              <a:t>The main idea of </a:t>
+            </a:r>
+            <a:r>
+              <a:rPr lang="en-US"/>
+              <a:t>the stitching </a:t>
             </a:r>
             <a:r>
               <a:rPr lang="en-US" dirty="0"/>
-              <a:t> procedure is to compute for each pixel the horizontal angle </a:t>
+              <a:t>procedure is to compute for each pixel the horizontal angle </a:t>
             </a:r>
             <a:r>
               <a:rPr lang="el-GR" dirty="0"/>
@@ -49682,11 +49682,11 @@
               <a:t> same high </a:t>
             </a:r>
             <a:r>
-              <a:rPr lang="de-CH" dirty="0" err="1" smtClean="0"/>
+              <a:rPr lang="de-CH" dirty="0" err="1"/>
               <a:t>quality</a:t>
             </a:r>
             <a:r>
-              <a:rPr lang="de-CH" dirty="0" smtClean="0"/>
+              <a:rPr lang="de-CH" dirty="0"/>
               <a:t> </a:t>
             </a:r>
             <a:r>
@@ -50788,63 +50788,63 @@
                 <a:gridCol w="1125045">
                   <a:extLst>
                     <a:ext uri="{9D8B030D-6E8A-4147-A177-3AD203B41FA5}">
-                      <a16:colId xmlns:a16="http://schemas.microsoft.com/office/drawing/2014/main" xmlns="" val="20000"/>
+                      <a16:colId xmlns:a16="http://schemas.microsoft.com/office/drawing/2014/main" val="20000"/>
                     </a:ext>
                   </a:extLst>
                 </a:gridCol>
                 <a:gridCol w="340923">
                   <a:extLst>
                     <a:ext uri="{9D8B030D-6E8A-4147-A177-3AD203B41FA5}">
-                      <a16:colId xmlns:a16="http://schemas.microsoft.com/office/drawing/2014/main" xmlns="" val="20001"/>
+                      <a16:colId xmlns:a16="http://schemas.microsoft.com/office/drawing/2014/main" val="20001"/>
                     </a:ext>
                   </a:extLst>
                 </a:gridCol>
                 <a:gridCol w="340923">
                   <a:extLst>
                     <a:ext uri="{9D8B030D-6E8A-4147-A177-3AD203B41FA5}">
-                      <a16:colId xmlns:a16="http://schemas.microsoft.com/office/drawing/2014/main" xmlns="" val="20002"/>
+                      <a16:colId xmlns:a16="http://schemas.microsoft.com/office/drawing/2014/main" val="20002"/>
                     </a:ext>
                   </a:extLst>
                 </a:gridCol>
                 <a:gridCol w="340923">
                   <a:extLst>
                     <a:ext uri="{9D8B030D-6E8A-4147-A177-3AD203B41FA5}">
-                      <a16:colId xmlns:a16="http://schemas.microsoft.com/office/drawing/2014/main" xmlns="" val="20003"/>
+                      <a16:colId xmlns:a16="http://schemas.microsoft.com/office/drawing/2014/main" val="20003"/>
                     </a:ext>
                   </a:extLst>
                 </a:gridCol>
                 <a:gridCol w="340923">
                   <a:extLst>
                     <a:ext uri="{9D8B030D-6E8A-4147-A177-3AD203B41FA5}">
-                      <a16:colId xmlns:a16="http://schemas.microsoft.com/office/drawing/2014/main" xmlns="" val="20004"/>
+                      <a16:colId xmlns:a16="http://schemas.microsoft.com/office/drawing/2014/main" val="20004"/>
                     </a:ext>
                   </a:extLst>
                 </a:gridCol>
                 <a:gridCol w="340923">
                   <a:extLst>
                     <a:ext uri="{9D8B030D-6E8A-4147-A177-3AD203B41FA5}">
-                      <a16:colId xmlns:a16="http://schemas.microsoft.com/office/drawing/2014/main" xmlns="" val="20005"/>
+                      <a16:colId xmlns:a16="http://schemas.microsoft.com/office/drawing/2014/main" val="20005"/>
                     </a:ext>
                   </a:extLst>
                 </a:gridCol>
                 <a:gridCol w="340923">
                   <a:extLst>
                     <a:ext uri="{9D8B030D-6E8A-4147-A177-3AD203B41FA5}">
-                      <a16:colId xmlns:a16="http://schemas.microsoft.com/office/drawing/2014/main" xmlns="" val="20006"/>
+                      <a16:colId xmlns:a16="http://schemas.microsoft.com/office/drawing/2014/main" val="20006"/>
                     </a:ext>
                   </a:extLst>
                 </a:gridCol>
                 <a:gridCol w="340923">
                   <a:extLst>
                     <a:ext uri="{9D8B030D-6E8A-4147-A177-3AD203B41FA5}">
-                      <a16:colId xmlns:a16="http://schemas.microsoft.com/office/drawing/2014/main" xmlns="" val="20007"/>
+                      <a16:colId xmlns:a16="http://schemas.microsoft.com/office/drawing/2014/main" val="20007"/>
                     </a:ext>
                   </a:extLst>
                 </a:gridCol>
                 <a:gridCol w="340923">
                   <a:extLst>
                     <a:ext uri="{9D8B030D-6E8A-4147-A177-3AD203B41FA5}">
-                      <a16:colId xmlns:a16="http://schemas.microsoft.com/office/drawing/2014/main" xmlns="" val="20008"/>
+                      <a16:colId xmlns:a16="http://schemas.microsoft.com/office/drawing/2014/main" val="20008"/>
                     </a:ext>
                   </a:extLst>
                 </a:gridCol>
@@ -51296,7 +51296,7 @@
                 </a:tc>
                 <a:extLst>
                   <a:ext uri="{0D108BD9-81ED-4DB2-BD59-A6C34878D82A}">
-                    <a16:rowId xmlns:a16="http://schemas.microsoft.com/office/drawing/2014/main" xmlns="" val="10000"/>
+                    <a16:rowId xmlns:a16="http://schemas.microsoft.com/office/drawing/2014/main" val="10000"/>
                   </a:ext>
                 </a:extLst>
               </a:tr>
@@ -51801,7 +51801,7 @@
                 </a:tc>
                 <a:extLst>
                   <a:ext uri="{0D108BD9-81ED-4DB2-BD59-A6C34878D82A}">
-                    <a16:rowId xmlns:a16="http://schemas.microsoft.com/office/drawing/2014/main" xmlns="" val="10001"/>
+                    <a16:rowId xmlns:a16="http://schemas.microsoft.com/office/drawing/2014/main" val="10001"/>
                   </a:ext>
                 </a:extLst>
               </a:tr>
@@ -52306,7 +52306,7 @@
                 </a:tc>
                 <a:extLst>
                   <a:ext uri="{0D108BD9-81ED-4DB2-BD59-A6C34878D82A}">
-                    <a16:rowId xmlns:a16="http://schemas.microsoft.com/office/drawing/2014/main" xmlns="" val="10002"/>
+                    <a16:rowId xmlns:a16="http://schemas.microsoft.com/office/drawing/2014/main" val="10002"/>
                   </a:ext>
                 </a:extLst>
               </a:tr>
@@ -52811,7 +52811,7 @@
                 </a:tc>
                 <a:extLst>
                   <a:ext uri="{0D108BD9-81ED-4DB2-BD59-A6C34878D82A}">
-                    <a16:rowId xmlns:a16="http://schemas.microsoft.com/office/drawing/2014/main" xmlns="" val="10003"/>
+                    <a16:rowId xmlns:a16="http://schemas.microsoft.com/office/drawing/2014/main" val="10003"/>
                   </a:ext>
                 </a:extLst>
               </a:tr>
@@ -53316,7 +53316,7 @@
                 </a:tc>
                 <a:extLst>
                   <a:ext uri="{0D108BD9-81ED-4DB2-BD59-A6C34878D82A}">
-                    <a16:rowId xmlns:a16="http://schemas.microsoft.com/office/drawing/2014/main" xmlns="" val="10004"/>
+                    <a16:rowId xmlns:a16="http://schemas.microsoft.com/office/drawing/2014/main" val="10004"/>
                   </a:ext>
                 </a:extLst>
               </a:tr>
@@ -54797,233 +54797,228 @@
               <a:t>feeling</a:t>
             </a:r>
             <a:r>
-              <a:rPr lang="de-CH" dirty="0" smtClean="0"/>
+              <a:rPr lang="de-CH" dirty="0"/>
               <a:t>.</a:t>
             </a:r>
             <a:br>
-              <a:rPr lang="de-CH" dirty="0" smtClean="0"/>
+              <a:rPr lang="de-CH" dirty="0"/>
             </a:br>
             <a:r>
-              <a:rPr lang="de-CH" dirty="0" err="1" smtClean="0"/>
+              <a:rPr lang="de-CH" dirty="0" err="1"/>
               <a:t>During</a:t>
             </a:r>
             <a:r>
-              <a:rPr lang="de-CH" dirty="0" smtClean="0"/>
+              <a:rPr lang="de-CH" dirty="0"/>
               <a:t> </a:t>
             </a:r>
             <a:r>
-              <a:rPr lang="de-CH" dirty="0" err="1" smtClean="0"/>
+              <a:rPr lang="de-CH" dirty="0" err="1"/>
               <a:t>the</a:t>
             </a:r>
             <a:r>
-              <a:rPr lang="de-CH" dirty="0" smtClean="0"/>
+              <a:rPr lang="de-CH" dirty="0"/>
               <a:t> </a:t>
             </a:r>
             <a:r>
-              <a:rPr lang="de-CH" dirty="0" err="1" smtClean="0"/>
+              <a:rPr lang="de-CH" dirty="0" err="1"/>
               <a:t>testing</a:t>
             </a:r>
             <a:r>
-              <a:rPr lang="de-CH" dirty="0" smtClean="0"/>
+              <a:rPr lang="de-CH" dirty="0"/>
               <a:t> </a:t>
             </a:r>
             <a:r>
-              <a:rPr lang="de-CH" dirty="0" err="1" smtClean="0"/>
+              <a:rPr lang="de-CH" dirty="0" err="1"/>
               <a:t>part</a:t>
             </a:r>
             <a:r>
-              <a:rPr lang="de-CH" dirty="0" smtClean="0"/>
+              <a:rPr lang="de-CH" dirty="0"/>
               <a:t> </a:t>
             </a:r>
             <a:r>
-              <a:rPr lang="de-CH" dirty="0" err="1" smtClean="0"/>
+              <a:rPr lang="de-CH" dirty="0" err="1"/>
               <a:t>we</a:t>
             </a:r>
             <a:r>
-              <a:rPr lang="de-CH" dirty="0" smtClean="0"/>
+              <a:rPr lang="de-CH" dirty="0"/>
               <a:t> </a:t>
             </a:r>
             <a:r>
-              <a:rPr lang="de-CH" dirty="0" err="1" smtClean="0"/>
+              <a:rPr lang="de-CH" dirty="0" err="1"/>
               <a:t>used</a:t>
             </a:r>
             <a:r>
-              <a:rPr lang="de-CH" dirty="0" smtClean="0"/>
+              <a:rPr lang="de-CH" dirty="0"/>
               <a:t> different </a:t>
             </a:r>
             <a:r>
-              <a:rPr lang="de-CH" dirty="0" err="1" smtClean="0"/>
+              <a:rPr lang="de-CH" dirty="0" err="1"/>
               <a:t>datasets</a:t>
             </a:r>
             <a:r>
-              <a:rPr lang="de-CH" dirty="0" smtClean="0"/>
+              <a:rPr lang="de-CH" dirty="0"/>
               <a:t>. The </a:t>
             </a:r>
             <a:r>
-              <a:rPr lang="de-CH" dirty="0" err="1" smtClean="0"/>
+              <a:rPr lang="de-CH" dirty="0" err="1"/>
               <a:t>one</a:t>
             </a:r>
             <a:r>
-              <a:rPr lang="de-CH" dirty="0" smtClean="0"/>
+              <a:rPr lang="de-CH" dirty="0"/>
               <a:t> </a:t>
             </a:r>
             <a:r>
-              <a:rPr lang="de-CH" dirty="0" err="1" smtClean="0"/>
+              <a:rPr lang="de-CH" dirty="0" err="1"/>
               <a:t>provided</a:t>
             </a:r>
             <a:r>
-              <a:rPr lang="de-CH" dirty="0" smtClean="0"/>
+              <a:rPr lang="de-CH" dirty="0"/>
               <a:t> </a:t>
             </a:r>
             <a:r>
-              <a:rPr lang="de-CH" dirty="0" err="1" smtClean="0"/>
+              <a:rPr lang="de-CH" dirty="0" err="1"/>
               <a:t>from</a:t>
             </a:r>
             <a:r>
-              <a:rPr lang="de-CH" dirty="0" smtClean="0"/>
+              <a:rPr lang="de-CH" dirty="0"/>
               <a:t> </a:t>
             </a:r>
             <a:r>
-              <a:rPr lang="de-CH" dirty="0" err="1" smtClean="0"/>
+              <a:rPr lang="de-CH" dirty="0" err="1"/>
               <a:t>our</a:t>
             </a:r>
             <a:r>
-              <a:rPr lang="de-CH" dirty="0" smtClean="0"/>
+              <a:rPr lang="de-CH" dirty="0"/>
               <a:t> </a:t>
             </a:r>
             <a:r>
-              <a:rPr lang="de-CH" dirty="0" err="1" smtClean="0"/>
+              <a:rPr lang="de-CH" dirty="0" err="1"/>
               <a:t>supervisor</a:t>
             </a:r>
             <a:r>
-              <a:rPr lang="de-CH" dirty="0" smtClean="0"/>
+              <a:rPr lang="de-CH" dirty="0"/>
               <a:t> </a:t>
             </a:r>
             <a:r>
-              <a:rPr lang="de-CH" dirty="0" err="1" smtClean="0"/>
+              <a:rPr lang="de-CH" dirty="0" err="1"/>
               <a:t>is</a:t>
             </a:r>
             <a:r>
-              <a:rPr lang="de-CH" dirty="0" smtClean="0"/>
+              <a:rPr lang="de-CH" dirty="0"/>
               <a:t> </a:t>
             </a:r>
             <a:r>
-              <a:rPr lang="de-CH" dirty="0" err="1" smtClean="0"/>
+              <a:rPr lang="de-CH" dirty="0" err="1"/>
               <a:t>obtained</a:t>
             </a:r>
             <a:r>
-              <a:rPr lang="de-CH" dirty="0" smtClean="0"/>
+              <a:rPr lang="de-CH" dirty="0"/>
               <a:t> </a:t>
             </a:r>
             <a:r>
-              <a:rPr lang="de-CH" dirty="0" err="1" smtClean="0"/>
+              <a:rPr lang="de-CH" dirty="0" err="1"/>
               <a:t>from</a:t>
             </a:r>
             <a:r>
-              <a:rPr lang="de-CH" dirty="0" smtClean="0"/>
+              <a:rPr lang="de-CH" dirty="0"/>
               <a:t> 10 </a:t>
             </a:r>
             <a:r>
-              <a:rPr lang="de-CH" dirty="0" err="1" smtClean="0"/>
+              <a:rPr lang="de-CH" dirty="0" err="1"/>
               <a:t>cameras</a:t>
             </a:r>
             <a:r>
-              <a:rPr lang="de-CH" dirty="0" smtClean="0"/>
+              <a:rPr lang="de-CH" dirty="0"/>
               <a:t> </a:t>
             </a:r>
             <a:r>
-              <a:rPr lang="de-CH" dirty="0" err="1" smtClean="0"/>
+              <a:rPr lang="de-CH" dirty="0" err="1"/>
               <a:t>mounted</a:t>
             </a:r>
             <a:r>
-              <a:rPr lang="de-CH" dirty="0" smtClean="0"/>
+              <a:rPr lang="de-CH" dirty="0"/>
               <a:t> on a </a:t>
             </a:r>
             <a:r>
-              <a:rPr lang="de-CH" dirty="0" err="1" smtClean="0"/>
+              <a:rPr lang="de-CH" dirty="0" err="1"/>
               <a:t>robot</a:t>
             </a:r>
             <a:r>
-              <a:rPr lang="de-CH" dirty="0" smtClean="0"/>
-              <a:t>. </a:t>
-            </a:r>
-            <a:r>
-              <a:rPr lang="de-CH" dirty="0" smtClean="0"/>
-              <a:t>The </a:t>
-            </a:r>
-            <a:r>
-              <a:rPr lang="de-CH" dirty="0" err="1" smtClean="0"/>
+              <a:rPr lang="de-CH" dirty="0"/>
+              <a:t>. The </a:t>
+            </a:r>
+            <a:r>
+              <a:rPr lang="de-CH" dirty="0" err="1"/>
               <a:t>calibration</a:t>
             </a:r>
             <a:r>
-              <a:rPr lang="de-CH" dirty="0" smtClean="0"/>
+              <a:rPr lang="de-CH" dirty="0"/>
               <a:t> </a:t>
             </a:r>
             <a:r>
-              <a:rPr lang="de-CH" dirty="0" err="1" smtClean="0"/>
+              <a:rPr lang="de-CH" dirty="0" err="1"/>
               <a:t>information</a:t>
             </a:r>
             <a:r>
-              <a:rPr lang="de-CH" dirty="0" smtClean="0"/>
+              <a:rPr lang="de-CH" dirty="0"/>
               <a:t> </a:t>
             </a:r>
             <a:r>
-              <a:rPr lang="de-CH" dirty="0" err="1" smtClean="0"/>
+              <a:rPr lang="de-CH" dirty="0" err="1"/>
               <a:t>of</a:t>
             </a:r>
             <a:r>
-              <a:rPr lang="de-CH" dirty="0" smtClean="0"/>
+              <a:rPr lang="de-CH" dirty="0"/>
               <a:t> </a:t>
             </a:r>
             <a:r>
-              <a:rPr lang="de-CH" dirty="0" err="1" smtClean="0"/>
+              <a:rPr lang="de-CH" dirty="0" err="1"/>
               <a:t>every</a:t>
             </a:r>
             <a:r>
-              <a:rPr lang="de-CH" dirty="0" smtClean="0"/>
+              <a:rPr lang="de-CH" dirty="0"/>
               <a:t> </a:t>
             </a:r>
             <a:r>
-              <a:rPr lang="de-CH" dirty="0" err="1" smtClean="0"/>
+              <a:rPr lang="de-CH" dirty="0" err="1"/>
               <a:t>camera</a:t>
             </a:r>
             <a:r>
-              <a:rPr lang="de-CH" dirty="0" smtClean="0"/>
+              <a:rPr lang="de-CH" dirty="0"/>
               <a:t> was also </a:t>
             </a:r>
             <a:r>
-              <a:rPr lang="de-CH" dirty="0" err="1" smtClean="0"/>
+              <a:rPr lang="de-CH" dirty="0" err="1"/>
               <a:t>made</a:t>
             </a:r>
             <a:r>
-              <a:rPr lang="de-CH" dirty="0" smtClean="0"/>
+              <a:rPr lang="de-CH" dirty="0"/>
               <a:t> </a:t>
             </a:r>
             <a:r>
-              <a:rPr lang="de-CH" dirty="0" err="1" smtClean="0"/>
+              <a:rPr lang="de-CH" dirty="0" err="1"/>
               <a:t>available</a:t>
             </a:r>
             <a:r>
-              <a:rPr lang="de-CH" dirty="0" smtClean="0"/>
+              <a:rPr lang="de-CH" dirty="0"/>
               <a:t> </a:t>
             </a:r>
             <a:r>
-              <a:rPr lang="de-CH" dirty="0" err="1" smtClean="0"/>
+              <a:rPr lang="de-CH" dirty="0" err="1"/>
               <a:t>to</a:t>
             </a:r>
             <a:r>
-              <a:rPr lang="de-CH" dirty="0" smtClean="0"/>
+              <a:rPr lang="de-CH" dirty="0"/>
               <a:t> </a:t>
             </a:r>
             <a:r>
-              <a:rPr lang="de-CH" dirty="0" err="1" smtClean="0"/>
+              <a:rPr lang="de-CH" dirty="0" err="1"/>
               <a:t>us</a:t>
             </a:r>
             <a:r>
-              <a:rPr lang="de-CH" dirty="0" smtClean="0"/>
+              <a:rPr lang="de-CH" dirty="0"/>
               <a:t>.</a:t>
             </a:r>
-            <a:endParaRPr lang="de-CH" dirty="0"/>
           </a:p>
         </p:txBody>
       </p:sp>
@@ -55392,14 +55387,10 @@
           <a:p>
             <a:r>
               <a:rPr lang="en-US" dirty="0"/>
-              <a:t>Recently, Google introduced </a:t>
-            </a:r>
-            <a:r>
-              <a:rPr lang="en-US" dirty="0" smtClean="0"/>
-              <a:t>Jump </a:t>
-            </a:r>
-            <a:r>
-              <a:rPr lang="en-US" baseline="30000" dirty="0" smtClean="0"/>
+              <a:t>Recently, Google introduced Jump </a:t>
+            </a:r>
+            <a:r>
+              <a:rPr lang="en-US" baseline="30000" dirty="0"/>
               <a:t>1</a:t>
             </a:r>
             <a:r>
@@ -55407,64 +55398,12 @@
               <a:t>, a hardware and software framework for the offline rendering of </a:t>
             </a:r>
             <a:r>
-              <a:rPr lang="en-US" dirty="0" err="1" smtClean="0"/>
+              <a:rPr lang="en-US" dirty="0" err="1"/>
               <a:t>omni</a:t>
             </a:r>
             <a:r>
-              <a:rPr lang="en-US" dirty="0" smtClean="0"/>
-              <a:t>-directional stereo </a:t>
-            </a:r>
-            <a:r>
               <a:rPr lang="en-US" dirty="0"/>
-              <a:t>(ODS) videos for virtual reality(VR). Since Jump is designed as a complete solution, the </a:t>
-            </a:r>
-            <a:r>
-              <a:rPr lang="en-US" dirty="0" smtClean="0"/>
-              <a:t>vision algorithms </a:t>
-            </a:r>
-            <a:r>
-              <a:rPr lang="en-US" dirty="0"/>
-              <a:t>it employs are optimized for a specific camera rig: the GoPro Odyssey. The goal of this project is </a:t>
-            </a:r>
-            <a:r>
-              <a:rPr lang="en-US" dirty="0" smtClean="0"/>
-              <a:t>to implement </a:t>
-            </a:r>
-            <a:r>
-              <a:rPr lang="en-US" dirty="0"/>
-              <a:t>their ODS capture and composting algorithm and </a:t>
-            </a:r>
-            <a:r>
-              <a:rPr lang="en-US" dirty="0" smtClean="0"/>
-              <a:t>analyze its </a:t>
-            </a:r>
-            <a:r>
-              <a:rPr lang="en-US" dirty="0"/>
-              <a:t>ability to render stereo images and </a:t>
-            </a:r>
-            <a:r>
-              <a:rPr lang="en-US" dirty="0" smtClean="0"/>
-              <a:t>videos captured </a:t>
-            </a:r>
-            <a:r>
-              <a:rPr lang="en-US" dirty="0"/>
-              <a:t>through other means. At the end of the project, we hope to be able to render ODS content that can </a:t>
-            </a:r>
-            <a:r>
-              <a:rPr lang="en-US" dirty="0" smtClean="0"/>
-              <a:t>be viewed </a:t>
-            </a:r>
-            <a:r>
-              <a:rPr lang="en-US" dirty="0"/>
-              <a:t>on the Google </a:t>
-            </a:r>
-            <a:r>
-              <a:rPr lang="en-US" dirty="0" smtClean="0"/>
-              <a:t>Cardboard; a </a:t>
-            </a:r>
-            <a:r>
-              <a:rPr lang="en-US" dirty="0"/>
-              <a:t>cost effective head mounted display (HMD) for VR.</a:t>
+              <a:t>-directional stereo (ODS) videos for virtual reality(VR). Since Jump is designed as a complete solution, the vision algorithms it employs are optimized for a specific camera rig: the GoPro Odyssey. The goal of this project is to implement their ODS capture and composting algorithm and analyze its ability to render stereo images and videos captured through other means. At the end of the project, we hope to be able to render ODS content that can be viewed on the Google Cardboard; a cost effective head mounted display (HMD) for VR.</a:t>
             </a:r>
           </a:p>
         </p:txBody>

--- a/poster/Group9_poster.pptx
+++ b/poster/Group9_poster.pptx
@@ -49568,7 +49568,28 @@
           <a:p>
             <a:r>
               <a:rPr lang="en-US" dirty="0"/>
-              <a:t>The result of the described method are omni-directional stereo images, which can be viewed in the Google Cardboard. An example of such a omnidirectional stereo image, which consists of two stacked panoramas, can be seen in figure 2.</a:t>
+              <a:t>One intermediate result is the per pixel optical flow computation.</a:t>
+            </a:r>
+          </a:p>
+          <a:p>
+            <a:endParaRPr lang="en-US" dirty="0"/>
+          </a:p>
+          <a:p>
+            <a:endParaRPr lang="en-US" dirty="0"/>
+          </a:p>
+          <a:p>
+            <a:endParaRPr lang="en-US" dirty="0"/>
+          </a:p>
+          <a:p>
+            <a:endParaRPr lang="en-US" dirty="0"/>
+          </a:p>
+          <a:p>
+            <a:endParaRPr lang="en-US" dirty="0"/>
+          </a:p>
+          <a:p>
+            <a:r>
+              <a:rPr lang="en-US" dirty="0"/>
+              <a:t>The final results of the described method are omni-directional stereo images (see figure 3), which can be viewed in the Google Cardboard.</a:t>
             </a:r>
           </a:p>
           <a:p>
@@ -49605,10 +49626,10 @@
             <a:endParaRPr lang="de-CH" dirty="0"/>
           </a:p>
           <a:p>
-            <a:endParaRPr lang="de-CH" dirty="0"/>
+            <a:endParaRPr lang="en-US" b="1" dirty="0"/>
           </a:p>
           <a:p>
-            <a:endParaRPr lang="de-CH" dirty="0"/>
+            <a:endParaRPr lang="en-US" b="1" dirty="0"/>
           </a:p>
           <a:p>
             <a:r>
@@ -49707,7 +49728,7 @@
             </a:r>
             <a:r>
               <a:rPr lang="de-CH" dirty="0" err="1"/>
-              <a:t>reason</a:t>
+              <a:t>main</a:t>
             </a:r>
             <a:r>
               <a:rPr lang="de-CH" dirty="0"/>
@@ -49715,7 +49736,7 @@
             </a:r>
             <a:r>
               <a:rPr lang="de-CH" dirty="0" err="1"/>
-              <a:t>for</a:t>
+              <a:t>reason</a:t>
             </a:r>
             <a:r>
               <a:rPr lang="de-CH" dirty="0"/>
@@ -49723,7 +49744,7 @@
             </a:r>
             <a:r>
               <a:rPr lang="de-CH" dirty="0" err="1"/>
-              <a:t>this</a:t>
+              <a:t>for</a:t>
             </a:r>
             <a:r>
               <a:rPr lang="de-CH" dirty="0"/>
@@ -49731,7 +49752,7 @@
             </a:r>
             <a:r>
               <a:rPr lang="de-CH" dirty="0" err="1"/>
-              <a:t>is</a:t>
+              <a:t>the</a:t>
             </a:r>
             <a:r>
               <a:rPr lang="de-CH" dirty="0"/>
@@ -49739,7 +49760,7 @@
             </a:r>
             <a:r>
               <a:rPr lang="de-CH" dirty="0" err="1"/>
-              <a:t>that</a:t>
+              <a:t>lower</a:t>
             </a:r>
             <a:r>
               <a:rPr lang="de-CH" dirty="0"/>
@@ -49747,7 +49768,7 @@
             </a:r>
             <a:r>
               <a:rPr lang="de-CH" dirty="0" err="1"/>
-              <a:t>we</a:t>
+              <a:t>visual</a:t>
             </a:r>
             <a:r>
               <a:rPr lang="de-CH" dirty="0"/>
@@ -49755,6 +49776,62 @@
             </a:r>
             <a:r>
               <a:rPr lang="de-CH" dirty="0" err="1"/>
+              <a:t>quality</a:t>
+            </a:r>
+            <a:r>
+              <a:rPr lang="de-CH" dirty="0"/>
+              <a:t> </a:t>
+            </a:r>
+            <a:r>
+              <a:rPr lang="de-CH" dirty="0" err="1"/>
+              <a:t>of</a:t>
+            </a:r>
+            <a:r>
+              <a:rPr lang="de-CH" dirty="0"/>
+              <a:t> </a:t>
+            </a:r>
+            <a:r>
+              <a:rPr lang="de-CH" dirty="0" err="1"/>
+              <a:t>our</a:t>
+            </a:r>
+            <a:r>
+              <a:rPr lang="de-CH" dirty="0"/>
+              <a:t> </a:t>
+            </a:r>
+            <a:r>
+              <a:rPr lang="de-CH" dirty="0" err="1"/>
+              <a:t>panoramas</a:t>
+            </a:r>
+            <a:r>
+              <a:rPr lang="de-CH" dirty="0"/>
+              <a:t> </a:t>
+            </a:r>
+            <a:r>
+              <a:rPr lang="de-CH" dirty="0" err="1"/>
+              <a:t>is</a:t>
+            </a:r>
+            <a:r>
+              <a:rPr lang="de-CH" dirty="0"/>
+              <a:t> </a:t>
+            </a:r>
+            <a:r>
+              <a:rPr lang="de-CH" dirty="0" err="1"/>
+              <a:t>that</a:t>
+            </a:r>
+            <a:r>
+              <a:rPr lang="de-CH" dirty="0"/>
+              <a:t> </a:t>
+            </a:r>
+            <a:r>
+              <a:rPr lang="de-CH" dirty="0" err="1"/>
+              <a:t>we</a:t>
+            </a:r>
+            <a:r>
+              <a:rPr lang="de-CH" dirty="0"/>
+              <a:t> </a:t>
+            </a:r>
+            <a:r>
+              <a:rPr lang="de-CH" dirty="0" err="1"/>
               <a:t>used</a:t>
             </a:r>
             <a:r>
@@ -49851,7 +49928,199 @@
             </a:r>
             <a:r>
               <a:rPr lang="de-CH" dirty="0" err="1"/>
-              <a:t>Furthermore</a:t>
+              <a:t>Because</a:t>
+            </a:r>
+            <a:r>
+              <a:rPr lang="de-CH" dirty="0"/>
+              <a:t> </a:t>
+            </a:r>
+            <a:r>
+              <a:rPr lang="de-CH" dirty="0" err="1"/>
+              <a:t>our</a:t>
+            </a:r>
+            <a:r>
+              <a:rPr lang="de-CH" dirty="0"/>
+              <a:t> </a:t>
+            </a:r>
+            <a:r>
+              <a:rPr lang="de-CH" dirty="0" err="1"/>
+              <a:t>method</a:t>
+            </a:r>
+            <a:r>
+              <a:rPr lang="de-CH" dirty="0"/>
+              <a:t> </a:t>
+            </a:r>
+            <a:r>
+              <a:rPr lang="de-CH" dirty="0" err="1"/>
+              <a:t>is</a:t>
+            </a:r>
+            <a:r>
+              <a:rPr lang="de-CH" dirty="0"/>
+              <a:t> not </a:t>
+            </a:r>
+            <a:r>
+              <a:rPr lang="de-CH" dirty="0" err="1"/>
+              <a:t>based</a:t>
+            </a:r>
+            <a:r>
+              <a:rPr lang="de-CH" dirty="0"/>
+              <a:t> on a </a:t>
+            </a:r>
+            <a:r>
+              <a:rPr lang="de-CH" dirty="0" err="1"/>
+              <a:t>coarse</a:t>
+            </a:r>
+            <a:r>
+              <a:rPr lang="de-CH" dirty="0"/>
+              <a:t>-</a:t>
+            </a:r>
+            <a:r>
+              <a:rPr lang="de-CH" dirty="0" err="1"/>
+              <a:t>to</a:t>
+            </a:r>
+            <a:r>
+              <a:rPr lang="de-CH" dirty="0"/>
+              <a:t>-fine </a:t>
+            </a:r>
+            <a:r>
+              <a:rPr lang="de-CH" dirty="0" err="1"/>
+              <a:t>approach</a:t>
+            </a:r>
+            <a:r>
+              <a:rPr lang="de-CH" dirty="0"/>
+              <a:t> like </a:t>
+            </a:r>
+            <a:r>
+              <a:rPr lang="de-CH" dirty="0" err="1"/>
+              <a:t>the</a:t>
+            </a:r>
+            <a:r>
+              <a:rPr lang="de-CH" dirty="0"/>
+              <a:t> </a:t>
+            </a:r>
+            <a:r>
+              <a:rPr lang="de-CH" dirty="0" err="1"/>
+              <a:t>procedure</a:t>
+            </a:r>
+            <a:r>
+              <a:rPr lang="de-CH" dirty="0"/>
+              <a:t> </a:t>
+            </a:r>
+            <a:r>
+              <a:rPr lang="de-CH" dirty="0" err="1"/>
+              <a:t>presented</a:t>
+            </a:r>
+            <a:r>
+              <a:rPr lang="de-CH" dirty="0"/>
+              <a:t> in </a:t>
+            </a:r>
+            <a:r>
+              <a:rPr lang="de-CH" dirty="0" err="1"/>
+              <a:t>the</a:t>
+            </a:r>
+            <a:r>
+              <a:rPr lang="de-CH" dirty="0"/>
+              <a:t> Jump </a:t>
+            </a:r>
+            <a:r>
+              <a:rPr lang="de-CH" dirty="0" err="1"/>
+              <a:t>paper</a:t>
+            </a:r>
+            <a:r>
+              <a:rPr lang="de-CH" dirty="0"/>
+              <a:t>. </a:t>
+            </a:r>
+            <a:r>
+              <a:rPr lang="de-CH" dirty="0" err="1"/>
+              <a:t>We</a:t>
+            </a:r>
+            <a:r>
+              <a:rPr lang="de-CH" dirty="0"/>
+              <a:t> </a:t>
+            </a:r>
+            <a:r>
+              <a:rPr lang="de-CH" dirty="0" err="1"/>
+              <a:t>adapted</a:t>
+            </a:r>
+            <a:r>
+              <a:rPr lang="de-CH" dirty="0"/>
+              <a:t> </a:t>
+            </a:r>
+            <a:r>
+              <a:rPr lang="de-CH" dirty="0" err="1"/>
+              <a:t>the</a:t>
+            </a:r>
+            <a:r>
+              <a:rPr lang="de-CH" dirty="0"/>
+              <a:t> </a:t>
+            </a:r>
+            <a:r>
+              <a:rPr lang="de-CH" dirty="0" err="1"/>
+              <a:t>standard</a:t>
+            </a:r>
+            <a:r>
+              <a:rPr lang="de-CH" dirty="0"/>
+              <a:t> per-pixel </a:t>
+            </a:r>
+            <a:r>
+              <a:rPr lang="de-CH" dirty="0" err="1"/>
+              <a:t>optical</a:t>
+            </a:r>
+            <a:r>
+              <a:rPr lang="de-CH" dirty="0"/>
+              <a:t> </a:t>
+            </a:r>
+            <a:r>
+              <a:rPr lang="de-CH" dirty="0" err="1"/>
+              <a:t>flow</a:t>
+            </a:r>
+            <a:r>
+              <a:rPr lang="de-CH" dirty="0"/>
+              <a:t> </a:t>
+            </a:r>
+            <a:r>
+              <a:rPr lang="de-CH" dirty="0" err="1"/>
+              <a:t>method</a:t>
+            </a:r>
+            <a:r>
+              <a:rPr lang="de-CH" dirty="0"/>
+              <a:t> </a:t>
+            </a:r>
+            <a:r>
+              <a:rPr lang="de-CH" dirty="0" err="1"/>
+              <a:t>of</a:t>
+            </a:r>
+            <a:r>
+              <a:rPr lang="de-CH" dirty="0"/>
+              <a:t> </a:t>
+            </a:r>
+            <a:r>
+              <a:rPr lang="de-CH" dirty="0" err="1"/>
+              <a:t>the</a:t>
+            </a:r>
+            <a:r>
+              <a:rPr lang="de-CH" dirty="0"/>
+              <a:t> </a:t>
+            </a:r>
+            <a:r>
+              <a:rPr lang="de-CH" dirty="0" err="1"/>
+              <a:t>OpenCV</a:t>
+            </a:r>
+            <a:r>
+              <a:rPr lang="de-CH" dirty="0"/>
+              <a:t> </a:t>
+            </a:r>
+            <a:r>
+              <a:rPr lang="de-CH" dirty="0" err="1"/>
+              <a:t>libary</a:t>
+            </a:r>
+            <a:r>
+              <a:rPr lang="de-CH" dirty="0"/>
+              <a:t>. </a:t>
+            </a:r>
+            <a:r>
+              <a:rPr lang="de-CH" dirty="0" err="1"/>
+              <a:t>Additionally</a:t>
             </a:r>
             <a:r>
               <a:rPr lang="de-CH" dirty="0"/>
@@ -49859,7 +50128,7 @@
             </a:r>
             <a:r>
               <a:rPr lang="de-CH" dirty="0" err="1"/>
-              <a:t>we</a:t>
+              <a:t>this</a:t>
             </a:r>
             <a:r>
               <a:rPr lang="de-CH" dirty="0"/>
@@ -49867,6 +50136,238 @@
             </a:r>
             <a:r>
               <a:rPr lang="de-CH" dirty="0" err="1"/>
+              <a:t>approach</a:t>
+            </a:r>
+            <a:r>
+              <a:rPr lang="de-CH" dirty="0"/>
+              <a:t> </a:t>
+            </a:r>
+            <a:r>
+              <a:rPr lang="de-CH" dirty="0" err="1"/>
+              <a:t>does</a:t>
+            </a:r>
+            <a:r>
+              <a:rPr lang="de-CH" dirty="0"/>
+              <a:t> not </a:t>
+            </a:r>
+            <a:r>
+              <a:rPr lang="de-CH" dirty="0" err="1"/>
+              <a:t>take</a:t>
+            </a:r>
+            <a:r>
+              <a:rPr lang="de-CH" dirty="0"/>
+              <a:t> </a:t>
+            </a:r>
+            <a:r>
+              <a:rPr lang="de-CH" dirty="0" err="1"/>
+              <a:t>into</a:t>
+            </a:r>
+            <a:r>
+              <a:rPr lang="de-CH" dirty="0"/>
+              <a:t> </a:t>
+            </a:r>
+            <a:r>
+              <a:rPr lang="de-CH" dirty="0" err="1"/>
+              <a:t>account</a:t>
+            </a:r>
+            <a:r>
+              <a:rPr lang="de-CH" dirty="0"/>
+              <a:t> </a:t>
+            </a:r>
+            <a:r>
+              <a:rPr lang="de-CH" dirty="0" err="1"/>
+              <a:t>the</a:t>
+            </a:r>
+            <a:r>
+              <a:rPr lang="de-CH" dirty="0"/>
+              <a:t> </a:t>
+            </a:r>
+            <a:r>
+              <a:rPr lang="de-CH" dirty="0" err="1"/>
+              <a:t>borders</a:t>
+            </a:r>
+            <a:r>
+              <a:rPr lang="de-CH" dirty="0"/>
+              <a:t> </a:t>
+            </a:r>
+            <a:r>
+              <a:rPr lang="de-CH" dirty="0" err="1"/>
+              <a:t>of</a:t>
+            </a:r>
+            <a:r>
+              <a:rPr lang="de-CH" dirty="0"/>
+              <a:t> an </a:t>
+            </a:r>
+            <a:r>
+              <a:rPr lang="de-CH" dirty="0" err="1"/>
+              <a:t>object</a:t>
+            </a:r>
+            <a:r>
+              <a:rPr lang="de-CH" dirty="0"/>
+              <a:t> </a:t>
+            </a:r>
+            <a:r>
+              <a:rPr lang="de-CH" dirty="0" err="1"/>
+              <a:t>and</a:t>
+            </a:r>
+            <a:r>
+              <a:rPr lang="de-CH" dirty="0"/>
+              <a:t> </a:t>
+            </a:r>
+            <a:r>
+              <a:rPr lang="de-CH" dirty="0" err="1"/>
+              <a:t>is</a:t>
+            </a:r>
+            <a:r>
+              <a:rPr lang="de-CH" dirty="0"/>
+              <a:t> </a:t>
+            </a:r>
+            <a:r>
+              <a:rPr lang="de-CH" dirty="0" err="1"/>
+              <a:t>therefore</a:t>
+            </a:r>
+            <a:r>
+              <a:rPr lang="de-CH" dirty="0"/>
+              <a:t> not </a:t>
+            </a:r>
+            <a:r>
+              <a:rPr lang="de-CH" dirty="0" err="1"/>
+              <a:t>edge</a:t>
+            </a:r>
+            <a:r>
+              <a:rPr lang="de-CH" dirty="0"/>
+              <a:t> </a:t>
+            </a:r>
+            <a:r>
+              <a:rPr lang="de-CH" dirty="0" err="1"/>
+              <a:t>preserving</a:t>
+            </a:r>
+            <a:r>
+              <a:rPr lang="de-CH" dirty="0"/>
+              <a:t> in </a:t>
+            </a:r>
+            <a:r>
+              <a:rPr lang="de-CH" dirty="0" err="1"/>
+              <a:t>contrast</a:t>
+            </a:r>
+            <a:r>
+              <a:rPr lang="de-CH" dirty="0"/>
+              <a:t> </a:t>
+            </a:r>
+            <a:r>
+              <a:rPr lang="de-CH" dirty="0" err="1"/>
+              <a:t>to</a:t>
+            </a:r>
+            <a:r>
+              <a:rPr lang="de-CH" dirty="0"/>
+              <a:t> </a:t>
+            </a:r>
+            <a:r>
+              <a:rPr lang="de-CH" dirty="0" err="1"/>
+              <a:t>the</a:t>
+            </a:r>
+            <a:r>
+              <a:rPr lang="de-CH" dirty="0"/>
+              <a:t> bilateral-</a:t>
+            </a:r>
+            <a:r>
+              <a:rPr lang="de-CH" dirty="0" err="1"/>
+              <a:t>solver</a:t>
+            </a:r>
+            <a:r>
+              <a:rPr lang="de-CH" dirty="0"/>
+              <a:t> </a:t>
+            </a:r>
+            <a:r>
+              <a:rPr lang="de-CH" dirty="0" err="1"/>
+              <a:t>used</a:t>
+            </a:r>
+            <a:r>
+              <a:rPr lang="de-CH" dirty="0"/>
+              <a:t> in </a:t>
+            </a:r>
+            <a:r>
+              <a:rPr lang="de-CH" dirty="0" err="1"/>
+              <a:t>the</a:t>
+            </a:r>
+            <a:r>
+              <a:rPr lang="de-CH" dirty="0"/>
+              <a:t> Jump </a:t>
+            </a:r>
+            <a:r>
+              <a:rPr lang="de-CH" dirty="0" err="1"/>
+              <a:t>paper</a:t>
+            </a:r>
+            <a:r>
+              <a:rPr lang="de-CH" dirty="0"/>
+              <a:t>, </a:t>
+            </a:r>
+            <a:r>
+              <a:rPr lang="de-CH" dirty="0" err="1"/>
+              <a:t>which</a:t>
+            </a:r>
+            <a:r>
+              <a:rPr lang="de-CH" dirty="0"/>
+              <a:t> also </a:t>
+            </a:r>
+            <a:r>
+              <a:rPr lang="de-CH" dirty="0" err="1"/>
+              <a:t>respects</a:t>
+            </a:r>
+            <a:r>
+              <a:rPr lang="de-CH" dirty="0"/>
+              <a:t> </a:t>
+            </a:r>
+            <a:r>
+              <a:rPr lang="de-CH" dirty="0" err="1"/>
+              <a:t>the</a:t>
+            </a:r>
+            <a:r>
+              <a:rPr lang="de-CH" dirty="0"/>
+              <a:t> </a:t>
+            </a:r>
+            <a:r>
+              <a:rPr lang="de-CH" dirty="0" err="1"/>
+              <a:t>edges</a:t>
+            </a:r>
+            <a:r>
+              <a:rPr lang="de-CH" dirty="0"/>
+              <a:t> in </a:t>
+            </a:r>
+            <a:r>
+              <a:rPr lang="de-CH" dirty="0" err="1"/>
+              <a:t>the</a:t>
+            </a:r>
+            <a:r>
+              <a:rPr lang="de-CH" dirty="0"/>
+              <a:t> </a:t>
+            </a:r>
+            <a:r>
+              <a:rPr lang="de-CH" dirty="0" err="1"/>
+              <a:t>image</a:t>
+            </a:r>
+            <a:r>
+              <a:rPr lang="de-CH" dirty="0"/>
+              <a:t>. </a:t>
+            </a:r>
+            <a:r>
+              <a:rPr lang="de-CH" dirty="0" err="1"/>
+              <a:t>Furthermore</a:t>
+            </a:r>
+            <a:r>
+              <a:rPr lang="de-CH" dirty="0"/>
+              <a:t>, </a:t>
+            </a:r>
+            <a:r>
+              <a:rPr lang="de-CH" dirty="0" err="1"/>
+              <a:t>we</a:t>
+            </a:r>
+            <a:r>
+              <a:rPr lang="de-CH" dirty="0"/>
+              <a:t> </a:t>
+            </a:r>
+            <a:r>
+              <a:rPr lang="de-CH" dirty="0" err="1"/>
               <a:t>used</a:t>
             </a:r>
             <a:r>
@@ -49899,7 +50400,15 @@
             </a:r>
             <a:r>
               <a:rPr lang="de-CH" dirty="0" err="1"/>
-              <a:t>and</a:t>
+              <a:t>based</a:t>
+            </a:r>
+            <a:r>
+              <a:rPr lang="de-CH" dirty="0"/>
+              <a:t> on a simple linear </a:t>
+            </a:r>
+            <a:r>
+              <a:rPr lang="de-CH" dirty="0" err="1"/>
+              <a:t>interpolation</a:t>
             </a:r>
             <a:r>
               <a:rPr lang="de-CH" dirty="0"/>
@@ -49907,7 +50416,7 @@
             </a:r>
             <a:r>
               <a:rPr lang="de-CH" dirty="0" err="1"/>
-              <a:t>we</a:t>
+              <a:t>and</a:t>
             </a:r>
             <a:r>
               <a:rPr lang="de-CH" dirty="0"/>
@@ -49915,7 +50424,7 @@
             </a:r>
             <a:r>
               <a:rPr lang="de-CH" dirty="0" err="1"/>
-              <a:t>simplified</a:t>
+              <a:t>we</a:t>
             </a:r>
             <a:r>
               <a:rPr lang="de-CH" dirty="0"/>
@@ -49923,7 +50432,7 @@
             </a:r>
             <a:r>
               <a:rPr lang="de-CH" dirty="0" err="1"/>
-              <a:t>the</a:t>
+              <a:t>simplified</a:t>
             </a:r>
             <a:r>
               <a:rPr lang="de-CH" dirty="0"/>
@@ -49931,7 +50440,7 @@
             </a:r>
             <a:r>
               <a:rPr lang="de-CH" dirty="0" err="1"/>
-              <a:t>stitching</a:t>
+              <a:t>the</a:t>
             </a:r>
             <a:r>
               <a:rPr lang="de-CH" dirty="0"/>
@@ -49939,15 +50448,22 @@
             </a:r>
             <a:r>
               <a:rPr lang="de-CH" dirty="0" err="1"/>
+              <a:t>stitching</a:t>
+            </a:r>
+            <a:r>
+              <a:rPr lang="de-CH" dirty="0"/>
+              <a:t> </a:t>
+            </a:r>
+            <a:r>
+              <a:rPr lang="de-CH" dirty="0" err="1"/>
               <a:t>prodcedure</a:t>
             </a:r>
             <a:r>
               <a:rPr lang="de-CH" dirty="0"/>
               <a:t>.</a:t>
             </a:r>
-            <a:br>
-              <a:rPr lang="de-CH" dirty="0"/>
-            </a:br>
+          </a:p>
+          <a:p>
             <a:r>
               <a:rPr lang="de-CH" dirty="0" err="1"/>
               <a:t>Moreover</a:t>
@@ -50698,7 +51214,7 @@
         </p:nvSpPr>
         <p:spPr>
           <a:xfrm>
-            <a:off x="1303297" y="9019108"/>
+            <a:off x="1303297" y="9060774"/>
             <a:ext cx="2727227" cy="246366"/>
           </a:xfrm>
           <a:prstGeom prst="rect">
@@ -50760,2570 +51276,6 @@
           </a:p>
         </p:txBody>
       </p:sp>
-      <p:graphicFrame>
-        <p:nvGraphicFramePr>
-          <p:cNvPr id="49" name="Bildplatzhalter 5"/>
-          <p:cNvGraphicFramePr>
-            <a:graphicFrameLocks/>
-          </p:cNvGraphicFramePr>
-          <p:nvPr>
-            <p:extLst>
-              <p:ext uri="{D42A27DB-BD31-4B8C-83A1-F6EECF244321}">
-                <p14:modId xmlns:p14="http://schemas.microsoft.com/office/powerpoint/2010/main" val="3546765381"/>
-              </p:ext>
-            </p:extLst>
-          </p:nvPr>
-        </p:nvGraphicFramePr>
-        <p:xfrm>
-          <a:off x="5720392" y="9451156"/>
-          <a:ext cx="3852429" cy="839040"/>
-        </p:xfrm>
-        <a:graphic>
-          <a:graphicData uri="http://schemas.openxmlformats.org/drawingml/2006/table">
-            <a:tbl>
-              <a:tblPr firstRow="1" bandRow="1">
-                <a:tableStyleId>{5C22544A-7EE6-4342-B048-85BDC9FD1C3A}</a:tableStyleId>
-              </a:tblPr>
-              <a:tblGrid>
-                <a:gridCol w="1125045">
-                  <a:extLst>
-                    <a:ext uri="{9D8B030D-6E8A-4147-A177-3AD203B41FA5}">
-                      <a16:colId xmlns:a16="http://schemas.microsoft.com/office/drawing/2014/main" val="20000"/>
-                    </a:ext>
-                  </a:extLst>
-                </a:gridCol>
-                <a:gridCol w="340923">
-                  <a:extLst>
-                    <a:ext uri="{9D8B030D-6E8A-4147-A177-3AD203B41FA5}">
-                      <a16:colId xmlns:a16="http://schemas.microsoft.com/office/drawing/2014/main" val="20001"/>
-                    </a:ext>
-                  </a:extLst>
-                </a:gridCol>
-                <a:gridCol w="340923">
-                  <a:extLst>
-                    <a:ext uri="{9D8B030D-6E8A-4147-A177-3AD203B41FA5}">
-                      <a16:colId xmlns:a16="http://schemas.microsoft.com/office/drawing/2014/main" val="20002"/>
-                    </a:ext>
-                  </a:extLst>
-                </a:gridCol>
-                <a:gridCol w="340923">
-                  <a:extLst>
-                    <a:ext uri="{9D8B030D-6E8A-4147-A177-3AD203B41FA5}">
-                      <a16:colId xmlns:a16="http://schemas.microsoft.com/office/drawing/2014/main" val="20003"/>
-                    </a:ext>
-                  </a:extLst>
-                </a:gridCol>
-                <a:gridCol w="340923">
-                  <a:extLst>
-                    <a:ext uri="{9D8B030D-6E8A-4147-A177-3AD203B41FA5}">
-                      <a16:colId xmlns:a16="http://schemas.microsoft.com/office/drawing/2014/main" val="20004"/>
-                    </a:ext>
-                  </a:extLst>
-                </a:gridCol>
-                <a:gridCol w="340923">
-                  <a:extLst>
-                    <a:ext uri="{9D8B030D-6E8A-4147-A177-3AD203B41FA5}">
-                      <a16:colId xmlns:a16="http://schemas.microsoft.com/office/drawing/2014/main" val="20005"/>
-                    </a:ext>
-                  </a:extLst>
-                </a:gridCol>
-                <a:gridCol w="340923">
-                  <a:extLst>
-                    <a:ext uri="{9D8B030D-6E8A-4147-A177-3AD203B41FA5}">
-                      <a16:colId xmlns:a16="http://schemas.microsoft.com/office/drawing/2014/main" val="20006"/>
-                    </a:ext>
-                  </a:extLst>
-                </a:gridCol>
-                <a:gridCol w="340923">
-                  <a:extLst>
-                    <a:ext uri="{9D8B030D-6E8A-4147-A177-3AD203B41FA5}">
-                      <a16:colId xmlns:a16="http://schemas.microsoft.com/office/drawing/2014/main" val="20007"/>
-                    </a:ext>
-                  </a:extLst>
-                </a:gridCol>
-                <a:gridCol w="340923">
-                  <a:extLst>
-                    <a:ext uri="{9D8B030D-6E8A-4147-A177-3AD203B41FA5}">
-                      <a16:colId xmlns:a16="http://schemas.microsoft.com/office/drawing/2014/main" val="20008"/>
-                    </a:ext>
-                  </a:extLst>
-                </a:gridCol>
-              </a:tblGrid>
-              <a:tr h="141027">
-                <a:tc>
-                  <a:txBody>
-                    <a:bodyPr/>
-                    <a:lstStyle/>
-                    <a:p>
-                      <a:r>
-                        <a:rPr lang="de-CH" sz="600" dirty="0">
-                          <a:solidFill>
-                            <a:schemeClr val="accent1"/>
-                          </a:solidFill>
-                        </a:rPr>
-                        <a:t>Table title </a:t>
-                      </a:r>
-                      <a:r>
-                        <a:rPr lang="de-CH" sz="600" dirty="0" err="1">
-                          <a:solidFill>
-                            <a:schemeClr val="accent1"/>
-                          </a:solidFill>
-                        </a:rPr>
-                        <a:t>left</a:t>
-                      </a:r>
-                      <a:endParaRPr lang="de-CH" sz="600" dirty="0">
-                        <a:solidFill>
-                          <a:schemeClr val="accent1"/>
-                        </a:solidFill>
-                      </a:endParaRPr>
-                    </a:p>
-                  </a:txBody>
-                  <a:tcPr marL="50911" marR="50911" marT="25456" marB="50912">
-                    <a:lnL w="12700" cmpd="sng">
-                      <a:noFill/>
-                    </a:lnL>
-                    <a:lnR w="12700" cmpd="sng">
-                      <a:noFill/>
-                    </a:lnR>
-                    <a:lnT w="12700" cmpd="sng">
-                      <a:noFill/>
-                    </a:lnT>
-                    <a:lnB w="6350" cap="flat" cmpd="sng" algn="ctr">
-                      <a:solidFill>
-                        <a:schemeClr val="tx1"/>
-                      </a:solidFill>
-                      <a:prstDash val="solid"/>
-                      <a:round/>
-                      <a:headEnd type="none" w="med" len="med"/>
-                      <a:tailEnd type="none" w="med" len="med"/>
-                    </a:lnB>
-                    <a:lnTlToBr w="12700" cmpd="sng">
-                      <a:noFill/>
-                      <a:prstDash val="solid"/>
-                    </a:lnTlToBr>
-                    <a:lnBlToTr w="12700" cmpd="sng">
-                      <a:noFill/>
-                      <a:prstDash val="solid"/>
-                    </a:lnBlToTr>
-                    <a:solidFill>
-                      <a:schemeClr val="accent6"/>
-                    </a:solidFill>
-                  </a:tcPr>
-                </a:tc>
-                <a:tc>
-                  <a:txBody>
-                    <a:bodyPr/>
-                    <a:lstStyle/>
-                    <a:p>
-                      <a:pPr algn="r"/>
-                      <a:r>
-                        <a:rPr lang="de-CH" sz="600" dirty="0">
-                          <a:solidFill>
-                            <a:schemeClr val="accent1"/>
-                          </a:solidFill>
-                        </a:rPr>
-                        <a:t>511</a:t>
-                      </a:r>
-                    </a:p>
-                  </a:txBody>
-                  <a:tcPr marL="50911" marR="50911" marT="25456" marB="50912">
-                    <a:lnL w="12700" cmpd="sng">
-                      <a:noFill/>
-                    </a:lnL>
-                    <a:lnR w="12700" cmpd="sng">
-                      <a:noFill/>
-                    </a:lnR>
-                    <a:lnT w="12700" cmpd="sng">
-                      <a:noFill/>
-                    </a:lnT>
-                    <a:lnB w="6350" cap="flat" cmpd="sng" algn="ctr">
-                      <a:solidFill>
-                        <a:schemeClr val="tx1"/>
-                      </a:solidFill>
-                      <a:prstDash val="solid"/>
-                      <a:round/>
-                      <a:headEnd type="none" w="med" len="med"/>
-                      <a:tailEnd type="none" w="med" len="med"/>
-                    </a:lnB>
-                    <a:lnTlToBr w="12700" cmpd="sng">
-                      <a:noFill/>
-                      <a:prstDash val="solid"/>
-                    </a:lnTlToBr>
-                    <a:lnBlToTr w="12700" cmpd="sng">
-                      <a:noFill/>
-                      <a:prstDash val="solid"/>
-                    </a:lnBlToTr>
-                    <a:solidFill>
-                      <a:schemeClr val="accent5"/>
-                    </a:solidFill>
-                  </a:tcPr>
-                </a:tc>
-                <a:tc>
-                  <a:txBody>
-                    <a:bodyPr/>
-                    <a:lstStyle/>
-                    <a:p>
-                      <a:pPr algn="r"/>
-                      <a:r>
-                        <a:rPr lang="de-CH" sz="600" dirty="0">
-                          <a:solidFill>
-                            <a:schemeClr val="accent1"/>
-                          </a:solidFill>
-                        </a:rPr>
-                        <a:t>334</a:t>
-                      </a:r>
-                    </a:p>
-                  </a:txBody>
-                  <a:tcPr marL="50911" marR="50911" marT="25456" marB="50912">
-                    <a:lnL w="12700" cmpd="sng">
-                      <a:noFill/>
-                    </a:lnL>
-                    <a:lnR w="12700" cmpd="sng">
-                      <a:noFill/>
-                    </a:lnR>
-                    <a:lnT w="12700" cmpd="sng">
-                      <a:noFill/>
-                    </a:lnT>
-                    <a:lnB w="6350" cap="flat" cmpd="sng" algn="ctr">
-                      <a:solidFill>
-                        <a:schemeClr val="tx1"/>
-                      </a:solidFill>
-                      <a:prstDash val="solid"/>
-                      <a:round/>
-                      <a:headEnd type="none" w="med" len="med"/>
-                      <a:tailEnd type="none" w="med" len="med"/>
-                    </a:lnB>
-                    <a:lnTlToBr w="12700" cmpd="sng">
-                      <a:noFill/>
-                      <a:prstDash val="solid"/>
-                    </a:lnTlToBr>
-                    <a:lnBlToTr w="12700" cmpd="sng">
-                      <a:noFill/>
-                      <a:prstDash val="solid"/>
-                    </a:lnBlToTr>
-                    <a:solidFill>
-                      <a:schemeClr val="accent6"/>
-                    </a:solidFill>
-                  </a:tcPr>
-                </a:tc>
-                <a:tc>
-                  <a:txBody>
-                    <a:bodyPr/>
-                    <a:lstStyle/>
-                    <a:p>
-                      <a:pPr algn="r"/>
-                      <a:r>
-                        <a:rPr lang="de-CH" sz="600" dirty="0">
-                          <a:solidFill>
-                            <a:schemeClr val="accent1"/>
-                          </a:solidFill>
-                        </a:rPr>
-                        <a:t>372</a:t>
-                      </a:r>
-                    </a:p>
-                  </a:txBody>
-                  <a:tcPr marL="50911" marR="50911" marT="25456" marB="50912">
-                    <a:lnL w="12700" cmpd="sng">
-                      <a:noFill/>
-                    </a:lnL>
-                    <a:lnR w="12700" cmpd="sng">
-                      <a:noFill/>
-                    </a:lnR>
-                    <a:lnT w="12700" cmpd="sng">
-                      <a:noFill/>
-                    </a:lnT>
-                    <a:lnB w="6350" cap="flat" cmpd="sng" algn="ctr">
-                      <a:solidFill>
-                        <a:schemeClr val="tx1"/>
-                      </a:solidFill>
-                      <a:prstDash val="solid"/>
-                      <a:round/>
-                      <a:headEnd type="none" w="med" len="med"/>
-                      <a:tailEnd type="none" w="med" len="med"/>
-                    </a:lnB>
-                    <a:lnTlToBr w="12700" cmpd="sng">
-                      <a:noFill/>
-                      <a:prstDash val="solid"/>
-                    </a:lnTlToBr>
-                    <a:lnBlToTr w="12700" cmpd="sng">
-                      <a:noFill/>
-                      <a:prstDash val="solid"/>
-                    </a:lnBlToTr>
-                    <a:solidFill>
-                      <a:schemeClr val="accent5"/>
-                    </a:solidFill>
-                  </a:tcPr>
-                </a:tc>
-                <a:tc>
-                  <a:txBody>
-                    <a:bodyPr/>
-                    <a:lstStyle/>
-                    <a:p>
-                      <a:pPr algn="r"/>
-                      <a:r>
-                        <a:rPr lang="de-CH" sz="600" dirty="0">
-                          <a:solidFill>
-                            <a:schemeClr val="accent1"/>
-                          </a:solidFill>
-                        </a:rPr>
-                        <a:t>76</a:t>
-                      </a:r>
-                    </a:p>
-                  </a:txBody>
-                  <a:tcPr marL="50911" marR="50911" marT="25456" marB="50912">
-                    <a:lnL w="12700" cmpd="sng">
-                      <a:noFill/>
-                    </a:lnL>
-                    <a:lnR w="12700" cmpd="sng">
-                      <a:noFill/>
-                    </a:lnR>
-                    <a:lnT w="12700" cmpd="sng">
-                      <a:noFill/>
-                    </a:lnT>
-                    <a:lnB w="6350" cap="flat" cmpd="sng" algn="ctr">
-                      <a:solidFill>
-                        <a:schemeClr val="tx1"/>
-                      </a:solidFill>
-                      <a:prstDash val="solid"/>
-                      <a:round/>
-                      <a:headEnd type="none" w="med" len="med"/>
-                      <a:tailEnd type="none" w="med" len="med"/>
-                    </a:lnB>
-                    <a:lnTlToBr w="12700" cmpd="sng">
-                      <a:noFill/>
-                      <a:prstDash val="solid"/>
-                    </a:lnTlToBr>
-                    <a:lnBlToTr w="12700" cmpd="sng">
-                      <a:noFill/>
-                      <a:prstDash val="solid"/>
-                    </a:lnBlToTr>
-                    <a:solidFill>
-                      <a:schemeClr val="accent6"/>
-                    </a:solidFill>
-                  </a:tcPr>
-                </a:tc>
-                <a:tc>
-                  <a:txBody>
-                    <a:bodyPr/>
-                    <a:lstStyle/>
-                    <a:p>
-                      <a:pPr algn="r"/>
-                      <a:r>
-                        <a:rPr lang="de-CH" sz="600" dirty="0">
-                          <a:solidFill>
-                            <a:schemeClr val="accent1"/>
-                          </a:solidFill>
-                        </a:rPr>
-                        <a:t>98</a:t>
-                      </a:r>
-                    </a:p>
-                  </a:txBody>
-                  <a:tcPr marL="50911" marR="50911" marT="25456" marB="50912">
-                    <a:lnL w="12700" cmpd="sng">
-                      <a:noFill/>
-                    </a:lnL>
-                    <a:lnR w="12700" cmpd="sng">
-                      <a:noFill/>
-                    </a:lnR>
-                    <a:lnT w="12700" cmpd="sng">
-                      <a:noFill/>
-                    </a:lnT>
-                    <a:lnB w="6350" cap="flat" cmpd="sng" algn="ctr">
-                      <a:solidFill>
-                        <a:schemeClr val="tx1"/>
-                      </a:solidFill>
-                      <a:prstDash val="solid"/>
-                      <a:round/>
-                      <a:headEnd type="none" w="med" len="med"/>
-                      <a:tailEnd type="none" w="med" len="med"/>
-                    </a:lnB>
-                    <a:lnTlToBr w="12700" cmpd="sng">
-                      <a:noFill/>
-                      <a:prstDash val="solid"/>
-                    </a:lnTlToBr>
-                    <a:lnBlToTr w="12700" cmpd="sng">
-                      <a:noFill/>
-                      <a:prstDash val="solid"/>
-                    </a:lnBlToTr>
-                    <a:solidFill>
-                      <a:schemeClr val="accent5"/>
-                    </a:solidFill>
-                  </a:tcPr>
-                </a:tc>
-                <a:tc>
-                  <a:txBody>
-                    <a:bodyPr/>
-                    <a:lstStyle/>
-                    <a:p>
-                      <a:pPr algn="r"/>
-                      <a:r>
-                        <a:rPr lang="de-CH" sz="600" dirty="0">
-                          <a:solidFill>
-                            <a:schemeClr val="accent1"/>
-                          </a:solidFill>
-                        </a:rPr>
-                        <a:t>124</a:t>
-                      </a:r>
-                    </a:p>
-                  </a:txBody>
-                  <a:tcPr marL="50911" marR="50911" marT="25456" marB="50912">
-                    <a:lnL w="12700" cmpd="sng">
-                      <a:noFill/>
-                    </a:lnL>
-                    <a:lnR w="12700" cmpd="sng">
-                      <a:noFill/>
-                    </a:lnR>
-                    <a:lnT w="12700" cmpd="sng">
-                      <a:noFill/>
-                    </a:lnT>
-                    <a:lnB w="6350" cap="flat" cmpd="sng" algn="ctr">
-                      <a:solidFill>
-                        <a:schemeClr val="tx1"/>
-                      </a:solidFill>
-                      <a:prstDash val="solid"/>
-                      <a:round/>
-                      <a:headEnd type="none" w="med" len="med"/>
-                      <a:tailEnd type="none" w="med" len="med"/>
-                    </a:lnB>
-                    <a:lnTlToBr w="12700" cmpd="sng">
-                      <a:noFill/>
-                      <a:prstDash val="solid"/>
-                    </a:lnTlToBr>
-                    <a:lnBlToTr w="12700" cmpd="sng">
-                      <a:noFill/>
-                      <a:prstDash val="solid"/>
-                    </a:lnBlToTr>
-                    <a:solidFill>
-                      <a:schemeClr val="accent6"/>
-                    </a:solidFill>
-                  </a:tcPr>
-                </a:tc>
-                <a:tc>
-                  <a:txBody>
-                    <a:bodyPr/>
-                    <a:lstStyle/>
-                    <a:p>
-                      <a:pPr algn="r"/>
-                      <a:r>
-                        <a:rPr lang="de-CH" sz="600" dirty="0">
-                          <a:solidFill>
-                            <a:schemeClr val="accent1"/>
-                          </a:solidFill>
-                        </a:rPr>
-                        <a:t>119</a:t>
-                      </a:r>
-                    </a:p>
-                  </a:txBody>
-                  <a:tcPr marL="50911" marR="50911" marT="25456" marB="50912">
-                    <a:lnL w="12700" cmpd="sng">
-                      <a:noFill/>
-                    </a:lnL>
-                    <a:lnR w="12700" cmpd="sng">
-                      <a:noFill/>
-                    </a:lnR>
-                    <a:lnT w="12700" cmpd="sng">
-                      <a:noFill/>
-                    </a:lnT>
-                    <a:lnB w="6350" cap="flat" cmpd="sng" algn="ctr">
-                      <a:solidFill>
-                        <a:schemeClr val="tx1"/>
-                      </a:solidFill>
-                      <a:prstDash val="solid"/>
-                      <a:round/>
-                      <a:headEnd type="none" w="med" len="med"/>
-                      <a:tailEnd type="none" w="med" len="med"/>
-                    </a:lnB>
-                    <a:lnTlToBr w="12700" cmpd="sng">
-                      <a:noFill/>
-                      <a:prstDash val="solid"/>
-                    </a:lnTlToBr>
-                    <a:lnBlToTr w="12700" cmpd="sng">
-                      <a:noFill/>
-                      <a:prstDash val="solid"/>
-                    </a:lnBlToTr>
-                    <a:solidFill>
-                      <a:schemeClr val="accent5"/>
-                    </a:solidFill>
-                  </a:tcPr>
-                </a:tc>
-                <a:tc>
-                  <a:txBody>
-                    <a:bodyPr/>
-                    <a:lstStyle/>
-                    <a:p>
-                      <a:pPr algn="r"/>
-                      <a:r>
-                        <a:rPr lang="de-CH" sz="600" dirty="0">
-                          <a:solidFill>
-                            <a:schemeClr val="accent1"/>
-                          </a:solidFill>
-                        </a:rPr>
-                        <a:t>1218</a:t>
-                      </a:r>
-                    </a:p>
-                  </a:txBody>
-                  <a:tcPr marL="50911" marR="50911" marT="25456" marB="50912">
-                    <a:lnL w="12700" cmpd="sng">
-                      <a:noFill/>
-                    </a:lnL>
-                    <a:lnR w="12700" cmpd="sng">
-                      <a:noFill/>
-                    </a:lnR>
-                    <a:lnT w="12700" cmpd="sng">
-                      <a:noFill/>
-                    </a:lnT>
-                    <a:lnB w="6350" cap="flat" cmpd="sng" algn="ctr">
-                      <a:solidFill>
-                        <a:schemeClr val="tx1"/>
-                      </a:solidFill>
-                      <a:prstDash val="solid"/>
-                      <a:round/>
-                      <a:headEnd type="none" w="med" len="med"/>
-                      <a:tailEnd type="none" w="med" len="med"/>
-                    </a:lnB>
-                    <a:lnTlToBr w="12700" cmpd="sng">
-                      <a:noFill/>
-                      <a:prstDash val="solid"/>
-                    </a:lnTlToBr>
-                    <a:lnBlToTr w="12700" cmpd="sng">
-                      <a:noFill/>
-                      <a:prstDash val="solid"/>
-                    </a:lnBlToTr>
-                    <a:solidFill>
-                      <a:schemeClr val="accent6"/>
-                    </a:solidFill>
-                  </a:tcPr>
-                </a:tc>
-                <a:extLst>
-                  <a:ext uri="{0D108BD9-81ED-4DB2-BD59-A6C34878D82A}">
-                    <a16:rowId xmlns:a16="http://schemas.microsoft.com/office/drawing/2014/main" val="10000"/>
-                  </a:ext>
-                </a:extLst>
-              </a:tr>
-              <a:tr h="141027">
-                <a:tc>
-                  <a:txBody>
-                    <a:bodyPr/>
-                    <a:lstStyle/>
-                    <a:p>
-                      <a:r>
-                        <a:rPr lang="de-CH" sz="600" dirty="0">
-                          <a:solidFill>
-                            <a:schemeClr val="accent1"/>
-                          </a:solidFill>
-                        </a:rPr>
-                        <a:t>Table title </a:t>
-                      </a:r>
-                      <a:r>
-                        <a:rPr lang="de-CH" sz="600" dirty="0" err="1">
-                          <a:solidFill>
-                            <a:schemeClr val="accent1"/>
-                          </a:solidFill>
-                        </a:rPr>
-                        <a:t>left</a:t>
-                      </a:r>
-                      <a:endParaRPr lang="de-CH" sz="600" dirty="0">
-                        <a:solidFill>
-                          <a:schemeClr val="accent1"/>
-                        </a:solidFill>
-                      </a:endParaRPr>
-                    </a:p>
-                  </a:txBody>
-                  <a:tcPr marL="50911" marR="50911" marT="25456" marB="50912">
-                    <a:lnL w="12700" cmpd="sng">
-                      <a:noFill/>
-                    </a:lnL>
-                    <a:lnR w="12700" cmpd="sng">
-                      <a:noFill/>
-                    </a:lnR>
-                    <a:lnT w="6350" cap="flat" cmpd="sng" algn="ctr">
-                      <a:solidFill>
-                        <a:schemeClr val="tx1"/>
-                      </a:solidFill>
-                      <a:prstDash val="solid"/>
-                      <a:round/>
-                      <a:headEnd type="none" w="med" len="med"/>
-                      <a:tailEnd type="none" w="med" len="med"/>
-                    </a:lnT>
-                    <a:lnB w="6350" cap="flat" cmpd="sng" algn="ctr">
-                      <a:solidFill>
-                        <a:schemeClr val="tx1"/>
-                      </a:solidFill>
-                      <a:prstDash val="solid"/>
-                      <a:round/>
-                      <a:headEnd type="none" w="med" len="med"/>
-                      <a:tailEnd type="none" w="med" len="med"/>
-                    </a:lnB>
-                    <a:lnTlToBr w="12700" cmpd="sng">
-                      <a:noFill/>
-                      <a:prstDash val="solid"/>
-                    </a:lnTlToBr>
-                    <a:lnBlToTr w="12700" cmpd="sng">
-                      <a:noFill/>
-                      <a:prstDash val="solid"/>
-                    </a:lnBlToTr>
-                    <a:solidFill>
-                      <a:schemeClr val="accent6"/>
-                    </a:solidFill>
-                  </a:tcPr>
-                </a:tc>
-                <a:tc>
-                  <a:txBody>
-                    <a:bodyPr/>
-                    <a:lstStyle/>
-                    <a:p>
-                      <a:pPr algn="r"/>
-                      <a:r>
-                        <a:rPr lang="de-CH" sz="600" dirty="0">
-                          <a:solidFill>
-                            <a:schemeClr val="accent1"/>
-                          </a:solidFill>
-                        </a:rPr>
-                        <a:t>64</a:t>
-                      </a:r>
-                    </a:p>
-                  </a:txBody>
-                  <a:tcPr marL="50911" marR="50911" marT="25456" marB="50912">
-                    <a:lnL w="12700" cmpd="sng">
-                      <a:noFill/>
-                    </a:lnL>
-                    <a:lnR w="12700" cmpd="sng">
-                      <a:noFill/>
-                    </a:lnR>
-                    <a:lnT w="6350" cap="flat" cmpd="sng" algn="ctr">
-                      <a:solidFill>
-                        <a:schemeClr val="tx1"/>
-                      </a:solidFill>
-                      <a:prstDash val="solid"/>
-                      <a:round/>
-                      <a:headEnd type="none" w="med" len="med"/>
-                      <a:tailEnd type="none" w="med" len="med"/>
-                    </a:lnT>
-                    <a:lnB w="6350" cap="flat" cmpd="sng" algn="ctr">
-                      <a:solidFill>
-                        <a:schemeClr val="tx1"/>
-                      </a:solidFill>
-                      <a:prstDash val="solid"/>
-                      <a:round/>
-                      <a:headEnd type="none" w="med" len="med"/>
-                      <a:tailEnd type="none" w="med" len="med"/>
-                    </a:lnB>
-                    <a:lnTlToBr w="12700" cmpd="sng">
-                      <a:noFill/>
-                      <a:prstDash val="solid"/>
-                    </a:lnTlToBr>
-                    <a:lnBlToTr w="12700" cmpd="sng">
-                      <a:noFill/>
-                      <a:prstDash val="solid"/>
-                    </a:lnBlToTr>
-                    <a:solidFill>
-                      <a:schemeClr val="accent5"/>
-                    </a:solidFill>
-                  </a:tcPr>
-                </a:tc>
-                <a:tc>
-                  <a:txBody>
-                    <a:bodyPr/>
-                    <a:lstStyle/>
-                    <a:p>
-                      <a:pPr algn="r"/>
-                      <a:r>
-                        <a:rPr lang="de-CH" sz="600" dirty="0">
-                          <a:solidFill>
-                            <a:schemeClr val="accent1"/>
-                          </a:solidFill>
-                        </a:rPr>
-                        <a:t>64</a:t>
-                      </a:r>
-                    </a:p>
-                  </a:txBody>
-                  <a:tcPr marL="50911" marR="50911" marT="25456" marB="50912">
-                    <a:lnL w="12700" cmpd="sng">
-                      <a:noFill/>
-                    </a:lnL>
-                    <a:lnR w="12700" cmpd="sng">
-                      <a:noFill/>
-                    </a:lnR>
-                    <a:lnT w="6350" cap="flat" cmpd="sng" algn="ctr">
-                      <a:solidFill>
-                        <a:schemeClr val="tx1"/>
-                      </a:solidFill>
-                      <a:prstDash val="solid"/>
-                      <a:round/>
-                      <a:headEnd type="none" w="med" len="med"/>
-                      <a:tailEnd type="none" w="med" len="med"/>
-                    </a:lnT>
-                    <a:lnB w="6350" cap="flat" cmpd="sng" algn="ctr">
-                      <a:solidFill>
-                        <a:schemeClr val="tx1"/>
-                      </a:solidFill>
-                      <a:prstDash val="solid"/>
-                      <a:round/>
-                      <a:headEnd type="none" w="med" len="med"/>
-                      <a:tailEnd type="none" w="med" len="med"/>
-                    </a:lnB>
-                    <a:lnTlToBr w="12700" cmpd="sng">
-                      <a:noFill/>
-                      <a:prstDash val="solid"/>
-                    </a:lnTlToBr>
-                    <a:lnBlToTr w="12700" cmpd="sng">
-                      <a:noFill/>
-                      <a:prstDash val="solid"/>
-                    </a:lnBlToTr>
-                    <a:solidFill>
-                      <a:schemeClr val="accent6"/>
-                    </a:solidFill>
-                  </a:tcPr>
-                </a:tc>
-                <a:tc>
-                  <a:txBody>
-                    <a:bodyPr/>
-                    <a:lstStyle/>
-                    <a:p>
-                      <a:pPr algn="r"/>
-                      <a:r>
-                        <a:rPr lang="de-CH" sz="600" dirty="0">
-                          <a:solidFill>
-                            <a:schemeClr val="accent1"/>
-                          </a:solidFill>
-                        </a:rPr>
-                        <a:t>41</a:t>
-                      </a:r>
-                    </a:p>
-                  </a:txBody>
-                  <a:tcPr marL="50911" marR="50911" marT="25456" marB="50912">
-                    <a:lnL w="12700" cmpd="sng">
-                      <a:noFill/>
-                    </a:lnL>
-                    <a:lnR w="12700" cmpd="sng">
-                      <a:noFill/>
-                    </a:lnR>
-                    <a:lnT w="6350" cap="flat" cmpd="sng" algn="ctr">
-                      <a:solidFill>
-                        <a:schemeClr val="tx1"/>
-                      </a:solidFill>
-                      <a:prstDash val="solid"/>
-                      <a:round/>
-                      <a:headEnd type="none" w="med" len="med"/>
-                      <a:tailEnd type="none" w="med" len="med"/>
-                    </a:lnT>
-                    <a:lnB w="6350" cap="flat" cmpd="sng" algn="ctr">
-                      <a:solidFill>
-                        <a:schemeClr val="tx1"/>
-                      </a:solidFill>
-                      <a:prstDash val="solid"/>
-                      <a:round/>
-                      <a:headEnd type="none" w="med" len="med"/>
-                      <a:tailEnd type="none" w="med" len="med"/>
-                    </a:lnB>
-                    <a:lnTlToBr w="12700" cmpd="sng">
-                      <a:noFill/>
-                      <a:prstDash val="solid"/>
-                    </a:lnTlToBr>
-                    <a:lnBlToTr w="12700" cmpd="sng">
-                      <a:noFill/>
-                      <a:prstDash val="solid"/>
-                    </a:lnBlToTr>
-                    <a:solidFill>
-                      <a:schemeClr val="accent5"/>
-                    </a:solidFill>
-                  </a:tcPr>
-                </a:tc>
-                <a:tc>
-                  <a:txBody>
-                    <a:bodyPr/>
-                    <a:lstStyle/>
-                    <a:p>
-                      <a:pPr algn="r"/>
-                      <a:r>
-                        <a:rPr lang="de-CH" sz="600" dirty="0">
-                          <a:solidFill>
-                            <a:schemeClr val="accent1"/>
-                          </a:solidFill>
-                        </a:rPr>
-                        <a:t>14</a:t>
-                      </a:r>
-                    </a:p>
-                  </a:txBody>
-                  <a:tcPr marL="50911" marR="50911" marT="25456" marB="50912">
-                    <a:lnL w="12700" cmpd="sng">
-                      <a:noFill/>
-                    </a:lnL>
-                    <a:lnR w="12700" cmpd="sng">
-                      <a:noFill/>
-                    </a:lnR>
-                    <a:lnT w="6350" cap="flat" cmpd="sng" algn="ctr">
-                      <a:solidFill>
-                        <a:schemeClr val="tx1"/>
-                      </a:solidFill>
-                      <a:prstDash val="solid"/>
-                      <a:round/>
-                      <a:headEnd type="none" w="med" len="med"/>
-                      <a:tailEnd type="none" w="med" len="med"/>
-                    </a:lnT>
-                    <a:lnB w="6350" cap="flat" cmpd="sng" algn="ctr">
-                      <a:solidFill>
-                        <a:schemeClr val="tx1"/>
-                      </a:solidFill>
-                      <a:prstDash val="solid"/>
-                      <a:round/>
-                      <a:headEnd type="none" w="med" len="med"/>
-                      <a:tailEnd type="none" w="med" len="med"/>
-                    </a:lnB>
-                    <a:lnTlToBr w="12700" cmpd="sng">
-                      <a:noFill/>
-                      <a:prstDash val="solid"/>
-                    </a:lnTlToBr>
-                    <a:lnBlToTr w="12700" cmpd="sng">
-                      <a:noFill/>
-                      <a:prstDash val="solid"/>
-                    </a:lnBlToTr>
-                    <a:solidFill>
-                      <a:schemeClr val="accent6"/>
-                    </a:solidFill>
-                  </a:tcPr>
-                </a:tc>
-                <a:tc>
-                  <a:txBody>
-                    <a:bodyPr/>
-                    <a:lstStyle/>
-                    <a:p>
-                      <a:pPr algn="r"/>
-                      <a:r>
-                        <a:rPr lang="de-CH" sz="600" dirty="0">
-                          <a:solidFill>
-                            <a:schemeClr val="accent1"/>
-                          </a:solidFill>
-                        </a:rPr>
-                        <a:t>22</a:t>
-                      </a:r>
-                    </a:p>
-                  </a:txBody>
-                  <a:tcPr marL="50911" marR="50911" marT="25456" marB="50912">
-                    <a:lnL w="12700" cmpd="sng">
-                      <a:noFill/>
-                    </a:lnL>
-                    <a:lnR w="12700" cmpd="sng">
-                      <a:noFill/>
-                    </a:lnR>
-                    <a:lnT w="6350" cap="flat" cmpd="sng" algn="ctr">
-                      <a:solidFill>
-                        <a:schemeClr val="tx1"/>
-                      </a:solidFill>
-                      <a:prstDash val="solid"/>
-                      <a:round/>
-                      <a:headEnd type="none" w="med" len="med"/>
-                      <a:tailEnd type="none" w="med" len="med"/>
-                    </a:lnT>
-                    <a:lnB w="6350" cap="flat" cmpd="sng" algn="ctr">
-                      <a:solidFill>
-                        <a:schemeClr val="tx1"/>
-                      </a:solidFill>
-                      <a:prstDash val="solid"/>
-                      <a:round/>
-                      <a:headEnd type="none" w="med" len="med"/>
-                      <a:tailEnd type="none" w="med" len="med"/>
-                    </a:lnB>
-                    <a:lnTlToBr w="12700" cmpd="sng">
-                      <a:noFill/>
-                      <a:prstDash val="solid"/>
-                    </a:lnTlToBr>
-                    <a:lnBlToTr w="12700" cmpd="sng">
-                      <a:noFill/>
-                      <a:prstDash val="solid"/>
-                    </a:lnBlToTr>
-                    <a:solidFill>
-                      <a:schemeClr val="accent5"/>
-                    </a:solidFill>
-                  </a:tcPr>
-                </a:tc>
-                <a:tc>
-                  <a:txBody>
-                    <a:bodyPr/>
-                    <a:lstStyle/>
-                    <a:p>
-                      <a:pPr algn="r"/>
-                      <a:r>
-                        <a:rPr lang="de-CH" sz="600" dirty="0">
-                          <a:solidFill>
-                            <a:schemeClr val="accent1"/>
-                          </a:solidFill>
-                        </a:rPr>
-                        <a:t>45</a:t>
-                      </a:r>
-                    </a:p>
-                  </a:txBody>
-                  <a:tcPr marL="50911" marR="50911" marT="25456" marB="50912">
-                    <a:lnL w="12700" cmpd="sng">
-                      <a:noFill/>
-                    </a:lnL>
-                    <a:lnR w="12700" cmpd="sng">
-                      <a:noFill/>
-                    </a:lnR>
-                    <a:lnT w="6350" cap="flat" cmpd="sng" algn="ctr">
-                      <a:solidFill>
-                        <a:schemeClr val="tx1"/>
-                      </a:solidFill>
-                      <a:prstDash val="solid"/>
-                      <a:round/>
-                      <a:headEnd type="none" w="med" len="med"/>
-                      <a:tailEnd type="none" w="med" len="med"/>
-                    </a:lnT>
-                    <a:lnB w="6350" cap="flat" cmpd="sng" algn="ctr">
-                      <a:solidFill>
-                        <a:schemeClr val="tx1"/>
-                      </a:solidFill>
-                      <a:prstDash val="solid"/>
-                      <a:round/>
-                      <a:headEnd type="none" w="med" len="med"/>
-                      <a:tailEnd type="none" w="med" len="med"/>
-                    </a:lnB>
-                    <a:lnTlToBr w="12700" cmpd="sng">
-                      <a:noFill/>
-                      <a:prstDash val="solid"/>
-                    </a:lnTlToBr>
-                    <a:lnBlToTr w="12700" cmpd="sng">
-                      <a:noFill/>
-                      <a:prstDash val="solid"/>
-                    </a:lnBlToTr>
-                    <a:solidFill>
-                      <a:schemeClr val="accent6"/>
-                    </a:solidFill>
-                  </a:tcPr>
-                </a:tc>
-                <a:tc>
-                  <a:txBody>
-                    <a:bodyPr/>
-                    <a:lstStyle/>
-                    <a:p>
-                      <a:pPr algn="r"/>
-                      <a:r>
-                        <a:rPr lang="de-CH" sz="600" dirty="0">
-                          <a:solidFill>
-                            <a:schemeClr val="accent1"/>
-                          </a:solidFill>
-                        </a:rPr>
-                        <a:t>73</a:t>
-                      </a:r>
-                    </a:p>
-                  </a:txBody>
-                  <a:tcPr marL="50911" marR="50911" marT="25456" marB="50912">
-                    <a:lnL w="12700" cmpd="sng">
-                      <a:noFill/>
-                    </a:lnL>
-                    <a:lnR w="12700" cmpd="sng">
-                      <a:noFill/>
-                    </a:lnR>
-                    <a:lnT w="6350" cap="flat" cmpd="sng" algn="ctr">
-                      <a:solidFill>
-                        <a:schemeClr val="tx1"/>
-                      </a:solidFill>
-                      <a:prstDash val="solid"/>
-                      <a:round/>
-                      <a:headEnd type="none" w="med" len="med"/>
-                      <a:tailEnd type="none" w="med" len="med"/>
-                    </a:lnT>
-                    <a:lnB w="6350" cap="flat" cmpd="sng" algn="ctr">
-                      <a:solidFill>
-                        <a:schemeClr val="tx1"/>
-                      </a:solidFill>
-                      <a:prstDash val="solid"/>
-                      <a:round/>
-                      <a:headEnd type="none" w="med" len="med"/>
-                      <a:tailEnd type="none" w="med" len="med"/>
-                    </a:lnB>
-                    <a:lnTlToBr w="12700" cmpd="sng">
-                      <a:noFill/>
-                      <a:prstDash val="solid"/>
-                    </a:lnTlToBr>
-                    <a:lnBlToTr w="12700" cmpd="sng">
-                      <a:noFill/>
-                      <a:prstDash val="solid"/>
-                    </a:lnBlToTr>
-                    <a:solidFill>
-                      <a:schemeClr val="accent5"/>
-                    </a:solidFill>
-                  </a:tcPr>
-                </a:tc>
-                <a:tc>
-                  <a:txBody>
-                    <a:bodyPr/>
-                    <a:lstStyle/>
-                    <a:p>
-                      <a:pPr algn="r"/>
-                      <a:r>
-                        <a:rPr lang="de-CH" sz="600" dirty="0">
-                          <a:solidFill>
-                            <a:schemeClr val="accent1"/>
-                          </a:solidFill>
-                        </a:rPr>
-                        <a:t>415</a:t>
-                      </a:r>
-                    </a:p>
-                  </a:txBody>
-                  <a:tcPr marL="50911" marR="50911" marT="25456" marB="50912">
-                    <a:lnL w="12700" cmpd="sng">
-                      <a:noFill/>
-                    </a:lnL>
-                    <a:lnR w="12700" cmpd="sng">
-                      <a:noFill/>
-                    </a:lnR>
-                    <a:lnT w="6350" cap="flat" cmpd="sng" algn="ctr">
-                      <a:solidFill>
-                        <a:schemeClr val="tx1"/>
-                      </a:solidFill>
-                      <a:prstDash val="solid"/>
-                      <a:round/>
-                      <a:headEnd type="none" w="med" len="med"/>
-                      <a:tailEnd type="none" w="med" len="med"/>
-                    </a:lnT>
-                    <a:lnB w="6350" cap="flat" cmpd="sng" algn="ctr">
-                      <a:solidFill>
-                        <a:schemeClr val="tx1"/>
-                      </a:solidFill>
-                      <a:prstDash val="solid"/>
-                      <a:round/>
-                      <a:headEnd type="none" w="med" len="med"/>
-                      <a:tailEnd type="none" w="med" len="med"/>
-                    </a:lnB>
-                    <a:lnTlToBr w="12700" cmpd="sng">
-                      <a:noFill/>
-                      <a:prstDash val="solid"/>
-                    </a:lnTlToBr>
-                    <a:lnBlToTr w="12700" cmpd="sng">
-                      <a:noFill/>
-                      <a:prstDash val="solid"/>
-                    </a:lnBlToTr>
-                    <a:solidFill>
-                      <a:schemeClr val="accent6"/>
-                    </a:solidFill>
-                  </a:tcPr>
-                </a:tc>
-                <a:extLst>
-                  <a:ext uri="{0D108BD9-81ED-4DB2-BD59-A6C34878D82A}">
-                    <a16:rowId xmlns:a16="http://schemas.microsoft.com/office/drawing/2014/main" val="10001"/>
-                  </a:ext>
-                </a:extLst>
-              </a:tr>
-              <a:tr h="141027">
-                <a:tc>
-                  <a:txBody>
-                    <a:bodyPr/>
-                    <a:lstStyle/>
-                    <a:p>
-                      <a:r>
-                        <a:rPr lang="de-CH" sz="600" dirty="0">
-                          <a:solidFill>
-                            <a:schemeClr val="accent1"/>
-                          </a:solidFill>
-                        </a:rPr>
-                        <a:t>Table title </a:t>
-                      </a:r>
-                      <a:r>
-                        <a:rPr lang="de-CH" sz="600" dirty="0" err="1">
-                          <a:solidFill>
-                            <a:schemeClr val="accent1"/>
-                          </a:solidFill>
-                        </a:rPr>
-                        <a:t>left</a:t>
-                      </a:r>
-                      <a:endParaRPr lang="de-CH" sz="600" dirty="0">
-                        <a:solidFill>
-                          <a:schemeClr val="accent1"/>
-                        </a:solidFill>
-                      </a:endParaRPr>
-                    </a:p>
-                  </a:txBody>
-                  <a:tcPr marL="50911" marR="50911" marT="25456" marB="50912">
-                    <a:lnL w="12700" cmpd="sng">
-                      <a:noFill/>
-                    </a:lnL>
-                    <a:lnR w="12700" cmpd="sng">
-                      <a:noFill/>
-                    </a:lnR>
-                    <a:lnT w="6350" cap="flat" cmpd="sng" algn="ctr">
-                      <a:solidFill>
-                        <a:schemeClr val="tx1"/>
-                      </a:solidFill>
-                      <a:prstDash val="solid"/>
-                      <a:round/>
-                      <a:headEnd type="none" w="med" len="med"/>
-                      <a:tailEnd type="none" w="med" len="med"/>
-                    </a:lnT>
-                    <a:lnB w="6350" cap="flat" cmpd="sng" algn="ctr">
-                      <a:solidFill>
-                        <a:schemeClr val="tx1"/>
-                      </a:solidFill>
-                      <a:prstDash val="solid"/>
-                      <a:round/>
-                      <a:headEnd type="none" w="med" len="med"/>
-                      <a:tailEnd type="none" w="med" len="med"/>
-                    </a:lnB>
-                    <a:lnTlToBr w="12700" cmpd="sng">
-                      <a:noFill/>
-                      <a:prstDash val="solid"/>
-                    </a:lnTlToBr>
-                    <a:lnBlToTr w="12700" cmpd="sng">
-                      <a:noFill/>
-                      <a:prstDash val="solid"/>
-                    </a:lnBlToTr>
-                    <a:solidFill>
-                      <a:schemeClr val="accent6"/>
-                    </a:solidFill>
-                  </a:tcPr>
-                </a:tc>
-                <a:tc>
-                  <a:txBody>
-                    <a:bodyPr/>
-                    <a:lstStyle/>
-                    <a:p>
-                      <a:pPr algn="r"/>
-                      <a:r>
-                        <a:rPr lang="de-CH" sz="600" dirty="0">
-                          <a:solidFill>
-                            <a:schemeClr val="accent1"/>
-                          </a:solidFill>
-                        </a:rPr>
-                        <a:t>51</a:t>
-                      </a:r>
-                    </a:p>
-                  </a:txBody>
-                  <a:tcPr marL="50911" marR="50911" marT="25456" marB="50912">
-                    <a:lnL w="12700" cmpd="sng">
-                      <a:noFill/>
-                    </a:lnL>
-                    <a:lnR w="12700" cmpd="sng">
-                      <a:noFill/>
-                    </a:lnR>
-                    <a:lnT w="6350" cap="flat" cmpd="sng" algn="ctr">
-                      <a:solidFill>
-                        <a:schemeClr val="tx1"/>
-                      </a:solidFill>
-                      <a:prstDash val="solid"/>
-                      <a:round/>
-                      <a:headEnd type="none" w="med" len="med"/>
-                      <a:tailEnd type="none" w="med" len="med"/>
-                    </a:lnT>
-                    <a:lnB w="6350" cap="flat" cmpd="sng" algn="ctr">
-                      <a:solidFill>
-                        <a:schemeClr val="tx1"/>
-                      </a:solidFill>
-                      <a:prstDash val="solid"/>
-                      <a:round/>
-                      <a:headEnd type="none" w="med" len="med"/>
-                      <a:tailEnd type="none" w="med" len="med"/>
-                    </a:lnB>
-                    <a:lnTlToBr w="12700" cmpd="sng">
-                      <a:noFill/>
-                      <a:prstDash val="solid"/>
-                    </a:lnTlToBr>
-                    <a:lnBlToTr w="12700" cmpd="sng">
-                      <a:noFill/>
-                      <a:prstDash val="solid"/>
-                    </a:lnBlToTr>
-                    <a:solidFill>
-                      <a:schemeClr val="accent5"/>
-                    </a:solidFill>
-                  </a:tcPr>
-                </a:tc>
-                <a:tc>
-                  <a:txBody>
-                    <a:bodyPr/>
-                    <a:lstStyle/>
-                    <a:p>
-                      <a:pPr algn="r"/>
-                      <a:r>
-                        <a:rPr lang="de-CH" sz="600" dirty="0">
-                          <a:solidFill>
-                            <a:schemeClr val="accent1"/>
-                          </a:solidFill>
-                        </a:rPr>
-                        <a:t>5</a:t>
-                      </a:r>
-                    </a:p>
-                  </a:txBody>
-                  <a:tcPr marL="50911" marR="50911" marT="25456" marB="50912">
-                    <a:lnL w="12700" cmpd="sng">
-                      <a:noFill/>
-                    </a:lnL>
-                    <a:lnR w="12700" cmpd="sng">
-                      <a:noFill/>
-                    </a:lnR>
-                    <a:lnT w="6350" cap="flat" cmpd="sng" algn="ctr">
-                      <a:solidFill>
-                        <a:schemeClr val="tx1"/>
-                      </a:solidFill>
-                      <a:prstDash val="solid"/>
-                      <a:round/>
-                      <a:headEnd type="none" w="med" len="med"/>
-                      <a:tailEnd type="none" w="med" len="med"/>
-                    </a:lnT>
-                    <a:lnB w="6350" cap="flat" cmpd="sng" algn="ctr">
-                      <a:solidFill>
-                        <a:schemeClr val="tx1"/>
-                      </a:solidFill>
-                      <a:prstDash val="solid"/>
-                      <a:round/>
-                      <a:headEnd type="none" w="med" len="med"/>
-                      <a:tailEnd type="none" w="med" len="med"/>
-                    </a:lnB>
-                    <a:lnTlToBr w="12700" cmpd="sng">
-                      <a:noFill/>
-                      <a:prstDash val="solid"/>
-                    </a:lnTlToBr>
-                    <a:lnBlToTr w="12700" cmpd="sng">
-                      <a:noFill/>
-                      <a:prstDash val="solid"/>
-                    </a:lnBlToTr>
-                    <a:solidFill>
-                      <a:schemeClr val="accent6"/>
-                    </a:solidFill>
-                  </a:tcPr>
-                </a:tc>
-                <a:tc>
-                  <a:txBody>
-                    <a:bodyPr/>
-                    <a:lstStyle/>
-                    <a:p>
-                      <a:pPr algn="r"/>
-                      <a:r>
-                        <a:rPr lang="de-CH" sz="600" dirty="0">
-                          <a:solidFill>
-                            <a:schemeClr val="accent1"/>
-                          </a:solidFill>
-                        </a:rPr>
-                        <a:t>1</a:t>
-                      </a:r>
-                    </a:p>
-                  </a:txBody>
-                  <a:tcPr marL="50911" marR="50911" marT="25456" marB="50912">
-                    <a:lnL w="12700" cmpd="sng">
-                      <a:noFill/>
-                    </a:lnL>
-                    <a:lnR w="12700" cmpd="sng">
-                      <a:noFill/>
-                    </a:lnR>
-                    <a:lnT w="6350" cap="flat" cmpd="sng" algn="ctr">
-                      <a:solidFill>
-                        <a:schemeClr val="tx1"/>
-                      </a:solidFill>
-                      <a:prstDash val="solid"/>
-                      <a:round/>
-                      <a:headEnd type="none" w="med" len="med"/>
-                      <a:tailEnd type="none" w="med" len="med"/>
-                    </a:lnT>
-                    <a:lnB w="6350" cap="flat" cmpd="sng" algn="ctr">
-                      <a:solidFill>
-                        <a:schemeClr val="tx1"/>
-                      </a:solidFill>
-                      <a:prstDash val="solid"/>
-                      <a:round/>
-                      <a:headEnd type="none" w="med" len="med"/>
-                      <a:tailEnd type="none" w="med" len="med"/>
-                    </a:lnB>
-                    <a:lnTlToBr w="12700" cmpd="sng">
-                      <a:noFill/>
-                      <a:prstDash val="solid"/>
-                    </a:lnTlToBr>
-                    <a:lnBlToTr w="12700" cmpd="sng">
-                      <a:noFill/>
-                      <a:prstDash val="solid"/>
-                    </a:lnBlToTr>
-                    <a:solidFill>
-                      <a:schemeClr val="accent5"/>
-                    </a:solidFill>
-                  </a:tcPr>
-                </a:tc>
-                <a:tc>
-                  <a:txBody>
-                    <a:bodyPr/>
-                    <a:lstStyle/>
-                    <a:p>
-                      <a:pPr algn="r"/>
-                      <a:r>
-                        <a:rPr lang="de-CH" sz="600" dirty="0">
-                          <a:solidFill>
-                            <a:schemeClr val="accent1"/>
-                          </a:solidFill>
-                        </a:rPr>
-                        <a:t>32</a:t>
-                      </a:r>
-                    </a:p>
-                  </a:txBody>
-                  <a:tcPr marL="50911" marR="50911" marT="25456" marB="50912">
-                    <a:lnL w="12700" cmpd="sng">
-                      <a:noFill/>
-                    </a:lnL>
-                    <a:lnR w="12700" cmpd="sng">
-                      <a:noFill/>
-                    </a:lnR>
-                    <a:lnT w="6350" cap="flat" cmpd="sng" algn="ctr">
-                      <a:solidFill>
-                        <a:schemeClr val="tx1"/>
-                      </a:solidFill>
-                      <a:prstDash val="solid"/>
-                      <a:round/>
-                      <a:headEnd type="none" w="med" len="med"/>
-                      <a:tailEnd type="none" w="med" len="med"/>
-                    </a:lnT>
-                    <a:lnB w="6350" cap="flat" cmpd="sng" algn="ctr">
-                      <a:solidFill>
-                        <a:schemeClr val="tx1"/>
-                      </a:solidFill>
-                      <a:prstDash val="solid"/>
-                      <a:round/>
-                      <a:headEnd type="none" w="med" len="med"/>
-                      <a:tailEnd type="none" w="med" len="med"/>
-                    </a:lnB>
-                    <a:lnTlToBr w="12700" cmpd="sng">
-                      <a:noFill/>
-                      <a:prstDash val="solid"/>
-                    </a:lnTlToBr>
-                    <a:lnBlToTr w="12700" cmpd="sng">
-                      <a:noFill/>
-                      <a:prstDash val="solid"/>
-                    </a:lnBlToTr>
-                    <a:solidFill>
-                      <a:schemeClr val="accent6"/>
-                    </a:solidFill>
-                  </a:tcPr>
-                </a:tc>
-                <a:tc>
-                  <a:txBody>
-                    <a:bodyPr/>
-                    <a:lstStyle/>
-                    <a:p>
-                      <a:pPr algn="r"/>
-                      <a:r>
-                        <a:rPr lang="de-CH" sz="600" dirty="0">
-                          <a:solidFill>
-                            <a:schemeClr val="accent1"/>
-                          </a:solidFill>
-                        </a:rPr>
-                        <a:t>22</a:t>
-                      </a:r>
-                    </a:p>
-                  </a:txBody>
-                  <a:tcPr marL="50911" marR="50911" marT="25456" marB="50912">
-                    <a:lnL w="12700" cmpd="sng">
-                      <a:noFill/>
-                    </a:lnL>
-                    <a:lnR w="12700" cmpd="sng">
-                      <a:noFill/>
-                    </a:lnR>
-                    <a:lnT w="6350" cap="flat" cmpd="sng" algn="ctr">
-                      <a:solidFill>
-                        <a:schemeClr val="tx1"/>
-                      </a:solidFill>
-                      <a:prstDash val="solid"/>
-                      <a:round/>
-                      <a:headEnd type="none" w="med" len="med"/>
-                      <a:tailEnd type="none" w="med" len="med"/>
-                    </a:lnT>
-                    <a:lnB w="6350" cap="flat" cmpd="sng" algn="ctr">
-                      <a:solidFill>
-                        <a:schemeClr val="tx1"/>
-                      </a:solidFill>
-                      <a:prstDash val="solid"/>
-                      <a:round/>
-                      <a:headEnd type="none" w="med" len="med"/>
-                      <a:tailEnd type="none" w="med" len="med"/>
-                    </a:lnB>
-                    <a:lnTlToBr w="12700" cmpd="sng">
-                      <a:noFill/>
-                      <a:prstDash val="solid"/>
-                    </a:lnTlToBr>
-                    <a:lnBlToTr w="12700" cmpd="sng">
-                      <a:noFill/>
-                      <a:prstDash val="solid"/>
-                    </a:lnBlToTr>
-                    <a:solidFill>
-                      <a:schemeClr val="accent5"/>
-                    </a:solidFill>
-                  </a:tcPr>
-                </a:tc>
-                <a:tc>
-                  <a:txBody>
-                    <a:bodyPr/>
-                    <a:lstStyle/>
-                    <a:p>
-                      <a:pPr algn="r"/>
-                      <a:r>
-                        <a:rPr lang="de-CH" sz="600" dirty="0">
-                          <a:solidFill>
-                            <a:schemeClr val="accent1"/>
-                          </a:solidFill>
-                        </a:rPr>
-                        <a:t>45</a:t>
-                      </a:r>
-                    </a:p>
-                  </a:txBody>
-                  <a:tcPr marL="50911" marR="50911" marT="25456" marB="50912">
-                    <a:lnL w="12700" cmpd="sng">
-                      <a:noFill/>
-                    </a:lnL>
-                    <a:lnR w="12700" cmpd="sng">
-                      <a:noFill/>
-                    </a:lnR>
-                    <a:lnT w="6350" cap="flat" cmpd="sng" algn="ctr">
-                      <a:solidFill>
-                        <a:schemeClr val="tx1"/>
-                      </a:solidFill>
-                      <a:prstDash val="solid"/>
-                      <a:round/>
-                      <a:headEnd type="none" w="med" len="med"/>
-                      <a:tailEnd type="none" w="med" len="med"/>
-                    </a:lnT>
-                    <a:lnB w="6350" cap="flat" cmpd="sng" algn="ctr">
-                      <a:solidFill>
-                        <a:schemeClr val="tx1"/>
-                      </a:solidFill>
-                      <a:prstDash val="solid"/>
-                      <a:round/>
-                      <a:headEnd type="none" w="med" len="med"/>
-                      <a:tailEnd type="none" w="med" len="med"/>
-                    </a:lnB>
-                    <a:lnTlToBr w="12700" cmpd="sng">
-                      <a:noFill/>
-                      <a:prstDash val="solid"/>
-                    </a:lnTlToBr>
-                    <a:lnBlToTr w="12700" cmpd="sng">
-                      <a:noFill/>
-                      <a:prstDash val="solid"/>
-                    </a:lnBlToTr>
-                    <a:solidFill>
-                      <a:schemeClr val="accent6"/>
-                    </a:solidFill>
-                  </a:tcPr>
-                </a:tc>
-                <a:tc>
-                  <a:txBody>
-                    <a:bodyPr/>
-                    <a:lstStyle/>
-                    <a:p>
-                      <a:pPr algn="r"/>
-                      <a:r>
-                        <a:rPr lang="de-CH" sz="600" dirty="0">
-                          <a:solidFill>
-                            <a:schemeClr val="accent1"/>
-                          </a:solidFill>
-                        </a:rPr>
-                        <a:t>73</a:t>
-                      </a:r>
-                    </a:p>
-                  </a:txBody>
-                  <a:tcPr marL="50911" marR="50911" marT="25456" marB="50912">
-                    <a:lnL w="12700" cmpd="sng">
-                      <a:noFill/>
-                    </a:lnL>
-                    <a:lnR w="12700" cmpd="sng">
-                      <a:noFill/>
-                    </a:lnR>
-                    <a:lnT w="6350" cap="flat" cmpd="sng" algn="ctr">
-                      <a:solidFill>
-                        <a:schemeClr val="tx1"/>
-                      </a:solidFill>
-                      <a:prstDash val="solid"/>
-                      <a:round/>
-                      <a:headEnd type="none" w="med" len="med"/>
-                      <a:tailEnd type="none" w="med" len="med"/>
-                    </a:lnT>
-                    <a:lnB w="6350" cap="flat" cmpd="sng" algn="ctr">
-                      <a:solidFill>
-                        <a:schemeClr val="tx1"/>
-                      </a:solidFill>
-                      <a:prstDash val="solid"/>
-                      <a:round/>
-                      <a:headEnd type="none" w="med" len="med"/>
-                      <a:tailEnd type="none" w="med" len="med"/>
-                    </a:lnB>
-                    <a:lnTlToBr w="12700" cmpd="sng">
-                      <a:noFill/>
-                      <a:prstDash val="solid"/>
-                    </a:lnTlToBr>
-                    <a:lnBlToTr w="12700" cmpd="sng">
-                      <a:noFill/>
-                      <a:prstDash val="solid"/>
-                    </a:lnBlToTr>
-                    <a:solidFill>
-                      <a:schemeClr val="accent5"/>
-                    </a:solidFill>
-                  </a:tcPr>
-                </a:tc>
-                <a:tc>
-                  <a:txBody>
-                    <a:bodyPr/>
-                    <a:lstStyle/>
-                    <a:p>
-                      <a:pPr algn="r"/>
-                      <a:r>
-                        <a:rPr lang="de-CH" sz="600" dirty="0">
-                          <a:solidFill>
-                            <a:schemeClr val="accent1"/>
-                          </a:solidFill>
-                        </a:rPr>
-                        <a:t>182</a:t>
-                      </a:r>
-                    </a:p>
-                  </a:txBody>
-                  <a:tcPr marL="50911" marR="50911" marT="25456" marB="50912">
-                    <a:lnL w="12700" cmpd="sng">
-                      <a:noFill/>
-                    </a:lnL>
-                    <a:lnR w="12700" cmpd="sng">
-                      <a:noFill/>
-                    </a:lnR>
-                    <a:lnT w="6350" cap="flat" cmpd="sng" algn="ctr">
-                      <a:solidFill>
-                        <a:schemeClr val="tx1"/>
-                      </a:solidFill>
-                      <a:prstDash val="solid"/>
-                      <a:round/>
-                      <a:headEnd type="none" w="med" len="med"/>
-                      <a:tailEnd type="none" w="med" len="med"/>
-                    </a:lnT>
-                    <a:lnB w="6350" cap="flat" cmpd="sng" algn="ctr">
-                      <a:solidFill>
-                        <a:schemeClr val="tx1"/>
-                      </a:solidFill>
-                      <a:prstDash val="solid"/>
-                      <a:round/>
-                      <a:headEnd type="none" w="med" len="med"/>
-                      <a:tailEnd type="none" w="med" len="med"/>
-                    </a:lnB>
-                    <a:lnTlToBr w="12700" cmpd="sng">
-                      <a:noFill/>
-                      <a:prstDash val="solid"/>
-                    </a:lnTlToBr>
-                    <a:lnBlToTr w="12700" cmpd="sng">
-                      <a:noFill/>
-                      <a:prstDash val="solid"/>
-                    </a:lnBlToTr>
-                    <a:solidFill>
-                      <a:schemeClr val="accent6"/>
-                    </a:solidFill>
-                  </a:tcPr>
-                </a:tc>
-                <a:extLst>
-                  <a:ext uri="{0D108BD9-81ED-4DB2-BD59-A6C34878D82A}">
-                    <a16:rowId xmlns:a16="http://schemas.microsoft.com/office/drawing/2014/main" val="10002"/>
-                  </a:ext>
-                </a:extLst>
-              </a:tr>
-              <a:tr h="141027">
-                <a:tc>
-                  <a:txBody>
-                    <a:bodyPr/>
-                    <a:lstStyle/>
-                    <a:p>
-                      <a:r>
-                        <a:rPr lang="de-CH" sz="600" dirty="0">
-                          <a:solidFill>
-                            <a:schemeClr val="accent1"/>
-                          </a:solidFill>
-                        </a:rPr>
-                        <a:t>Table title </a:t>
-                      </a:r>
-                      <a:r>
-                        <a:rPr lang="de-CH" sz="600" dirty="0" err="1">
-                          <a:solidFill>
-                            <a:schemeClr val="accent1"/>
-                          </a:solidFill>
-                        </a:rPr>
-                        <a:t>left</a:t>
-                      </a:r>
-                      <a:endParaRPr lang="de-CH" sz="600" dirty="0">
-                        <a:solidFill>
-                          <a:schemeClr val="accent1"/>
-                        </a:solidFill>
-                      </a:endParaRPr>
-                    </a:p>
-                  </a:txBody>
-                  <a:tcPr marL="50911" marR="50911" marT="25456" marB="50912">
-                    <a:lnL w="12700" cmpd="sng">
-                      <a:noFill/>
-                    </a:lnL>
-                    <a:lnR w="12700" cmpd="sng">
-                      <a:noFill/>
-                    </a:lnR>
-                    <a:lnT w="6350" cap="flat" cmpd="sng" algn="ctr">
-                      <a:solidFill>
-                        <a:schemeClr val="tx1"/>
-                      </a:solidFill>
-                      <a:prstDash val="solid"/>
-                      <a:round/>
-                      <a:headEnd type="none" w="med" len="med"/>
-                      <a:tailEnd type="none" w="med" len="med"/>
-                    </a:lnT>
-                    <a:lnB w="6350" cap="flat" cmpd="sng" algn="ctr">
-                      <a:solidFill>
-                        <a:schemeClr val="tx1"/>
-                      </a:solidFill>
-                      <a:prstDash val="solid"/>
-                      <a:round/>
-                      <a:headEnd type="none" w="med" len="med"/>
-                      <a:tailEnd type="none" w="med" len="med"/>
-                    </a:lnB>
-                    <a:lnTlToBr w="12700" cmpd="sng">
-                      <a:noFill/>
-                      <a:prstDash val="solid"/>
-                    </a:lnTlToBr>
-                    <a:lnBlToTr w="12700" cmpd="sng">
-                      <a:noFill/>
-                      <a:prstDash val="solid"/>
-                    </a:lnBlToTr>
-                    <a:solidFill>
-                      <a:schemeClr val="accent6"/>
-                    </a:solidFill>
-                  </a:tcPr>
-                </a:tc>
-                <a:tc>
-                  <a:txBody>
-                    <a:bodyPr/>
-                    <a:lstStyle/>
-                    <a:p>
-                      <a:pPr algn="r"/>
-                      <a:r>
-                        <a:rPr lang="de-CH" sz="600" dirty="0">
-                          <a:solidFill>
-                            <a:schemeClr val="accent1"/>
-                          </a:solidFill>
-                        </a:rPr>
-                        <a:t>38</a:t>
-                      </a:r>
-                    </a:p>
-                  </a:txBody>
-                  <a:tcPr marL="50911" marR="50911" marT="25456" marB="50912">
-                    <a:lnL w="12700" cmpd="sng">
-                      <a:noFill/>
-                    </a:lnL>
-                    <a:lnR w="12700" cmpd="sng">
-                      <a:noFill/>
-                    </a:lnR>
-                    <a:lnT w="6350" cap="flat" cmpd="sng" algn="ctr">
-                      <a:solidFill>
-                        <a:schemeClr val="tx1"/>
-                      </a:solidFill>
-                      <a:prstDash val="solid"/>
-                      <a:round/>
-                      <a:headEnd type="none" w="med" len="med"/>
-                      <a:tailEnd type="none" w="med" len="med"/>
-                    </a:lnT>
-                    <a:lnB w="6350" cap="flat" cmpd="sng" algn="ctr">
-                      <a:solidFill>
-                        <a:schemeClr val="tx1"/>
-                      </a:solidFill>
-                      <a:prstDash val="solid"/>
-                      <a:round/>
-                      <a:headEnd type="none" w="med" len="med"/>
-                      <a:tailEnd type="none" w="med" len="med"/>
-                    </a:lnB>
-                    <a:lnTlToBr w="12700" cmpd="sng">
-                      <a:noFill/>
-                      <a:prstDash val="solid"/>
-                    </a:lnTlToBr>
-                    <a:lnBlToTr w="12700" cmpd="sng">
-                      <a:noFill/>
-                      <a:prstDash val="solid"/>
-                    </a:lnBlToTr>
-                    <a:solidFill>
-                      <a:schemeClr val="accent5"/>
-                    </a:solidFill>
-                  </a:tcPr>
-                </a:tc>
-                <a:tc>
-                  <a:txBody>
-                    <a:bodyPr/>
-                    <a:lstStyle/>
-                    <a:p>
-                      <a:pPr algn="r"/>
-                      <a:r>
-                        <a:rPr lang="de-CH" sz="600" dirty="0">
-                          <a:solidFill>
-                            <a:schemeClr val="accent1"/>
-                          </a:solidFill>
-                        </a:rPr>
-                        <a:t>6</a:t>
-                      </a:r>
-                    </a:p>
-                  </a:txBody>
-                  <a:tcPr marL="50911" marR="50911" marT="25456" marB="50912">
-                    <a:lnL w="12700" cmpd="sng">
-                      <a:noFill/>
-                    </a:lnL>
-                    <a:lnR w="12700" cmpd="sng">
-                      <a:noFill/>
-                    </a:lnR>
-                    <a:lnT w="6350" cap="flat" cmpd="sng" algn="ctr">
-                      <a:solidFill>
-                        <a:schemeClr val="tx1"/>
-                      </a:solidFill>
-                      <a:prstDash val="solid"/>
-                      <a:round/>
-                      <a:headEnd type="none" w="med" len="med"/>
-                      <a:tailEnd type="none" w="med" len="med"/>
-                    </a:lnT>
-                    <a:lnB w="6350" cap="flat" cmpd="sng" algn="ctr">
-                      <a:solidFill>
-                        <a:schemeClr val="tx1"/>
-                      </a:solidFill>
-                      <a:prstDash val="solid"/>
-                      <a:round/>
-                      <a:headEnd type="none" w="med" len="med"/>
-                      <a:tailEnd type="none" w="med" len="med"/>
-                    </a:lnB>
-                    <a:lnTlToBr w="12700" cmpd="sng">
-                      <a:noFill/>
-                      <a:prstDash val="solid"/>
-                    </a:lnTlToBr>
-                    <a:lnBlToTr w="12700" cmpd="sng">
-                      <a:noFill/>
-                      <a:prstDash val="solid"/>
-                    </a:lnBlToTr>
-                    <a:solidFill>
-                      <a:schemeClr val="accent6"/>
-                    </a:solidFill>
-                  </a:tcPr>
-                </a:tc>
-                <a:tc>
-                  <a:txBody>
-                    <a:bodyPr/>
-                    <a:lstStyle/>
-                    <a:p>
-                      <a:pPr algn="r"/>
-                      <a:r>
-                        <a:rPr lang="de-CH" sz="600" dirty="0">
-                          <a:solidFill>
-                            <a:schemeClr val="accent1"/>
-                          </a:solidFill>
-                        </a:rPr>
-                        <a:t>1</a:t>
-                      </a:r>
-                    </a:p>
-                  </a:txBody>
-                  <a:tcPr marL="50911" marR="50911" marT="25456" marB="50912">
-                    <a:lnL w="12700" cmpd="sng">
-                      <a:noFill/>
-                    </a:lnL>
-                    <a:lnR w="12700" cmpd="sng">
-                      <a:noFill/>
-                    </a:lnR>
-                    <a:lnT w="6350" cap="flat" cmpd="sng" algn="ctr">
-                      <a:solidFill>
-                        <a:schemeClr val="tx1"/>
-                      </a:solidFill>
-                      <a:prstDash val="solid"/>
-                      <a:round/>
-                      <a:headEnd type="none" w="med" len="med"/>
-                      <a:tailEnd type="none" w="med" len="med"/>
-                    </a:lnT>
-                    <a:lnB w="6350" cap="flat" cmpd="sng" algn="ctr">
-                      <a:solidFill>
-                        <a:schemeClr val="tx1"/>
-                      </a:solidFill>
-                      <a:prstDash val="solid"/>
-                      <a:round/>
-                      <a:headEnd type="none" w="med" len="med"/>
-                      <a:tailEnd type="none" w="med" len="med"/>
-                    </a:lnB>
-                    <a:lnTlToBr w="12700" cmpd="sng">
-                      <a:noFill/>
-                      <a:prstDash val="solid"/>
-                    </a:lnTlToBr>
-                    <a:lnBlToTr w="12700" cmpd="sng">
-                      <a:noFill/>
-                      <a:prstDash val="solid"/>
-                    </a:lnBlToTr>
-                    <a:solidFill>
-                      <a:schemeClr val="accent5"/>
-                    </a:solidFill>
-                  </a:tcPr>
-                </a:tc>
-                <a:tc>
-                  <a:txBody>
-                    <a:bodyPr/>
-                    <a:lstStyle/>
-                    <a:p>
-                      <a:pPr algn="r"/>
-                      <a:r>
-                        <a:rPr lang="de-CH" sz="600" dirty="0">
-                          <a:solidFill>
-                            <a:schemeClr val="accent1"/>
-                          </a:solidFill>
-                        </a:rPr>
-                        <a:t>9</a:t>
-                      </a:r>
-                    </a:p>
-                  </a:txBody>
-                  <a:tcPr marL="50911" marR="50911" marT="25456" marB="50912">
-                    <a:lnL w="12700" cmpd="sng">
-                      <a:noFill/>
-                    </a:lnL>
-                    <a:lnR w="12700" cmpd="sng">
-                      <a:noFill/>
-                    </a:lnR>
-                    <a:lnT w="6350" cap="flat" cmpd="sng" algn="ctr">
-                      <a:solidFill>
-                        <a:schemeClr val="tx1"/>
-                      </a:solidFill>
-                      <a:prstDash val="solid"/>
-                      <a:round/>
-                      <a:headEnd type="none" w="med" len="med"/>
-                      <a:tailEnd type="none" w="med" len="med"/>
-                    </a:lnT>
-                    <a:lnB w="6350" cap="flat" cmpd="sng" algn="ctr">
-                      <a:solidFill>
-                        <a:schemeClr val="tx1"/>
-                      </a:solidFill>
-                      <a:prstDash val="solid"/>
-                      <a:round/>
-                      <a:headEnd type="none" w="med" len="med"/>
-                      <a:tailEnd type="none" w="med" len="med"/>
-                    </a:lnB>
-                    <a:lnTlToBr w="12700" cmpd="sng">
-                      <a:noFill/>
-                      <a:prstDash val="solid"/>
-                    </a:lnTlToBr>
-                    <a:lnBlToTr w="12700" cmpd="sng">
-                      <a:noFill/>
-                      <a:prstDash val="solid"/>
-                    </a:lnBlToTr>
-                    <a:solidFill>
-                      <a:schemeClr val="accent6"/>
-                    </a:solidFill>
-                  </a:tcPr>
-                </a:tc>
-                <a:tc>
-                  <a:txBody>
-                    <a:bodyPr/>
-                    <a:lstStyle/>
-                    <a:p>
-                      <a:pPr algn="r"/>
-                      <a:r>
-                        <a:rPr lang="de-CH" sz="600" dirty="0">
-                          <a:solidFill>
-                            <a:schemeClr val="accent1"/>
-                          </a:solidFill>
-                        </a:rPr>
-                        <a:t>5</a:t>
-                      </a:r>
-                    </a:p>
-                  </a:txBody>
-                  <a:tcPr marL="50911" marR="50911" marT="25456" marB="50912">
-                    <a:lnL w="12700" cmpd="sng">
-                      <a:noFill/>
-                    </a:lnL>
-                    <a:lnR w="12700" cmpd="sng">
-                      <a:noFill/>
-                    </a:lnR>
-                    <a:lnT w="6350" cap="flat" cmpd="sng" algn="ctr">
-                      <a:solidFill>
-                        <a:schemeClr val="tx1"/>
-                      </a:solidFill>
-                      <a:prstDash val="solid"/>
-                      <a:round/>
-                      <a:headEnd type="none" w="med" len="med"/>
-                      <a:tailEnd type="none" w="med" len="med"/>
-                    </a:lnT>
-                    <a:lnB w="6350" cap="flat" cmpd="sng" algn="ctr">
-                      <a:solidFill>
-                        <a:schemeClr val="tx1"/>
-                      </a:solidFill>
-                      <a:prstDash val="solid"/>
-                      <a:round/>
-                      <a:headEnd type="none" w="med" len="med"/>
-                      <a:tailEnd type="none" w="med" len="med"/>
-                    </a:lnB>
-                    <a:lnTlToBr w="12700" cmpd="sng">
-                      <a:noFill/>
-                      <a:prstDash val="solid"/>
-                    </a:lnTlToBr>
-                    <a:lnBlToTr w="12700" cmpd="sng">
-                      <a:noFill/>
-                      <a:prstDash val="solid"/>
-                    </a:lnBlToTr>
-                    <a:solidFill>
-                      <a:schemeClr val="accent5"/>
-                    </a:solidFill>
-                  </a:tcPr>
-                </a:tc>
-                <a:tc>
-                  <a:txBody>
-                    <a:bodyPr/>
-                    <a:lstStyle/>
-                    <a:p>
-                      <a:pPr algn="r"/>
-                      <a:r>
-                        <a:rPr lang="de-CH" sz="600" dirty="0">
-                          <a:solidFill>
-                            <a:schemeClr val="accent1"/>
-                          </a:solidFill>
-                        </a:rPr>
-                        <a:t>45</a:t>
-                      </a:r>
-                    </a:p>
-                  </a:txBody>
-                  <a:tcPr marL="50911" marR="50911" marT="25456" marB="50912">
-                    <a:lnL w="12700" cmpd="sng">
-                      <a:noFill/>
-                    </a:lnL>
-                    <a:lnR w="12700" cmpd="sng">
-                      <a:noFill/>
-                    </a:lnR>
-                    <a:lnT w="6350" cap="flat" cmpd="sng" algn="ctr">
-                      <a:solidFill>
-                        <a:schemeClr val="tx1"/>
-                      </a:solidFill>
-                      <a:prstDash val="solid"/>
-                      <a:round/>
-                      <a:headEnd type="none" w="med" len="med"/>
-                      <a:tailEnd type="none" w="med" len="med"/>
-                    </a:lnT>
-                    <a:lnB w="6350" cap="flat" cmpd="sng" algn="ctr">
-                      <a:solidFill>
-                        <a:schemeClr val="tx1"/>
-                      </a:solidFill>
-                      <a:prstDash val="solid"/>
-                      <a:round/>
-                      <a:headEnd type="none" w="med" len="med"/>
-                      <a:tailEnd type="none" w="med" len="med"/>
-                    </a:lnB>
-                    <a:lnTlToBr w="12700" cmpd="sng">
-                      <a:noFill/>
-                      <a:prstDash val="solid"/>
-                    </a:lnTlToBr>
-                    <a:lnBlToTr w="12700" cmpd="sng">
-                      <a:noFill/>
-                      <a:prstDash val="solid"/>
-                    </a:lnBlToTr>
-                    <a:solidFill>
-                      <a:schemeClr val="accent6"/>
-                    </a:solidFill>
-                  </a:tcPr>
-                </a:tc>
-                <a:tc>
-                  <a:txBody>
-                    <a:bodyPr/>
-                    <a:lstStyle/>
-                    <a:p>
-                      <a:pPr algn="r"/>
-                      <a:r>
-                        <a:rPr lang="de-CH" sz="600" dirty="0">
-                          <a:solidFill>
-                            <a:schemeClr val="accent1"/>
-                          </a:solidFill>
-                        </a:rPr>
-                        <a:t>76</a:t>
-                      </a:r>
-                    </a:p>
-                  </a:txBody>
-                  <a:tcPr marL="50911" marR="50911" marT="25456" marB="50912">
-                    <a:lnL w="12700" cmpd="sng">
-                      <a:noFill/>
-                    </a:lnL>
-                    <a:lnR w="12700" cmpd="sng">
-                      <a:noFill/>
-                    </a:lnR>
-                    <a:lnT w="6350" cap="flat" cmpd="sng" algn="ctr">
-                      <a:solidFill>
-                        <a:schemeClr val="tx1"/>
-                      </a:solidFill>
-                      <a:prstDash val="solid"/>
-                      <a:round/>
-                      <a:headEnd type="none" w="med" len="med"/>
-                      <a:tailEnd type="none" w="med" len="med"/>
-                    </a:lnT>
-                    <a:lnB w="6350" cap="flat" cmpd="sng" algn="ctr">
-                      <a:solidFill>
-                        <a:schemeClr val="tx1"/>
-                      </a:solidFill>
-                      <a:prstDash val="solid"/>
-                      <a:round/>
-                      <a:headEnd type="none" w="med" len="med"/>
-                      <a:tailEnd type="none" w="med" len="med"/>
-                    </a:lnB>
-                    <a:lnTlToBr w="12700" cmpd="sng">
-                      <a:noFill/>
-                      <a:prstDash val="solid"/>
-                    </a:lnTlToBr>
-                    <a:lnBlToTr w="12700" cmpd="sng">
-                      <a:noFill/>
-                      <a:prstDash val="solid"/>
-                    </a:lnBlToTr>
-                    <a:solidFill>
-                      <a:schemeClr val="accent5"/>
-                    </a:solidFill>
-                  </a:tcPr>
-                </a:tc>
-                <a:tc>
-                  <a:txBody>
-                    <a:bodyPr/>
-                    <a:lstStyle/>
-                    <a:p>
-                      <a:pPr algn="r"/>
-                      <a:r>
-                        <a:rPr lang="de-CH" sz="600" dirty="0">
-                          <a:solidFill>
-                            <a:schemeClr val="accent1"/>
-                          </a:solidFill>
-                        </a:rPr>
-                        <a:t>63</a:t>
-                      </a:r>
-                    </a:p>
-                  </a:txBody>
-                  <a:tcPr marL="50911" marR="50911" marT="25456" marB="50912">
-                    <a:lnL w="12700" cmpd="sng">
-                      <a:noFill/>
-                    </a:lnL>
-                    <a:lnR w="12700" cmpd="sng">
-                      <a:noFill/>
-                    </a:lnR>
-                    <a:lnT w="6350" cap="flat" cmpd="sng" algn="ctr">
-                      <a:solidFill>
-                        <a:schemeClr val="tx1"/>
-                      </a:solidFill>
-                      <a:prstDash val="solid"/>
-                      <a:round/>
-                      <a:headEnd type="none" w="med" len="med"/>
-                      <a:tailEnd type="none" w="med" len="med"/>
-                    </a:lnT>
-                    <a:lnB w="6350" cap="flat" cmpd="sng" algn="ctr">
-                      <a:solidFill>
-                        <a:schemeClr val="tx1"/>
-                      </a:solidFill>
-                      <a:prstDash val="solid"/>
-                      <a:round/>
-                      <a:headEnd type="none" w="med" len="med"/>
-                      <a:tailEnd type="none" w="med" len="med"/>
-                    </a:lnB>
-                    <a:lnTlToBr w="12700" cmpd="sng">
-                      <a:noFill/>
-                      <a:prstDash val="solid"/>
-                    </a:lnTlToBr>
-                    <a:lnBlToTr w="12700" cmpd="sng">
-                      <a:noFill/>
-                      <a:prstDash val="solid"/>
-                    </a:lnBlToTr>
-                    <a:solidFill>
-                      <a:schemeClr val="accent6"/>
-                    </a:solidFill>
-                  </a:tcPr>
-                </a:tc>
-                <a:extLst>
-                  <a:ext uri="{0D108BD9-81ED-4DB2-BD59-A6C34878D82A}">
-                    <a16:rowId xmlns:a16="http://schemas.microsoft.com/office/drawing/2014/main" val="10003"/>
-                  </a:ext>
-                </a:extLst>
-              </a:tr>
-              <a:tr h="141027">
-                <a:tc>
-                  <a:txBody>
-                    <a:bodyPr/>
-                    <a:lstStyle/>
-                    <a:p>
-                      <a:r>
-                        <a:rPr lang="de-CH" sz="600" dirty="0">
-                          <a:solidFill>
-                            <a:schemeClr val="accent1"/>
-                          </a:solidFill>
-                        </a:rPr>
-                        <a:t>Table title </a:t>
-                      </a:r>
-                      <a:r>
-                        <a:rPr lang="de-CH" sz="600" dirty="0" err="1">
-                          <a:solidFill>
-                            <a:schemeClr val="accent1"/>
-                          </a:solidFill>
-                        </a:rPr>
-                        <a:t>left</a:t>
-                      </a:r>
-                      <a:endParaRPr lang="de-CH" sz="600" dirty="0">
-                        <a:solidFill>
-                          <a:schemeClr val="accent1"/>
-                        </a:solidFill>
-                      </a:endParaRPr>
-                    </a:p>
-                  </a:txBody>
-                  <a:tcPr marL="50911" marR="50911" marT="25456" marB="50912">
-                    <a:lnL w="12700" cmpd="sng">
-                      <a:noFill/>
-                    </a:lnL>
-                    <a:lnR w="12700" cmpd="sng">
-                      <a:noFill/>
-                    </a:lnR>
-                    <a:lnT w="6350" cap="flat" cmpd="sng" algn="ctr">
-                      <a:solidFill>
-                        <a:schemeClr val="tx1"/>
-                      </a:solidFill>
-                      <a:prstDash val="solid"/>
-                      <a:round/>
-                      <a:headEnd type="none" w="med" len="med"/>
-                      <a:tailEnd type="none" w="med" len="med"/>
-                    </a:lnT>
-                    <a:lnB w="6350" cap="flat" cmpd="sng" algn="ctr">
-                      <a:solidFill>
-                        <a:schemeClr val="tx1"/>
-                      </a:solidFill>
-                      <a:prstDash val="solid"/>
-                      <a:round/>
-                      <a:headEnd type="none" w="med" len="med"/>
-                      <a:tailEnd type="none" w="med" len="med"/>
-                    </a:lnB>
-                    <a:lnTlToBr w="12700" cmpd="sng">
-                      <a:noFill/>
-                      <a:prstDash val="solid"/>
-                    </a:lnTlToBr>
-                    <a:lnBlToTr w="12700" cmpd="sng">
-                      <a:noFill/>
-                      <a:prstDash val="solid"/>
-                    </a:lnBlToTr>
-                    <a:solidFill>
-                      <a:schemeClr val="accent6"/>
-                    </a:solidFill>
-                  </a:tcPr>
-                </a:tc>
-                <a:tc>
-                  <a:txBody>
-                    <a:bodyPr/>
-                    <a:lstStyle/>
-                    <a:p>
-                      <a:pPr algn="r"/>
-                      <a:r>
-                        <a:rPr lang="de-CH" sz="600" dirty="0">
-                          <a:solidFill>
-                            <a:schemeClr val="accent1"/>
-                          </a:solidFill>
-                        </a:rPr>
-                        <a:t>23</a:t>
-                      </a:r>
-                    </a:p>
-                  </a:txBody>
-                  <a:tcPr marL="50911" marR="50911" marT="25456" marB="50912">
-                    <a:lnL w="12700" cmpd="sng">
-                      <a:noFill/>
-                    </a:lnL>
-                    <a:lnR w="12700" cmpd="sng">
-                      <a:noFill/>
-                    </a:lnR>
-                    <a:lnT w="6350" cap="flat" cmpd="sng" algn="ctr">
-                      <a:solidFill>
-                        <a:schemeClr val="tx1"/>
-                      </a:solidFill>
-                      <a:prstDash val="solid"/>
-                      <a:round/>
-                      <a:headEnd type="none" w="med" len="med"/>
-                      <a:tailEnd type="none" w="med" len="med"/>
-                    </a:lnT>
-                    <a:lnB w="6350" cap="flat" cmpd="sng" algn="ctr">
-                      <a:solidFill>
-                        <a:schemeClr val="tx1"/>
-                      </a:solidFill>
-                      <a:prstDash val="solid"/>
-                      <a:round/>
-                      <a:headEnd type="none" w="med" len="med"/>
-                      <a:tailEnd type="none" w="med" len="med"/>
-                    </a:lnB>
-                    <a:lnTlToBr w="12700" cmpd="sng">
-                      <a:noFill/>
-                      <a:prstDash val="solid"/>
-                    </a:lnTlToBr>
-                    <a:lnBlToTr w="12700" cmpd="sng">
-                      <a:noFill/>
-                      <a:prstDash val="solid"/>
-                    </a:lnBlToTr>
-                    <a:solidFill>
-                      <a:schemeClr val="accent5"/>
-                    </a:solidFill>
-                  </a:tcPr>
-                </a:tc>
-                <a:tc>
-                  <a:txBody>
-                    <a:bodyPr/>
-                    <a:lstStyle/>
-                    <a:p>
-                      <a:pPr algn="r"/>
-                      <a:r>
-                        <a:rPr lang="de-CH" sz="600" dirty="0">
-                          <a:solidFill>
-                            <a:schemeClr val="accent1"/>
-                          </a:solidFill>
-                        </a:rPr>
-                        <a:t>4</a:t>
-                      </a:r>
-                    </a:p>
-                  </a:txBody>
-                  <a:tcPr marL="50911" marR="50911" marT="25456" marB="50912">
-                    <a:lnL w="12700" cmpd="sng">
-                      <a:noFill/>
-                    </a:lnL>
-                    <a:lnR w="12700" cmpd="sng">
-                      <a:noFill/>
-                    </a:lnR>
-                    <a:lnT w="6350" cap="flat" cmpd="sng" algn="ctr">
-                      <a:solidFill>
-                        <a:schemeClr val="tx1"/>
-                      </a:solidFill>
-                      <a:prstDash val="solid"/>
-                      <a:round/>
-                      <a:headEnd type="none" w="med" len="med"/>
-                      <a:tailEnd type="none" w="med" len="med"/>
-                    </a:lnT>
-                    <a:lnB w="6350" cap="flat" cmpd="sng" algn="ctr">
-                      <a:solidFill>
-                        <a:schemeClr val="tx1"/>
-                      </a:solidFill>
-                      <a:prstDash val="solid"/>
-                      <a:round/>
-                      <a:headEnd type="none" w="med" len="med"/>
-                      <a:tailEnd type="none" w="med" len="med"/>
-                    </a:lnB>
-                    <a:lnTlToBr w="12700" cmpd="sng">
-                      <a:noFill/>
-                      <a:prstDash val="solid"/>
-                    </a:lnTlToBr>
-                    <a:lnBlToTr w="12700" cmpd="sng">
-                      <a:noFill/>
-                      <a:prstDash val="solid"/>
-                    </a:lnBlToTr>
-                    <a:solidFill>
-                      <a:schemeClr val="accent6"/>
-                    </a:solidFill>
-                  </a:tcPr>
-                </a:tc>
-                <a:tc>
-                  <a:txBody>
-                    <a:bodyPr/>
-                    <a:lstStyle/>
-                    <a:p>
-                      <a:pPr algn="r"/>
-                      <a:r>
-                        <a:rPr lang="de-CH" sz="600" dirty="0">
-                          <a:solidFill>
-                            <a:schemeClr val="accent1"/>
-                          </a:solidFill>
-                        </a:rPr>
-                        <a:t>3</a:t>
-                      </a:r>
-                    </a:p>
-                  </a:txBody>
-                  <a:tcPr marL="50911" marR="50911" marT="25456" marB="50912">
-                    <a:lnL w="12700" cmpd="sng">
-                      <a:noFill/>
-                    </a:lnL>
-                    <a:lnR w="12700" cmpd="sng">
-                      <a:noFill/>
-                    </a:lnR>
-                    <a:lnT w="6350" cap="flat" cmpd="sng" algn="ctr">
-                      <a:solidFill>
-                        <a:schemeClr val="tx1"/>
-                      </a:solidFill>
-                      <a:prstDash val="solid"/>
-                      <a:round/>
-                      <a:headEnd type="none" w="med" len="med"/>
-                      <a:tailEnd type="none" w="med" len="med"/>
-                    </a:lnT>
-                    <a:lnB w="6350" cap="flat" cmpd="sng" algn="ctr">
-                      <a:solidFill>
-                        <a:schemeClr val="tx1"/>
-                      </a:solidFill>
-                      <a:prstDash val="solid"/>
-                      <a:round/>
-                      <a:headEnd type="none" w="med" len="med"/>
-                      <a:tailEnd type="none" w="med" len="med"/>
-                    </a:lnB>
-                    <a:lnTlToBr w="12700" cmpd="sng">
-                      <a:noFill/>
-                      <a:prstDash val="solid"/>
-                    </a:lnTlToBr>
-                    <a:lnBlToTr w="12700" cmpd="sng">
-                      <a:noFill/>
-                      <a:prstDash val="solid"/>
-                    </a:lnBlToTr>
-                    <a:solidFill>
-                      <a:schemeClr val="accent5"/>
-                    </a:solidFill>
-                  </a:tcPr>
-                </a:tc>
-                <a:tc>
-                  <a:txBody>
-                    <a:bodyPr/>
-                    <a:lstStyle/>
-                    <a:p>
-                      <a:pPr algn="r"/>
-                      <a:r>
-                        <a:rPr lang="de-CH" sz="600" dirty="0">
-                          <a:solidFill>
-                            <a:schemeClr val="accent1"/>
-                          </a:solidFill>
-                        </a:rPr>
-                        <a:t>4</a:t>
-                      </a:r>
-                    </a:p>
-                  </a:txBody>
-                  <a:tcPr marL="50911" marR="50911" marT="25456" marB="50912">
-                    <a:lnL w="12700" cmpd="sng">
-                      <a:noFill/>
-                    </a:lnL>
-                    <a:lnR w="12700" cmpd="sng">
-                      <a:noFill/>
-                    </a:lnR>
-                    <a:lnT w="6350" cap="flat" cmpd="sng" algn="ctr">
-                      <a:solidFill>
-                        <a:schemeClr val="tx1"/>
-                      </a:solidFill>
-                      <a:prstDash val="solid"/>
-                      <a:round/>
-                      <a:headEnd type="none" w="med" len="med"/>
-                      <a:tailEnd type="none" w="med" len="med"/>
-                    </a:lnT>
-                    <a:lnB w="6350" cap="flat" cmpd="sng" algn="ctr">
-                      <a:solidFill>
-                        <a:schemeClr val="tx1"/>
-                      </a:solidFill>
-                      <a:prstDash val="solid"/>
-                      <a:round/>
-                      <a:headEnd type="none" w="med" len="med"/>
-                      <a:tailEnd type="none" w="med" len="med"/>
-                    </a:lnB>
-                    <a:lnTlToBr w="12700" cmpd="sng">
-                      <a:noFill/>
-                      <a:prstDash val="solid"/>
-                    </a:lnTlToBr>
-                    <a:lnBlToTr w="12700" cmpd="sng">
-                      <a:noFill/>
-                      <a:prstDash val="solid"/>
-                    </a:lnBlToTr>
-                    <a:solidFill>
-                      <a:schemeClr val="accent6"/>
-                    </a:solidFill>
-                  </a:tcPr>
-                </a:tc>
-                <a:tc>
-                  <a:txBody>
-                    <a:bodyPr/>
-                    <a:lstStyle/>
-                    <a:p>
-                      <a:pPr algn="r"/>
-                      <a:r>
-                        <a:rPr lang="de-CH" sz="600" dirty="0">
-                          <a:solidFill>
-                            <a:schemeClr val="accent1"/>
-                          </a:solidFill>
-                        </a:rPr>
-                        <a:t>6</a:t>
-                      </a:r>
-                    </a:p>
-                  </a:txBody>
-                  <a:tcPr marL="50911" marR="50911" marT="25456" marB="50912">
-                    <a:lnL w="12700" cmpd="sng">
-                      <a:noFill/>
-                    </a:lnL>
-                    <a:lnR w="12700" cmpd="sng">
-                      <a:noFill/>
-                    </a:lnR>
-                    <a:lnT w="6350" cap="flat" cmpd="sng" algn="ctr">
-                      <a:solidFill>
-                        <a:schemeClr val="tx1"/>
-                      </a:solidFill>
-                      <a:prstDash val="solid"/>
-                      <a:round/>
-                      <a:headEnd type="none" w="med" len="med"/>
-                      <a:tailEnd type="none" w="med" len="med"/>
-                    </a:lnT>
-                    <a:lnB w="6350" cap="flat" cmpd="sng" algn="ctr">
-                      <a:solidFill>
-                        <a:schemeClr val="tx1"/>
-                      </a:solidFill>
-                      <a:prstDash val="solid"/>
-                      <a:round/>
-                      <a:headEnd type="none" w="med" len="med"/>
-                      <a:tailEnd type="none" w="med" len="med"/>
-                    </a:lnB>
-                    <a:lnTlToBr w="12700" cmpd="sng">
-                      <a:noFill/>
-                      <a:prstDash val="solid"/>
-                    </a:lnTlToBr>
-                    <a:lnBlToTr w="12700" cmpd="sng">
-                      <a:noFill/>
-                      <a:prstDash val="solid"/>
-                    </a:lnBlToTr>
-                    <a:solidFill>
-                      <a:schemeClr val="accent5"/>
-                    </a:solidFill>
-                  </a:tcPr>
-                </a:tc>
-                <a:tc>
-                  <a:txBody>
-                    <a:bodyPr/>
-                    <a:lstStyle/>
-                    <a:p>
-                      <a:pPr algn="r"/>
-                      <a:r>
-                        <a:rPr lang="de-CH" sz="600" dirty="0">
-                          <a:solidFill>
-                            <a:schemeClr val="accent1"/>
-                          </a:solidFill>
-                        </a:rPr>
-                        <a:t>45</a:t>
-                      </a:r>
-                    </a:p>
-                  </a:txBody>
-                  <a:tcPr marL="50911" marR="50911" marT="25456" marB="50912">
-                    <a:lnL w="12700" cmpd="sng">
-                      <a:noFill/>
-                    </a:lnL>
-                    <a:lnR w="12700" cmpd="sng">
-                      <a:noFill/>
-                    </a:lnR>
-                    <a:lnT w="6350" cap="flat" cmpd="sng" algn="ctr">
-                      <a:solidFill>
-                        <a:schemeClr val="tx1"/>
-                      </a:solidFill>
-                      <a:prstDash val="solid"/>
-                      <a:round/>
-                      <a:headEnd type="none" w="med" len="med"/>
-                      <a:tailEnd type="none" w="med" len="med"/>
-                    </a:lnT>
-                    <a:lnB w="6350" cap="flat" cmpd="sng" algn="ctr">
-                      <a:solidFill>
-                        <a:schemeClr val="tx1"/>
-                      </a:solidFill>
-                      <a:prstDash val="solid"/>
-                      <a:round/>
-                      <a:headEnd type="none" w="med" len="med"/>
-                      <a:tailEnd type="none" w="med" len="med"/>
-                    </a:lnB>
-                    <a:lnTlToBr w="12700" cmpd="sng">
-                      <a:noFill/>
-                      <a:prstDash val="solid"/>
-                    </a:lnTlToBr>
-                    <a:lnBlToTr w="12700" cmpd="sng">
-                      <a:noFill/>
-                      <a:prstDash val="solid"/>
-                    </a:lnBlToTr>
-                    <a:solidFill>
-                      <a:schemeClr val="accent6"/>
-                    </a:solidFill>
-                  </a:tcPr>
-                </a:tc>
-                <a:tc>
-                  <a:txBody>
-                    <a:bodyPr/>
-                    <a:lstStyle/>
-                    <a:p>
-                      <a:pPr algn="r"/>
-                      <a:r>
-                        <a:rPr lang="de-CH" sz="600" dirty="0">
-                          <a:solidFill>
-                            <a:schemeClr val="accent1"/>
-                          </a:solidFill>
-                        </a:rPr>
-                        <a:t>20</a:t>
-                      </a:r>
-                    </a:p>
-                  </a:txBody>
-                  <a:tcPr marL="50911" marR="50911" marT="25456" marB="50912">
-                    <a:lnL w="12700" cmpd="sng">
-                      <a:noFill/>
-                    </a:lnL>
-                    <a:lnR w="12700" cmpd="sng">
-                      <a:noFill/>
-                    </a:lnR>
-                    <a:lnT w="6350" cap="flat" cmpd="sng" algn="ctr">
-                      <a:solidFill>
-                        <a:schemeClr val="tx1"/>
-                      </a:solidFill>
-                      <a:prstDash val="solid"/>
-                      <a:round/>
-                      <a:headEnd type="none" w="med" len="med"/>
-                      <a:tailEnd type="none" w="med" len="med"/>
-                    </a:lnT>
-                    <a:lnB w="6350" cap="flat" cmpd="sng" algn="ctr">
-                      <a:solidFill>
-                        <a:schemeClr val="tx1"/>
-                      </a:solidFill>
-                      <a:prstDash val="solid"/>
-                      <a:round/>
-                      <a:headEnd type="none" w="med" len="med"/>
-                      <a:tailEnd type="none" w="med" len="med"/>
-                    </a:lnB>
-                    <a:lnTlToBr w="12700" cmpd="sng">
-                      <a:noFill/>
-                      <a:prstDash val="solid"/>
-                    </a:lnTlToBr>
-                    <a:lnBlToTr w="12700" cmpd="sng">
-                      <a:noFill/>
-                      <a:prstDash val="solid"/>
-                    </a:lnBlToTr>
-                    <a:solidFill>
-                      <a:schemeClr val="accent5"/>
-                    </a:solidFill>
-                  </a:tcPr>
-                </a:tc>
-                <a:tc>
-                  <a:txBody>
-                    <a:bodyPr/>
-                    <a:lstStyle/>
-                    <a:p>
-                      <a:pPr algn="r"/>
-                      <a:r>
-                        <a:rPr lang="de-CH" sz="600" dirty="0">
-                          <a:solidFill>
-                            <a:schemeClr val="accent1"/>
-                          </a:solidFill>
-                        </a:rPr>
-                        <a:t>45</a:t>
-                      </a:r>
-                    </a:p>
-                  </a:txBody>
-                  <a:tcPr marL="50911" marR="50911" marT="25456" marB="50912">
-                    <a:lnL w="12700" cmpd="sng">
-                      <a:noFill/>
-                    </a:lnL>
-                    <a:lnR w="12700" cmpd="sng">
-                      <a:noFill/>
-                    </a:lnR>
-                    <a:lnT w="6350" cap="flat" cmpd="sng" algn="ctr">
-                      <a:solidFill>
-                        <a:schemeClr val="tx1"/>
-                      </a:solidFill>
-                      <a:prstDash val="solid"/>
-                      <a:round/>
-                      <a:headEnd type="none" w="med" len="med"/>
-                      <a:tailEnd type="none" w="med" len="med"/>
-                    </a:lnT>
-                    <a:lnB w="6350" cap="flat" cmpd="sng" algn="ctr">
-                      <a:solidFill>
-                        <a:schemeClr val="tx1"/>
-                      </a:solidFill>
-                      <a:prstDash val="solid"/>
-                      <a:round/>
-                      <a:headEnd type="none" w="med" len="med"/>
-                      <a:tailEnd type="none" w="med" len="med"/>
-                    </a:lnB>
-                    <a:lnTlToBr w="12700" cmpd="sng">
-                      <a:noFill/>
-                      <a:prstDash val="solid"/>
-                    </a:lnTlToBr>
-                    <a:lnBlToTr w="12700" cmpd="sng">
-                      <a:noFill/>
-                      <a:prstDash val="solid"/>
-                    </a:lnBlToTr>
-                    <a:solidFill>
-                      <a:schemeClr val="accent6"/>
-                    </a:solidFill>
-                  </a:tcPr>
-                </a:tc>
-                <a:extLst>
-                  <a:ext uri="{0D108BD9-81ED-4DB2-BD59-A6C34878D82A}">
-                    <a16:rowId xmlns:a16="http://schemas.microsoft.com/office/drawing/2014/main" val="10004"/>
-                  </a:ext>
-                </a:extLst>
-              </a:tr>
-            </a:tbl>
-          </a:graphicData>
-        </a:graphic>
-      </p:graphicFrame>
       <p:sp>
         <p:nvSpPr>
           <p:cNvPr id="50" name="Textplatzhalter 2"/>
@@ -55658,8 +53610,8 @@
         </p:blipFill>
         <p:spPr>
           <a:xfrm>
-            <a:off x="6787234" y="4626620"/>
-            <a:ext cx="1548055" cy="1548055"/>
+            <a:off x="5598924" y="5202684"/>
+            <a:ext cx="1530290" cy="1530290"/>
           </a:xfrm>
           <a:prstGeom prst="rect">
             <a:avLst/>
@@ -55674,8 +53626,8 @@
         </p:nvSpPr>
         <p:spPr>
           <a:xfrm>
-            <a:off x="6787234" y="6181069"/>
-            <a:ext cx="1548055" cy="390060"/>
+            <a:off x="5592026" y="6684832"/>
+            <a:ext cx="1537188" cy="318052"/>
           </a:xfrm>
           <a:prstGeom prst="rect">
             <a:avLst/>
@@ -55694,7 +53646,7 @@
                   <a:schemeClr val="accent1"/>
                 </a:solidFill>
               </a:rPr>
-              <a:t>Fig. 2. </a:t>
+              <a:t>Fig. 3. </a:t>
             </a:r>
             <a:r>
               <a:rPr lang="de-CH" sz="600" b="1" dirty="0">
@@ -55817,22 +53769,212 @@
               <a:t> Google</a:t>
             </a:r>
             <a:r>
-              <a:rPr lang="en-US" sz="600" b="1" baseline="30000"/>
+              <a:rPr lang="en-US" sz="600" b="1" baseline="30000" dirty="0"/>
               <a:t>3</a:t>
             </a:r>
             <a:r>
-              <a:rPr lang="de-CH" sz="600" b="1">
+              <a:rPr lang="de-CH" sz="600" b="1" dirty="0">
                 <a:solidFill>
                   <a:schemeClr val="accent1"/>
                 </a:solidFill>
               </a:rPr>
               <a:t>.</a:t>
             </a:r>
-            <a:endParaRPr lang="de-CH" sz="600" b="1" dirty="0">
-              <a:solidFill>
-                <a:schemeClr val="accent1"/>
-              </a:solidFill>
-            </a:endParaRPr>
+          </a:p>
+        </p:txBody>
+      </p:sp>
+      <p:pic>
+        <p:nvPicPr>
+          <p:cNvPr id="9" name="Grafik 8"/>
+          <p:cNvPicPr>
+            <a:picLocks noChangeAspect="1"/>
+          </p:cNvPicPr>
+          <p:nvPr/>
+        </p:nvPicPr>
+        <p:blipFill>
+          <a:blip r:embed="rId5" cstate="print">
+            <a:extLst>
+              <a:ext uri="{28A0092B-C50C-407E-A947-70E740481C1C}">
+                <a14:useLocalDpi xmlns:a14="http://schemas.microsoft.com/office/drawing/2010/main" val="0"/>
+              </a:ext>
+            </a:extLst>
+          </a:blip>
+          <a:stretch>
+            <a:fillRect/>
+          </a:stretch>
+        </p:blipFill>
+        <p:spPr>
+          <a:xfrm>
+            <a:off x="5598925" y="4122564"/>
+            <a:ext cx="2610409" cy="555278"/>
+          </a:xfrm>
+          <a:prstGeom prst="rect">
+            <a:avLst/>
+          </a:prstGeom>
+        </p:spPr>
+      </p:pic>
+      <p:sp>
+        <p:nvSpPr>
+          <p:cNvPr id="25" name="Textfeld 24"/>
+          <p:cNvSpPr txBox="1"/>
+          <p:nvPr/>
+        </p:nvSpPr>
+        <p:spPr>
+          <a:xfrm>
+            <a:off x="5598924" y="4640073"/>
+            <a:ext cx="4135111" cy="202571"/>
+          </a:xfrm>
+          <a:prstGeom prst="rect">
+            <a:avLst/>
+          </a:prstGeom>
+          <a:noFill/>
+        </p:spPr>
+        <p:txBody>
+          <a:bodyPr wrap="square" lIns="0" tIns="72000" rIns="0" bIns="0" rtlCol="0">
+            <a:noAutofit/>
+          </a:bodyPr>
+          <a:lstStyle/>
+          <a:p>
+            <a:r>
+              <a:rPr lang="en-US" sz="600" b="1" dirty="0">
+                <a:solidFill>
+                  <a:schemeClr val="accent1"/>
+                </a:solidFill>
+              </a:rPr>
+              <a:t>Fig. 2. </a:t>
+            </a:r>
+            <a:r>
+              <a:rPr lang="de-CH" sz="600" b="1" dirty="0">
+                <a:solidFill>
+                  <a:schemeClr val="accent1"/>
+                </a:solidFill>
+              </a:rPr>
+              <a:t>An </a:t>
+            </a:r>
+            <a:r>
+              <a:rPr lang="de-CH" sz="600" b="1" dirty="0" err="1">
+                <a:solidFill>
+                  <a:schemeClr val="accent1"/>
+                </a:solidFill>
+              </a:rPr>
+              <a:t>example</a:t>
+            </a:r>
+            <a:r>
+              <a:rPr lang="de-CH" sz="600" b="1" dirty="0">
+                <a:solidFill>
+                  <a:schemeClr val="accent1"/>
+                </a:solidFill>
+              </a:rPr>
+              <a:t> </a:t>
+            </a:r>
+            <a:r>
+              <a:rPr lang="de-CH" sz="600" b="1" dirty="0" err="1">
+                <a:solidFill>
+                  <a:schemeClr val="accent1"/>
+                </a:solidFill>
+              </a:rPr>
+              <a:t>of</a:t>
+            </a:r>
+            <a:r>
+              <a:rPr lang="de-CH" sz="600" b="1" dirty="0">
+                <a:solidFill>
+                  <a:schemeClr val="accent1"/>
+                </a:solidFill>
+              </a:rPr>
+              <a:t> an </a:t>
+            </a:r>
+            <a:r>
+              <a:rPr lang="de-CH" sz="600" b="1" dirty="0" err="1">
+                <a:solidFill>
+                  <a:schemeClr val="accent1"/>
+                </a:solidFill>
+              </a:rPr>
+              <a:t>omnidirectional</a:t>
+            </a:r>
+            <a:r>
+              <a:rPr lang="de-CH" sz="600" b="1" dirty="0">
+                <a:solidFill>
+                  <a:schemeClr val="accent1"/>
+                </a:solidFill>
+              </a:rPr>
+              <a:t> </a:t>
+            </a:r>
+            <a:r>
+              <a:rPr lang="de-CH" sz="600" b="1" dirty="0" err="1">
+                <a:solidFill>
+                  <a:schemeClr val="accent1"/>
+                </a:solidFill>
+              </a:rPr>
+              <a:t>stereo</a:t>
+            </a:r>
+            <a:r>
+              <a:rPr lang="de-CH" sz="600" b="1" dirty="0">
+                <a:solidFill>
+                  <a:schemeClr val="accent1"/>
+                </a:solidFill>
+              </a:rPr>
+              <a:t> </a:t>
+            </a:r>
+            <a:r>
+              <a:rPr lang="de-CH" sz="600" b="1" dirty="0" err="1">
+                <a:solidFill>
+                  <a:schemeClr val="accent1"/>
+                </a:solidFill>
+              </a:rPr>
+              <a:t>image</a:t>
+            </a:r>
+            <a:r>
+              <a:rPr lang="de-CH" sz="600" b="1" dirty="0">
+                <a:solidFill>
+                  <a:schemeClr val="accent1"/>
+                </a:solidFill>
+              </a:rPr>
+              <a:t>, </a:t>
+            </a:r>
+            <a:r>
+              <a:rPr lang="de-CH" sz="600" b="1" dirty="0" err="1">
+                <a:solidFill>
+                  <a:schemeClr val="accent1"/>
+                </a:solidFill>
+              </a:rPr>
+              <a:t>produced</a:t>
+            </a:r>
+            <a:r>
+              <a:rPr lang="de-CH" sz="600" b="1" dirty="0">
+                <a:solidFill>
+                  <a:schemeClr val="accent1"/>
+                </a:solidFill>
+              </a:rPr>
+              <a:t> </a:t>
+            </a:r>
+            <a:r>
+              <a:rPr lang="de-CH" sz="600" b="1" dirty="0" err="1">
+                <a:solidFill>
+                  <a:schemeClr val="accent1"/>
+                </a:solidFill>
+              </a:rPr>
+              <a:t>by</a:t>
+            </a:r>
+            <a:r>
+              <a:rPr lang="de-CH" sz="600" b="1" dirty="0">
+                <a:solidFill>
+                  <a:schemeClr val="accent1"/>
+                </a:solidFill>
+              </a:rPr>
+              <a:t> Google</a:t>
+            </a:r>
+            <a:r>
+              <a:rPr lang="en-US" sz="600" b="1" baseline="30000" dirty="0"/>
+              <a:t>3</a:t>
+            </a:r>
+            <a:r>
+              <a:rPr lang="de-CH" sz="600" b="1" dirty="0">
+                <a:solidFill>
+                  <a:schemeClr val="accent1"/>
+                </a:solidFill>
+              </a:rPr>
+              <a:t>.</a:t>
+            </a:r>
           </a:p>
         </p:txBody>
       </p:sp>

--- a/poster/Group9_poster.pptx
+++ b/poster/Group9_poster.pptx
@@ -50460,13 +50460,313 @@
             </a:r>
             <a:r>
               <a:rPr lang="de-CH" dirty="0"/>
+              <a:t>. </a:t>
+            </a:r>
+            <a:r>
+              <a:rPr lang="de-CH" dirty="0" err="1"/>
+              <a:t>Moreover</a:t>
+            </a:r>
+            <a:r>
+              <a:rPr lang="de-CH" dirty="0"/>
+              <a:t>, </a:t>
+            </a:r>
+            <a:r>
+              <a:rPr lang="de-CH" dirty="0" err="1"/>
+              <a:t>our</a:t>
+            </a:r>
+            <a:r>
+              <a:rPr lang="de-CH" dirty="0"/>
+              <a:t> </a:t>
+            </a:r>
+            <a:r>
+              <a:rPr lang="de-CH" dirty="0" err="1"/>
+              <a:t>results</a:t>
+            </a:r>
+            <a:r>
+              <a:rPr lang="de-CH" dirty="0"/>
+              <a:t> </a:t>
+            </a:r>
+            <a:r>
+              <a:rPr lang="de-CH" dirty="0" err="1"/>
+              <a:t>of</a:t>
+            </a:r>
+            <a:r>
+              <a:rPr lang="de-CH" dirty="0"/>
+              <a:t> </a:t>
+            </a:r>
+            <a:r>
+              <a:rPr lang="de-CH" dirty="0" err="1"/>
+              <a:t>course</a:t>
+            </a:r>
+            <a:r>
+              <a:rPr lang="de-CH" dirty="0"/>
+              <a:t> </a:t>
+            </a:r>
+            <a:r>
+              <a:rPr lang="de-CH" dirty="0" err="1"/>
+              <a:t>have</a:t>
+            </a:r>
+            <a:r>
+              <a:rPr lang="de-CH" dirty="0"/>
+              <a:t> </a:t>
+            </a:r>
+            <a:r>
+              <a:rPr lang="de-CH" dirty="0" err="1"/>
+              <a:t>the</a:t>
+            </a:r>
+            <a:r>
+              <a:rPr lang="de-CH" dirty="0"/>
+              <a:t> same </a:t>
+            </a:r>
+            <a:r>
+              <a:rPr lang="de-CH" dirty="0" err="1"/>
+              <a:t>drawbacks</a:t>
+            </a:r>
+            <a:r>
+              <a:rPr lang="de-CH" dirty="0"/>
+              <a:t>, </a:t>
+            </a:r>
+            <a:r>
+              <a:rPr lang="de-CH" dirty="0" err="1"/>
+              <a:t>as</a:t>
+            </a:r>
+            <a:r>
+              <a:rPr lang="de-CH" dirty="0"/>
+              <a:t> </a:t>
+            </a:r>
+            <a:r>
+              <a:rPr lang="de-CH" dirty="0" err="1"/>
+              <a:t>the</a:t>
+            </a:r>
+            <a:r>
+              <a:rPr lang="de-CH" dirty="0"/>
+              <a:t> Jump </a:t>
+            </a:r>
+            <a:r>
+              <a:rPr lang="de-CH" dirty="0" err="1"/>
+              <a:t>implementation</a:t>
+            </a:r>
+            <a:r>
+              <a:rPr lang="de-CH" dirty="0"/>
+              <a:t>. </a:t>
+            </a:r>
+            <a:r>
+              <a:rPr lang="de-CH" dirty="0" err="1"/>
+              <a:t>Namely</a:t>
+            </a:r>
+            <a:r>
+              <a:rPr lang="de-CH" dirty="0"/>
+              <a:t>, </a:t>
+            </a:r>
+            <a:r>
+              <a:rPr lang="de-CH" dirty="0" err="1"/>
+              <a:t>straight</a:t>
+            </a:r>
+            <a:r>
+              <a:rPr lang="de-CH" dirty="0"/>
+              <a:t> </a:t>
+            </a:r>
+            <a:r>
+              <a:rPr lang="de-CH" dirty="0" err="1"/>
+              <a:t>lines</a:t>
+            </a:r>
+            <a:r>
+              <a:rPr lang="de-CH" dirty="0"/>
+              <a:t> </a:t>
+            </a:r>
+            <a:r>
+              <a:rPr lang="de-CH" dirty="0" err="1"/>
+              <a:t>may</a:t>
+            </a:r>
+            <a:r>
+              <a:rPr lang="de-CH" dirty="0"/>
+              <a:t> </a:t>
+            </a:r>
+            <a:r>
+              <a:rPr lang="de-CH" dirty="0" err="1"/>
+              <a:t>appear</a:t>
+            </a:r>
+            <a:r>
+              <a:rPr lang="de-CH" dirty="0"/>
+              <a:t> </a:t>
+            </a:r>
+            <a:r>
+              <a:rPr lang="de-CH" dirty="0" err="1"/>
+              <a:t>slightly</a:t>
+            </a:r>
+            <a:r>
+              <a:rPr lang="de-CH" dirty="0"/>
+              <a:t> </a:t>
+            </a:r>
+            <a:r>
+              <a:rPr lang="de-CH" dirty="0" err="1"/>
+              <a:t>curved</a:t>
+            </a:r>
+            <a:r>
+              <a:rPr lang="de-CH" dirty="0"/>
+              <a:t> in </a:t>
+            </a:r>
+            <a:r>
+              <a:rPr lang="de-CH" dirty="0" err="1"/>
+              <a:t>the</a:t>
+            </a:r>
+            <a:r>
+              <a:rPr lang="de-CH" dirty="0"/>
+              <a:t> </a:t>
+            </a:r>
+            <a:r>
+              <a:rPr lang="de-CH" dirty="0" err="1"/>
+              <a:t>constructed</a:t>
+            </a:r>
+            <a:r>
+              <a:rPr lang="de-CH" dirty="0"/>
+              <a:t> </a:t>
+            </a:r>
+            <a:r>
+              <a:rPr lang="de-CH" dirty="0" err="1"/>
+              <a:t>panorama</a:t>
+            </a:r>
+            <a:r>
+              <a:rPr lang="de-CH" dirty="0"/>
+              <a:t>. </a:t>
+            </a:r>
+            <a:r>
+              <a:rPr lang="de-CH" dirty="0" err="1"/>
+              <a:t>Additionally</a:t>
+            </a:r>
+            <a:r>
+              <a:rPr lang="de-CH" dirty="0"/>
+              <a:t>, </a:t>
+            </a:r>
+            <a:r>
+              <a:rPr lang="de-CH" dirty="0" err="1"/>
+              <a:t>there</a:t>
+            </a:r>
+            <a:r>
+              <a:rPr lang="de-CH" dirty="0"/>
+              <a:t> </a:t>
+            </a:r>
+            <a:r>
+              <a:rPr lang="de-CH" dirty="0" err="1"/>
+              <a:t>is</a:t>
+            </a:r>
+            <a:r>
+              <a:rPr lang="de-CH" dirty="0"/>
+              <a:t> a </a:t>
+            </a:r>
+            <a:r>
+              <a:rPr lang="de-CH" dirty="0" err="1"/>
+              <a:t>small</a:t>
+            </a:r>
+            <a:r>
+              <a:rPr lang="de-CH" dirty="0"/>
+              <a:t> </a:t>
+            </a:r>
+            <a:r>
+              <a:rPr lang="de-CH" dirty="0" err="1"/>
+              <a:t>vertical</a:t>
+            </a:r>
+            <a:r>
+              <a:rPr lang="de-CH" dirty="0"/>
+              <a:t> </a:t>
+            </a:r>
+            <a:r>
+              <a:rPr lang="de-CH" dirty="0" err="1"/>
+              <a:t>distortion</a:t>
+            </a:r>
+            <a:r>
+              <a:rPr lang="de-CH" dirty="0"/>
+              <a:t> </a:t>
+            </a:r>
+            <a:r>
+              <a:rPr lang="de-CH" dirty="0" err="1"/>
+              <a:t>because</a:t>
+            </a:r>
+            <a:r>
+              <a:rPr lang="de-CH" dirty="0"/>
+              <a:t> </a:t>
+            </a:r>
+            <a:r>
+              <a:rPr lang="de-CH" dirty="0" err="1"/>
+              <a:t>the</a:t>
+            </a:r>
+            <a:r>
+              <a:rPr lang="de-CH" dirty="0"/>
+              <a:t> </a:t>
+            </a:r>
+            <a:r>
+              <a:rPr lang="de-CH" dirty="0" err="1"/>
+              <a:t>camera</a:t>
+            </a:r>
+            <a:r>
+              <a:rPr lang="de-CH" dirty="0"/>
+              <a:t> </a:t>
+            </a:r>
+            <a:r>
+              <a:rPr lang="de-CH" dirty="0" err="1"/>
+              <a:t>rig</a:t>
+            </a:r>
+            <a:r>
+              <a:rPr lang="de-CH" dirty="0"/>
+              <a:t> </a:t>
+            </a:r>
+            <a:r>
+              <a:rPr lang="de-CH" dirty="0" err="1"/>
+              <a:t>is</a:t>
+            </a:r>
+            <a:r>
+              <a:rPr lang="de-CH" dirty="0"/>
+              <a:t> larger </a:t>
+            </a:r>
+            <a:r>
+              <a:rPr lang="de-CH" dirty="0" err="1"/>
+              <a:t>than</a:t>
+            </a:r>
+            <a:r>
+              <a:rPr lang="de-CH" dirty="0"/>
+              <a:t> </a:t>
+            </a:r>
+            <a:r>
+              <a:rPr lang="de-CH" dirty="0" err="1"/>
+              <a:t>the</a:t>
+            </a:r>
+            <a:r>
+              <a:rPr lang="de-CH" dirty="0"/>
+              <a:t> </a:t>
+            </a:r>
+            <a:r>
+              <a:rPr lang="de-CH" dirty="0" err="1"/>
+              <a:t>actual</a:t>
+            </a:r>
+            <a:r>
+              <a:rPr lang="de-CH" dirty="0"/>
+              <a:t> </a:t>
+            </a:r>
+            <a:r>
+              <a:rPr lang="de-CH" dirty="0" err="1"/>
+              <a:t>viewing</a:t>
+            </a:r>
+            <a:r>
+              <a:rPr lang="de-CH" dirty="0"/>
+              <a:t> </a:t>
+            </a:r>
+            <a:r>
+              <a:rPr lang="de-CH" dirty="0" err="1"/>
+              <a:t>circle</a:t>
+            </a:r>
+            <a:r>
+              <a:rPr lang="de-CH" dirty="0"/>
               <a:t>.</a:t>
             </a:r>
           </a:p>
           <a:p>
             <a:r>
+              <a:rPr lang="de-CH" dirty="0"/>
+              <a:t>In </a:t>
+            </a:r>
+            <a:r>
               <a:rPr lang="de-CH" dirty="0" err="1"/>
-              <a:t>Moreover</a:t>
+              <a:t>addition</a:t>
             </a:r>
             <a:r>
               <a:rPr lang="de-CH" dirty="0"/>
@@ -50474,297 +50774,7 @@
             </a:r>
             <a:r>
               <a:rPr lang="de-CH" dirty="0" err="1"/>
-              <a:t>our</a:t>
-            </a:r>
-            <a:r>
-              <a:rPr lang="de-CH" dirty="0"/>
-              <a:t> </a:t>
-            </a:r>
-            <a:r>
-              <a:rPr lang="de-CH" dirty="0" err="1"/>
-              <a:t>results</a:t>
-            </a:r>
-            <a:r>
-              <a:rPr lang="de-CH" dirty="0"/>
-              <a:t> </a:t>
-            </a:r>
-            <a:r>
-              <a:rPr lang="de-CH" dirty="0" err="1"/>
-              <a:t>of</a:t>
-            </a:r>
-            <a:r>
-              <a:rPr lang="de-CH" dirty="0"/>
-              <a:t> </a:t>
-            </a:r>
-            <a:r>
-              <a:rPr lang="de-CH" dirty="0" err="1"/>
-              <a:t>course</a:t>
-            </a:r>
-            <a:r>
-              <a:rPr lang="de-CH" dirty="0"/>
-              <a:t> </a:t>
-            </a:r>
-            <a:r>
-              <a:rPr lang="de-CH" dirty="0" err="1"/>
-              <a:t>have</a:t>
-            </a:r>
-            <a:r>
-              <a:rPr lang="de-CH" dirty="0"/>
-              <a:t> </a:t>
-            </a:r>
-            <a:r>
-              <a:rPr lang="de-CH" dirty="0" err="1"/>
-              <a:t>the</a:t>
-            </a:r>
-            <a:r>
-              <a:rPr lang="de-CH" dirty="0"/>
-              <a:t> same </a:t>
-            </a:r>
-            <a:r>
-              <a:rPr lang="de-CH" dirty="0" err="1"/>
-              <a:t>drawbacks</a:t>
-            </a:r>
-            <a:r>
-              <a:rPr lang="de-CH" dirty="0"/>
-              <a:t>, </a:t>
-            </a:r>
-            <a:r>
-              <a:rPr lang="de-CH" dirty="0" err="1"/>
-              <a:t>as</a:t>
-            </a:r>
-            <a:r>
-              <a:rPr lang="de-CH" dirty="0"/>
-              <a:t> </a:t>
-            </a:r>
-            <a:r>
-              <a:rPr lang="de-CH" dirty="0" err="1"/>
-              <a:t>the</a:t>
-            </a:r>
-            <a:r>
-              <a:rPr lang="de-CH" dirty="0"/>
-              <a:t> Jump </a:t>
-            </a:r>
-            <a:r>
-              <a:rPr lang="de-CH" dirty="0" err="1"/>
-              <a:t>implementation</a:t>
-            </a:r>
-            <a:r>
-              <a:rPr lang="de-CH" dirty="0"/>
-              <a:t>. </a:t>
-            </a:r>
-            <a:r>
-              <a:rPr lang="de-CH" dirty="0" err="1"/>
-              <a:t>Namely</a:t>
-            </a:r>
-            <a:r>
-              <a:rPr lang="de-CH" dirty="0"/>
-              <a:t>, </a:t>
-            </a:r>
-            <a:r>
-              <a:rPr lang="de-CH" dirty="0" err="1"/>
-              <a:t>straight</a:t>
-            </a:r>
-            <a:r>
-              <a:rPr lang="de-CH" dirty="0"/>
-              <a:t> </a:t>
-            </a:r>
-            <a:r>
-              <a:rPr lang="de-CH" dirty="0" err="1"/>
-              <a:t>lines</a:t>
-            </a:r>
-            <a:r>
-              <a:rPr lang="de-CH" dirty="0"/>
-              <a:t> </a:t>
-            </a:r>
-            <a:r>
-              <a:rPr lang="de-CH" dirty="0" err="1"/>
-              <a:t>may</a:t>
-            </a:r>
-            <a:r>
-              <a:rPr lang="de-CH" dirty="0"/>
-              <a:t> </a:t>
-            </a:r>
-            <a:r>
-              <a:rPr lang="de-CH" dirty="0" err="1"/>
-              <a:t>appear</a:t>
-            </a:r>
-            <a:r>
-              <a:rPr lang="de-CH" dirty="0"/>
-              <a:t> </a:t>
-            </a:r>
-            <a:r>
-              <a:rPr lang="de-CH" dirty="0" err="1"/>
-              <a:t>slightly</a:t>
-            </a:r>
-            <a:r>
-              <a:rPr lang="de-CH" dirty="0"/>
-              <a:t> </a:t>
-            </a:r>
-            <a:r>
-              <a:rPr lang="de-CH" dirty="0" err="1"/>
-              <a:t>curved</a:t>
-            </a:r>
-            <a:r>
-              <a:rPr lang="de-CH" dirty="0"/>
-              <a:t> in </a:t>
-            </a:r>
-            <a:r>
-              <a:rPr lang="de-CH" dirty="0" err="1"/>
-              <a:t>the</a:t>
-            </a:r>
-            <a:r>
-              <a:rPr lang="de-CH" dirty="0"/>
-              <a:t> </a:t>
-            </a:r>
-            <a:r>
-              <a:rPr lang="de-CH" dirty="0" err="1"/>
-              <a:t>constructed</a:t>
-            </a:r>
-            <a:r>
-              <a:rPr lang="de-CH" dirty="0"/>
-              <a:t> </a:t>
-            </a:r>
-            <a:r>
-              <a:rPr lang="de-CH" dirty="0" err="1"/>
-              <a:t>panorama</a:t>
-            </a:r>
-            <a:r>
-              <a:rPr lang="de-CH" dirty="0"/>
-              <a:t>. </a:t>
-            </a:r>
-            <a:r>
-              <a:rPr lang="de-CH" dirty="0" err="1"/>
-              <a:t>Additionally</a:t>
-            </a:r>
-            <a:r>
-              <a:rPr lang="de-CH" dirty="0"/>
-              <a:t>, </a:t>
-            </a:r>
-            <a:r>
-              <a:rPr lang="de-CH" dirty="0" err="1"/>
-              <a:t>there</a:t>
-            </a:r>
-            <a:r>
-              <a:rPr lang="de-CH" dirty="0"/>
-              <a:t> </a:t>
-            </a:r>
-            <a:r>
-              <a:rPr lang="de-CH" dirty="0" err="1"/>
-              <a:t>is</a:t>
-            </a:r>
-            <a:r>
-              <a:rPr lang="de-CH" dirty="0"/>
-              <a:t> a </a:t>
-            </a:r>
-            <a:r>
-              <a:rPr lang="de-CH" dirty="0" err="1"/>
-              <a:t>small</a:t>
-            </a:r>
-            <a:r>
-              <a:rPr lang="de-CH" dirty="0"/>
-              <a:t> </a:t>
-            </a:r>
-            <a:r>
-              <a:rPr lang="de-CH" dirty="0" err="1"/>
-              <a:t>vertical</a:t>
-            </a:r>
-            <a:r>
-              <a:rPr lang="de-CH" dirty="0"/>
-              <a:t> </a:t>
-            </a:r>
-            <a:r>
-              <a:rPr lang="de-CH" dirty="0" err="1"/>
-              <a:t>distortion</a:t>
-            </a:r>
-            <a:r>
-              <a:rPr lang="de-CH" dirty="0"/>
-              <a:t> </a:t>
-            </a:r>
-            <a:r>
-              <a:rPr lang="de-CH" dirty="0" err="1"/>
-              <a:t>because</a:t>
-            </a:r>
-            <a:r>
-              <a:rPr lang="de-CH" dirty="0"/>
-              <a:t> </a:t>
-            </a:r>
-            <a:r>
-              <a:rPr lang="de-CH" dirty="0" err="1"/>
-              <a:t>the</a:t>
-            </a:r>
-            <a:r>
-              <a:rPr lang="de-CH" dirty="0"/>
-              <a:t> </a:t>
-            </a:r>
-            <a:r>
-              <a:rPr lang="de-CH" dirty="0" err="1"/>
-              <a:t>camera</a:t>
-            </a:r>
-            <a:r>
-              <a:rPr lang="de-CH" dirty="0"/>
-              <a:t> </a:t>
-            </a:r>
-            <a:r>
-              <a:rPr lang="de-CH" dirty="0" err="1"/>
-              <a:t>rig</a:t>
-            </a:r>
-            <a:r>
-              <a:rPr lang="de-CH" dirty="0"/>
-              <a:t> </a:t>
-            </a:r>
-            <a:r>
-              <a:rPr lang="de-CH" dirty="0" err="1"/>
-              <a:t>is</a:t>
-            </a:r>
-            <a:r>
-              <a:rPr lang="de-CH" dirty="0"/>
-              <a:t> larger </a:t>
-            </a:r>
-            <a:r>
-              <a:rPr lang="de-CH" dirty="0" err="1"/>
-              <a:t>than</a:t>
-            </a:r>
-            <a:r>
-              <a:rPr lang="de-CH" dirty="0"/>
-              <a:t> </a:t>
-            </a:r>
-            <a:r>
-              <a:rPr lang="de-CH" dirty="0" err="1"/>
-              <a:t>the</a:t>
-            </a:r>
-            <a:r>
-              <a:rPr lang="de-CH" dirty="0"/>
-              <a:t> </a:t>
-            </a:r>
-            <a:r>
-              <a:rPr lang="de-CH" dirty="0" err="1"/>
-              <a:t>actual</a:t>
-            </a:r>
-            <a:r>
-              <a:rPr lang="de-CH" dirty="0"/>
-              <a:t> </a:t>
-            </a:r>
-            <a:r>
-              <a:rPr lang="de-CH" dirty="0" err="1"/>
-              <a:t>viewing</a:t>
-            </a:r>
-            <a:r>
-              <a:rPr lang="de-CH" dirty="0"/>
-              <a:t> </a:t>
-            </a:r>
-            <a:r>
-              <a:rPr lang="de-CH" dirty="0" err="1"/>
-              <a:t>circle</a:t>
-            </a:r>
-            <a:r>
-              <a:rPr lang="de-CH" dirty="0"/>
-              <a:t>.</a:t>
-            </a:r>
-          </a:p>
-          <a:p>
-            <a:r>
-              <a:rPr lang="de-CH" dirty="0" err="1"/>
-              <a:t>We</a:t>
+              <a:t>we</a:t>
             </a:r>
             <a:r>
               <a:rPr lang="de-CH" dirty="0"/>
@@ -51646,111 +51656,26 @@
           <a:p>
             <a:r>
               <a:rPr lang="en-US" dirty="0"/>
-              <a:t>This is a dummy text. Far </a:t>
+              <a:t>We were able to implement a similar system like the Jump from Google for viewing omni-directional stereo images on the Google Cardboard. However, we did not use such sophisticated methods for the different </a:t>
             </a:r>
             <a:r>
               <a:rPr lang="en-US" dirty="0" err="1"/>
-              <a:t>far</a:t>
+              <a:t>subproblems</a:t>
             </a:r>
             <a:r>
               <a:rPr lang="en-US" dirty="0"/>
-              <a:t> away, behind the word mountains, far from the countries </a:t>
-            </a:r>
-            <a:r>
-              <a:rPr lang="en-US" dirty="0" err="1"/>
-              <a:t>Vokalia</a:t>
-            </a:r>
-            <a:r>
+              <a:t>, like for example the optical flow computation, the exposure correction and the compositing step. Therefore, we only achieved a much lower visual quality with some artefacts.</a:t>
+            </a:r>
+            <a:br>
               <a:rPr lang="en-US" dirty="0"/>
-              <a:t> and </a:t>
-            </a:r>
-            <a:r>
-              <a:rPr lang="en-US" dirty="0" err="1"/>
-              <a:t>Consonantia</a:t>
-            </a:r>
+            </a:br>
             <a:r>
               <a:rPr lang="en-US" dirty="0"/>
-              <a:t>, there live the blind texts. </a:t>
-            </a:r>
-          </a:p>
-          <a:p>
-            <a:endParaRPr lang="en-US" dirty="0"/>
-          </a:p>
-          <a:p>
-            <a:pPr lvl="1"/>
-            <a:r>
-              <a:rPr lang="en-US" dirty="0"/>
-              <a:t>Separated they live in </a:t>
-            </a:r>
-            <a:r>
-              <a:rPr lang="en-US" dirty="0" err="1"/>
-              <a:t>Bookmarksgrove</a:t>
-            </a:r>
-            <a:r>
-              <a:rPr lang="en-US" dirty="0"/>
-              <a:t> right at the coast of the Semantics, a large language ocean. </a:t>
-            </a:r>
-          </a:p>
-          <a:p>
-            <a:pPr lvl="1"/>
-            <a:r>
-              <a:rPr lang="en-US" dirty="0"/>
-              <a:t>This is a dummy text. Far </a:t>
-            </a:r>
-            <a:r>
-              <a:rPr lang="en-US" dirty="0" err="1"/>
-              <a:t>far</a:t>
-            </a:r>
-            <a:r>
-              <a:rPr lang="en-US" dirty="0"/>
-              <a:t> away, behind the word mountains, far from the countries </a:t>
-            </a:r>
-            <a:r>
-              <a:rPr lang="en-US" dirty="0" err="1"/>
-              <a:t>Vokalia</a:t>
-            </a:r>
-            <a:r>
-              <a:rPr lang="en-US" dirty="0"/>
-              <a:t> and </a:t>
-            </a:r>
-            <a:r>
-              <a:rPr lang="en-US" dirty="0" err="1"/>
-              <a:t>Consonantia</a:t>
-            </a:r>
-            <a:r>
-              <a:rPr lang="en-US" dirty="0"/>
-              <a:t>, there live the blind texts. </a:t>
-            </a:r>
-          </a:p>
-          <a:p>
-            <a:pPr lvl="1"/>
-            <a:r>
-              <a:rPr lang="en-US" dirty="0"/>
-              <a:t>Separated they live in </a:t>
-            </a:r>
-            <a:r>
-              <a:rPr lang="en-US" dirty="0" err="1"/>
-              <a:t>Bookmarksgrove</a:t>
-            </a:r>
-            <a:r>
-              <a:rPr lang="en-US" dirty="0"/>
-              <a:t> right at the coast of the Semantics, a large language ocean. A small river named </a:t>
-            </a:r>
-            <a:r>
-              <a:rPr lang="en-US" dirty="0" err="1"/>
-              <a:t>Duden</a:t>
-            </a:r>
-            <a:r>
-              <a:rPr lang="en-US" dirty="0"/>
-              <a:t> flows by their place and supplies it with the necessary </a:t>
-            </a:r>
-            <a:r>
-              <a:rPr lang="en-US" dirty="0" err="1"/>
-              <a:t>regelialia</a:t>
-            </a:r>
-            <a:r>
-              <a:rPr lang="en-US" dirty="0"/>
-              <a:t>. It </a:t>
+              <a:t>Moreover, the quality of our produced panoramas is lower because our dataset only contained images from 10 different cameras, which additionally were not equally distributed onto the rig. Whereas in the Jump paper, they used a camera rig with 16 </a:t>
+            </a:r>
+            <a:r>
+              <a:rPr lang="en-US"/>
+              <a:t>equally-distant GoPro cameras.</a:t>
             </a:r>
             <a:endParaRPr lang="de-CH" dirty="0"/>
           </a:p>

--- a/poster/Group9_poster.pptx
+++ b/poster/Group9_poster.pptx
@@ -49261,15 +49261,7 @@
             </a:br>
             <a:r>
               <a:rPr lang="en-US" dirty="0"/>
-              <a:t>The main idea of </a:t>
-            </a:r>
-            <a:r>
-              <a:rPr lang="en-US"/>
-              <a:t>the stitching </a:t>
-            </a:r>
-            <a:r>
-              <a:rPr lang="en-US" dirty="0"/>
-              <a:t>procedure is to compute for each pixel the horizontal angle </a:t>
+              <a:t>The main idea of the stitching procedure is to compute for each pixel the horizontal angle </a:t>
             </a:r>
             <a:r>
               <a:rPr lang="el-GR" dirty="0"/>
@@ -51224,8 +51216,8 @@
         </p:nvSpPr>
         <p:spPr>
           <a:xfrm>
-            <a:off x="1303297" y="9060774"/>
-            <a:ext cx="2727227" cy="246366"/>
+            <a:off x="725950" y="9019108"/>
+            <a:ext cx="1362704" cy="307241"/>
           </a:xfrm>
           <a:prstGeom prst="rect">
             <a:avLst/>
@@ -51244,39 +51236,11 @@
                   <a:schemeClr val="accent1"/>
                 </a:solidFill>
               </a:rPr>
-              <a:t>Fig. 1. This figure shows the definitions of the angles </a:t>
+              <a:t>Fig. 1 This figure shows the horizontal angle </a:t>
             </a:r>
             <a:r>
               <a:rPr lang="el-GR" sz="600" b="1" dirty="0"/>
               <a:t>ϴ</a:t>
-            </a:r>
-            <a:r>
-              <a:rPr lang="de-CH" sz="600" b="1" dirty="0"/>
-              <a:t> </a:t>
-            </a:r>
-            <a:r>
-              <a:rPr lang="de-CH" sz="600" b="1" dirty="0" err="1"/>
-              <a:t>and</a:t>
-            </a:r>
-            <a:r>
-              <a:rPr lang="de-CH" sz="600" b="1" dirty="0"/>
-              <a:t> </a:t>
-            </a:r>
-            <a:r>
-              <a:rPr lang="el-GR" sz="600" b="1" dirty="0"/>
-              <a:t>Φ</a:t>
-            </a:r>
-            <a:r>
-              <a:rPr lang="de-CH" sz="600" b="1" dirty="0"/>
-              <a:t> </a:t>
-            </a:r>
-            <a:r>
-              <a:rPr lang="en-US" sz="600" b="1" dirty="0">
-                <a:solidFill>
-                  <a:schemeClr val="accent1"/>
-                </a:solidFill>
-              </a:rPr>
-              <a:t>  </a:t>
             </a:r>
             <a:endParaRPr lang="de-CH" sz="600" b="1" dirty="0">
               <a:solidFill>
@@ -51671,11 +51635,7 @@
             </a:br>
             <a:r>
               <a:rPr lang="en-US" dirty="0"/>
-              <a:t>Moreover, the quality of our produced panoramas is lower because our dataset only contained images from 10 different cameras, which additionally were not equally distributed onto the rig. Whereas in the Jump paper, they used a camera rig with 16 </a:t>
-            </a:r>
-            <a:r>
-              <a:rPr lang="en-US"/>
-              <a:t>equally-distant GoPro cameras.</a:t>
+              <a:t>Moreover, the quality of our produced panoramas is lower because our dataset only contained images from 10 different cameras, which additionally were not equally distributed onto the rig. Whereas in the Jump paper, they used a camera rig with 16 equally-distant GoPro cameras with a larger vertical field of view.</a:t>
             </a:r>
             <a:endParaRPr lang="de-CH" dirty="0"/>
           </a:p>
@@ -52680,6 +52640,9 @@
             <a:br>
               <a:rPr lang="de-CH" dirty="0"/>
             </a:br>
+            <a:br>
+              <a:rPr lang="de-CH" dirty="0"/>
+            </a:br>
             <a:r>
               <a:rPr lang="de-CH" dirty="0" err="1"/>
               <a:t>During</a:t>
@@ -52896,6 +52859,98 @@
               <a:rPr lang="de-CH" dirty="0"/>
               <a:t>.</a:t>
             </a:r>
+            <a:br>
+              <a:rPr lang="de-CH" dirty="0"/>
+            </a:br>
+            <a:r>
+              <a:rPr lang="de-CH" dirty="0" err="1"/>
+              <a:t>Furthermore</a:t>
+            </a:r>
+            <a:r>
+              <a:rPr lang="de-CH" dirty="0"/>
+              <a:t>, </a:t>
+            </a:r>
+            <a:r>
+              <a:rPr lang="de-CH" dirty="0" err="1"/>
+              <a:t>we</a:t>
+            </a:r>
+            <a:r>
+              <a:rPr lang="de-CH" dirty="0"/>
+              <a:t> also </a:t>
+            </a:r>
+            <a:r>
+              <a:rPr lang="de-CH" dirty="0" err="1"/>
+              <a:t>produced</a:t>
+            </a:r>
+            <a:r>
+              <a:rPr lang="de-CH" dirty="0"/>
+              <a:t> </a:t>
+            </a:r>
+            <a:r>
+              <a:rPr lang="de-CH" dirty="0" err="1"/>
+              <a:t>some</a:t>
+            </a:r>
+            <a:r>
+              <a:rPr lang="de-CH" dirty="0"/>
+              <a:t> simple </a:t>
+            </a:r>
+            <a:r>
+              <a:rPr lang="de-CH" dirty="0" err="1"/>
+              <a:t>datasets</a:t>
+            </a:r>
+            <a:r>
+              <a:rPr lang="de-CH" dirty="0"/>
+              <a:t> </a:t>
+            </a:r>
+            <a:r>
+              <a:rPr lang="de-CH" dirty="0" err="1"/>
+              <a:t>by</a:t>
+            </a:r>
+            <a:r>
+              <a:rPr lang="de-CH" dirty="0"/>
+              <a:t> </a:t>
+            </a:r>
+            <a:r>
+              <a:rPr lang="de-CH" dirty="0" err="1"/>
+              <a:t>ourselves</a:t>
+            </a:r>
+            <a:r>
+              <a:rPr lang="de-CH" dirty="0"/>
+              <a:t> </a:t>
+            </a:r>
+            <a:r>
+              <a:rPr lang="de-CH" dirty="0" err="1"/>
+              <a:t>with</a:t>
+            </a:r>
+            <a:r>
+              <a:rPr lang="de-CH" dirty="0"/>
+              <a:t> </a:t>
+            </a:r>
+            <a:r>
+              <a:rPr lang="de-CH" dirty="0" err="1"/>
+              <a:t>our</a:t>
+            </a:r>
+            <a:r>
+              <a:rPr lang="de-CH" dirty="0"/>
+              <a:t> </a:t>
+            </a:r>
+            <a:r>
+              <a:rPr lang="de-CH" dirty="0" err="1"/>
+              <a:t>smartphone</a:t>
+            </a:r>
+            <a:r>
+              <a:rPr lang="de-CH" dirty="0"/>
+              <a:t> </a:t>
+            </a:r>
+            <a:r>
+              <a:rPr lang="de-CH" dirty="0" err="1"/>
+              <a:t>cameras</a:t>
+            </a:r>
+            <a:r>
+              <a:rPr lang="de-CH"/>
+              <a:t>.</a:t>
+            </a:r>
+            <a:endParaRPr lang="de-CH" dirty="0"/>
           </a:p>
         </p:txBody>
       </p:sp>
@@ -53491,7 +53546,7 @@
           </p:cNvPicPr>
           <p:nvPr/>
         </p:nvPicPr>
-        <p:blipFill>
+        <p:blipFill rotWithShape="1">
           <a:blip r:embed="rId3" cstate="print">
             <a:extLst>
               <a:ext uri="{28A0092B-C50C-407E-A947-70E740481C1C}">
@@ -53499,14 +53554,13 @@
               </a:ext>
             </a:extLst>
           </a:blip>
-          <a:stretch>
-            <a:fillRect/>
-          </a:stretch>
+          <a:srcRect t="-1" r="49996" b="-6097"/>
+          <a:stretch/>
         </p:blipFill>
         <p:spPr>
           <a:xfrm>
-            <a:off x="1301769" y="7811141"/>
-            <a:ext cx="2727227" cy="1298001"/>
+            <a:off x="720502" y="7780510"/>
+            <a:ext cx="1363713" cy="1377141"/>
           </a:xfrm>
           <a:prstGeom prst="rect">
             <a:avLst/>
@@ -53900,6 +53954,93 @@
               </a:rPr>
               <a:t>.</a:t>
             </a:r>
+          </a:p>
+        </p:txBody>
+      </p:sp>
+      <p:pic>
+        <p:nvPicPr>
+          <p:cNvPr id="22" name="Grafik 21"/>
+          <p:cNvPicPr>
+            <a:picLocks noChangeAspect="1"/>
+          </p:cNvPicPr>
+          <p:nvPr/>
+        </p:nvPicPr>
+        <p:blipFill rotWithShape="1">
+          <a:blip r:embed="rId3" cstate="print">
+            <a:extLst>
+              <a:ext uri="{28A0092B-C50C-407E-A947-70E740481C1C}">
+                <a14:useLocalDpi xmlns:a14="http://schemas.microsoft.com/office/drawing/2010/main" val="0"/>
+              </a:ext>
+            </a:extLst>
+          </a:blip>
+          <a:srcRect l="50166" t="-696"/>
+          <a:stretch/>
+        </p:blipFill>
+        <p:spPr>
+          <a:xfrm>
+            <a:off x="2768148" y="7780510"/>
+            <a:ext cx="1359091" cy="1307041"/>
+          </a:xfrm>
+          <a:prstGeom prst="rect">
+            <a:avLst/>
+          </a:prstGeom>
+        </p:spPr>
+      </p:pic>
+      <p:sp>
+        <p:nvSpPr>
+          <p:cNvPr id="26" name="Textfeld 25"/>
+          <p:cNvSpPr txBox="1"/>
+          <p:nvPr/>
+        </p:nvSpPr>
+        <p:spPr>
+          <a:xfrm>
+            <a:off x="2764714" y="9019108"/>
+            <a:ext cx="1362525" cy="369569"/>
+          </a:xfrm>
+          <a:prstGeom prst="rect">
+            <a:avLst/>
+          </a:prstGeom>
+          <a:noFill/>
+        </p:spPr>
+        <p:txBody>
+          <a:bodyPr wrap="square" lIns="0" tIns="72000" rIns="0" bIns="0" rtlCol="0">
+            <a:noAutofit/>
+          </a:bodyPr>
+          <a:lstStyle/>
+          <a:p>
+            <a:r>
+              <a:rPr lang="en-US" sz="600" b="1" dirty="0">
+                <a:solidFill>
+                  <a:schemeClr val="accent1"/>
+                </a:solidFill>
+              </a:rPr>
+              <a:t>Fig. 2: This figure shows the vertical angle</a:t>
+            </a:r>
+            <a:r>
+              <a:rPr lang="de-CH" sz="600" b="1" dirty="0"/>
+              <a:t> </a:t>
+            </a:r>
+            <a:r>
+              <a:rPr lang="el-GR" sz="600" b="1" dirty="0"/>
+              <a:t>Φ</a:t>
+            </a:r>
+            <a:r>
+              <a:rPr lang="de-CH" sz="600" b="1" dirty="0"/>
+              <a:t> </a:t>
+            </a:r>
+            <a:r>
+              <a:rPr lang="en-US" sz="600" b="1" dirty="0">
+                <a:solidFill>
+                  <a:schemeClr val="accent1"/>
+                </a:solidFill>
+              </a:rPr>
+              <a:t>  </a:t>
+            </a:r>
+            <a:endParaRPr lang="de-CH" sz="600" b="1" dirty="0">
+              <a:solidFill>
+                <a:schemeClr val="accent1"/>
+              </a:solidFill>
+            </a:endParaRPr>
           </a:p>
         </p:txBody>
       </p:sp>

--- a/poster/Group9_poster.pptx
+++ b/poster/Group9_poster.pptx
@@ -49581,7 +49581,7 @@
           <a:p>
             <a:r>
               <a:rPr lang="en-US" dirty="0"/>
-              <a:t>The final results of the described method are omni-directional stereo images (see figure 3), which can be viewed in the Google Cardboard.</a:t>
+              <a:t>The final results of the described method are omni-directional stereo images (see figure 4), which can be viewed in the Google Cardboard.</a:t>
             </a:r>
           </a:p>
           <a:p>
@@ -53625,7 +53625,7 @@
                   <a:schemeClr val="accent1"/>
                 </a:solidFill>
               </a:rPr>
-              <a:t>Fig. 3. </a:t>
+              <a:t>Fig. 4. </a:t>
             </a:r>
             <a:r>
               <a:rPr lang="de-CH" sz="600" b="1" dirty="0">
@@ -53800,8 +53800,8 @@
         </p:nvSpPr>
         <p:spPr>
           <a:xfrm>
-            <a:off x="5598924" y="4640073"/>
-            <a:ext cx="4135111" cy="202571"/>
+            <a:off x="5598925" y="4640073"/>
+            <a:ext cx="2610410" cy="202571"/>
           </a:xfrm>
           <a:prstGeom prst="rect">
             <a:avLst/>
@@ -53820,140 +53820,21 @@
                   <a:schemeClr val="accent1"/>
                 </a:solidFill>
               </a:rPr>
-              <a:t>Fig. 2. </a:t>
-            </a:r>
-            <a:r>
-              <a:rPr lang="de-CH" sz="600" b="1" dirty="0">
+              <a:t>Fig. 3. This image shows the optical flow between </a:t>
+            </a:r>
+            <a:r>
+              <a:rPr lang="en-US" sz="600" b="1">
                 <a:solidFill>
                   <a:schemeClr val="accent1"/>
                 </a:solidFill>
               </a:rPr>
-              <a:t>An </a:t>
-            </a:r>
-            <a:r>
-              <a:rPr lang="de-CH" sz="600" b="1" dirty="0" err="1">
-                <a:solidFill>
-                  <a:schemeClr val="accent1"/>
-                </a:solidFill>
-              </a:rPr>
-              <a:t>example</a:t>
-            </a:r>
-            <a:r>
-              <a:rPr lang="de-CH" sz="600" b="1" dirty="0">
-                <a:solidFill>
-                  <a:schemeClr val="accent1"/>
-                </a:solidFill>
-              </a:rPr>
-              <a:t> </a:t>
-            </a:r>
-            <a:r>
-              <a:rPr lang="de-CH" sz="600" b="1" dirty="0" err="1">
-                <a:solidFill>
-                  <a:schemeClr val="accent1"/>
-                </a:solidFill>
-              </a:rPr>
-              <a:t>of</a:t>
-            </a:r>
-            <a:r>
-              <a:rPr lang="de-CH" sz="600" b="1" dirty="0">
-                <a:solidFill>
-                  <a:schemeClr val="accent1"/>
-                </a:solidFill>
-              </a:rPr>
-              <a:t> an </a:t>
-            </a:r>
-            <a:r>
-              <a:rPr lang="de-CH" sz="600" b="1" dirty="0" err="1">
-                <a:solidFill>
-                  <a:schemeClr val="accent1"/>
-                </a:solidFill>
-              </a:rPr>
-              <a:t>omnidirectional</a:t>
-            </a:r>
-            <a:r>
-              <a:rPr lang="de-CH" sz="600" b="1" dirty="0">
-                <a:solidFill>
-                  <a:schemeClr val="accent1"/>
-                </a:solidFill>
-              </a:rPr>
-              <a:t> </a:t>
-            </a:r>
-            <a:r>
-              <a:rPr lang="de-CH" sz="600" b="1" dirty="0" err="1">
-                <a:solidFill>
-                  <a:schemeClr val="accent1"/>
-                </a:solidFill>
-              </a:rPr>
-              <a:t>stereo</a:t>
-            </a:r>
-            <a:r>
-              <a:rPr lang="de-CH" sz="600" b="1" dirty="0">
-                <a:solidFill>
-                  <a:schemeClr val="accent1"/>
-                </a:solidFill>
-              </a:rPr>
-              <a:t> </a:t>
-            </a:r>
-            <a:r>
-              <a:rPr lang="de-CH" sz="600" b="1" dirty="0" err="1">
-                <a:solidFill>
-                  <a:schemeClr val="accent1"/>
-                </a:solidFill>
-              </a:rPr>
-              <a:t>image</a:t>
-            </a:r>
-            <a:r>
-              <a:rPr lang="de-CH" sz="600" b="1" dirty="0">
-                <a:solidFill>
-                  <a:schemeClr val="accent1"/>
-                </a:solidFill>
-              </a:rPr>
-              <a:t>, </a:t>
-            </a:r>
-            <a:r>
-              <a:rPr lang="de-CH" sz="600" b="1" dirty="0" err="1">
-                <a:solidFill>
-                  <a:schemeClr val="accent1"/>
-                </a:solidFill>
-              </a:rPr>
-              <a:t>produced</a:t>
-            </a:r>
-            <a:r>
-              <a:rPr lang="de-CH" sz="600" b="1" dirty="0">
-                <a:solidFill>
-                  <a:schemeClr val="accent1"/>
-                </a:solidFill>
-              </a:rPr>
-              <a:t> </a:t>
-            </a:r>
-            <a:r>
-              <a:rPr lang="de-CH" sz="600" b="1" dirty="0" err="1">
-                <a:solidFill>
-                  <a:schemeClr val="accent1"/>
-                </a:solidFill>
-              </a:rPr>
-              <a:t>by</a:t>
-            </a:r>
-            <a:r>
-              <a:rPr lang="de-CH" sz="600" b="1" dirty="0">
-                <a:solidFill>
-                  <a:schemeClr val="accent1"/>
-                </a:solidFill>
-              </a:rPr>
-              <a:t> Google</a:t>
-            </a:r>
-            <a:r>
-              <a:rPr lang="en-US" sz="600" b="1" baseline="30000" dirty="0"/>
-              <a:t>3</a:t>
-            </a:r>
-            <a:r>
-              <a:rPr lang="de-CH" sz="600" b="1" dirty="0">
-                <a:solidFill>
-                  <a:schemeClr val="accent1"/>
-                </a:solidFill>
-              </a:rPr>
-              <a:t>.</a:t>
-            </a:r>
+              <a:t>two images. </a:t>
+            </a:r>
+            <a:endParaRPr lang="de-CH" sz="600" b="1" dirty="0">
+              <a:solidFill>
+                <a:schemeClr val="accent1"/>
+              </a:solidFill>
+            </a:endParaRPr>
           </a:p>
         </p:txBody>
       </p:sp>
@@ -54041,6 +53922,205 @@
                 <a:schemeClr val="accent1"/>
               </a:solidFill>
             </a:endParaRPr>
+          </a:p>
+        </p:txBody>
+      </p:sp>
+      <p:pic>
+        <p:nvPicPr>
+          <p:cNvPr id="4" name="Grafik 3"/>
+          <p:cNvPicPr>
+            <a:picLocks noChangeAspect="1"/>
+          </p:cNvPicPr>
+          <p:nvPr/>
+        </p:nvPicPr>
+        <p:blipFill>
+          <a:blip r:embed="rId6" cstate="print">
+            <a:extLst>
+              <a:ext uri="{28A0092B-C50C-407E-A947-70E740481C1C}">
+                <a14:useLocalDpi xmlns:a14="http://schemas.microsoft.com/office/drawing/2010/main" val="0"/>
+              </a:ext>
+            </a:extLst>
+          </a:blip>
+          <a:stretch>
+            <a:fillRect/>
+          </a:stretch>
+        </p:blipFill>
+        <p:spPr>
+          <a:xfrm>
+            <a:off x="7241393" y="5202684"/>
+            <a:ext cx="2441243" cy="1372531"/>
+          </a:xfrm>
+          <a:prstGeom prst="rect">
+            <a:avLst/>
+          </a:prstGeom>
+        </p:spPr>
+      </p:pic>
+      <p:sp>
+        <p:nvSpPr>
+          <p:cNvPr id="27" name="Textfeld 26"/>
+          <p:cNvSpPr txBox="1"/>
+          <p:nvPr/>
+        </p:nvSpPr>
+        <p:spPr>
+          <a:xfrm>
+            <a:off x="7245612" y="6525806"/>
+            <a:ext cx="2437024" cy="318052"/>
+          </a:xfrm>
+          <a:prstGeom prst="rect">
+            <a:avLst/>
+          </a:prstGeom>
+          <a:noFill/>
+        </p:spPr>
+        <p:txBody>
+          <a:bodyPr wrap="square" lIns="0" tIns="72000" rIns="0" bIns="0" rtlCol="0">
+            <a:noAutofit/>
+          </a:bodyPr>
+          <a:lstStyle/>
+          <a:p>
+            <a:r>
+              <a:rPr lang="en-US" sz="600" b="1" dirty="0">
+                <a:solidFill>
+                  <a:schemeClr val="accent1"/>
+                </a:solidFill>
+              </a:rPr>
+              <a:t>Fig. 5. </a:t>
+            </a:r>
+            <a:r>
+              <a:rPr lang="de-CH" sz="600" b="1" dirty="0">
+                <a:solidFill>
+                  <a:schemeClr val="accent1"/>
+                </a:solidFill>
+              </a:rPr>
+              <a:t>An </a:t>
+            </a:r>
+            <a:r>
+              <a:rPr lang="de-CH" sz="600" b="1" dirty="0" err="1">
+                <a:solidFill>
+                  <a:schemeClr val="accent1"/>
+                </a:solidFill>
+              </a:rPr>
+              <a:t>example</a:t>
+            </a:r>
+            <a:r>
+              <a:rPr lang="de-CH" sz="600" b="1" dirty="0">
+                <a:solidFill>
+                  <a:schemeClr val="accent1"/>
+                </a:solidFill>
+              </a:rPr>
+              <a:t> </a:t>
+            </a:r>
+            <a:r>
+              <a:rPr lang="de-CH" sz="600" b="1" dirty="0" err="1">
+                <a:solidFill>
+                  <a:schemeClr val="accent1"/>
+                </a:solidFill>
+              </a:rPr>
+              <a:t>of</a:t>
+            </a:r>
+            <a:r>
+              <a:rPr lang="de-CH" sz="600" b="1" dirty="0">
+                <a:solidFill>
+                  <a:schemeClr val="accent1"/>
+                </a:solidFill>
+              </a:rPr>
+              <a:t> an </a:t>
+            </a:r>
+            <a:r>
+              <a:rPr lang="de-CH" sz="600" b="1" dirty="0" err="1">
+                <a:solidFill>
+                  <a:schemeClr val="accent1"/>
+                </a:solidFill>
+              </a:rPr>
+              <a:t>omnidirectional</a:t>
+            </a:r>
+            <a:r>
+              <a:rPr lang="de-CH" sz="600" b="1" dirty="0">
+                <a:solidFill>
+                  <a:schemeClr val="accent1"/>
+                </a:solidFill>
+              </a:rPr>
+              <a:t> </a:t>
+            </a:r>
+            <a:r>
+              <a:rPr lang="de-CH" sz="600" b="1" dirty="0" err="1">
+                <a:solidFill>
+                  <a:schemeClr val="accent1"/>
+                </a:solidFill>
+              </a:rPr>
+              <a:t>stereo</a:t>
+            </a:r>
+            <a:r>
+              <a:rPr lang="de-CH" sz="600" b="1" dirty="0">
+                <a:solidFill>
+                  <a:schemeClr val="accent1"/>
+                </a:solidFill>
+              </a:rPr>
+              <a:t> </a:t>
+            </a:r>
+            <a:r>
+              <a:rPr lang="de-CH" sz="600" b="1" dirty="0" err="1">
+                <a:solidFill>
+                  <a:schemeClr val="accent1"/>
+                </a:solidFill>
+              </a:rPr>
+              <a:t>image</a:t>
+            </a:r>
+            <a:r>
+              <a:rPr lang="de-CH" sz="600" b="1" dirty="0">
+                <a:solidFill>
+                  <a:schemeClr val="accent1"/>
+                </a:solidFill>
+              </a:rPr>
+              <a:t>, </a:t>
+            </a:r>
+            <a:r>
+              <a:rPr lang="de-CH" sz="600" b="1" dirty="0" err="1">
+                <a:solidFill>
+                  <a:schemeClr val="accent1"/>
+                </a:solidFill>
+              </a:rPr>
+              <a:t>viewed</a:t>
+            </a:r>
+            <a:r>
+              <a:rPr lang="de-CH" sz="600" b="1" dirty="0">
+                <a:solidFill>
+                  <a:schemeClr val="accent1"/>
+                </a:solidFill>
+              </a:rPr>
+              <a:t> in </a:t>
+            </a:r>
+            <a:r>
+              <a:rPr lang="de-CH" sz="600" b="1" dirty="0" err="1">
+                <a:solidFill>
+                  <a:schemeClr val="accent1"/>
+                </a:solidFill>
+              </a:rPr>
+              <a:t>the</a:t>
+            </a:r>
+            <a:r>
+              <a:rPr lang="de-CH" sz="600" b="1" dirty="0">
+                <a:solidFill>
+                  <a:schemeClr val="accent1"/>
+                </a:solidFill>
+              </a:rPr>
+              <a:t> Google </a:t>
+            </a:r>
+            <a:r>
+              <a:rPr lang="de-CH" sz="600" b="1" dirty="0" err="1">
+                <a:solidFill>
+                  <a:schemeClr val="accent1"/>
+                </a:solidFill>
+              </a:rPr>
+              <a:t>cardboard</a:t>
+            </a:r>
+            <a:r>
+              <a:rPr lang="de-CH" sz="600" b="1" dirty="0">
+                <a:solidFill>
+                  <a:schemeClr val="accent1"/>
+                </a:solidFill>
+              </a:rPr>
+              <a:t>.</a:t>
+            </a:r>
           </a:p>
         </p:txBody>
       </p:sp>

--- a/poster/Group9_poster.pptx
+++ b/poster/Group9_poster.pptx
@@ -53936,6 +53936,15 @@
         <p:blipFill>
           <a:blip r:embed="rId6" cstate="print">
             <a:extLst>
+              <a:ext uri="{BEBA8EAE-BF5A-486C-A8C5-ECC9F3942E4B}">
+                <a14:imgProps xmlns:a14="http://schemas.microsoft.com/office/drawing/2010/main">
+                  <a14:imgLayer r:embed="rId7">
+                    <a14:imgEffect>
+                      <a14:brightnessContrast bright="40000" contrast="-40000"/>
+                    </a14:imgEffect>
+                  </a14:imgLayer>
+                </a14:imgProps>
+              </a:ext>
               <a:ext uri="{28A0092B-C50C-407E-A947-70E740481C1C}">
                 <a14:useLocalDpi xmlns:a14="http://schemas.microsoft.com/office/drawing/2010/main" val="0"/>
               </a:ext>

--- a/poster/Group9_poster.pptx
+++ b/poster/Group9_poster.pptx
@@ -49254,7 +49254,7 @@
           <a:p>
             <a:r>
               <a:rPr lang="en-US" dirty="0"/>
-              <a:t>The following method is applied twice, once for the left and once for right eye. Therefore, the final result are two different panoramas. For meeting the required image format for the Google Cardboard, the panorama of the left eye is stacked on top of the right.</a:t>
+              <a:t>We implemented a similar method as described in [3]. The following method is applied twice, once for the left and once for the right eye. Therefore, the final results are two different panoramas. For meeting the required image format for the Google Cardboard, the panorama of the left eye is stacked on top of the right.</a:t>
             </a:r>
             <a:br>
               <a:rPr lang="en-US" dirty="0"/>
@@ -49269,7 +49269,7 @@
             </a:r>
             <a:r>
               <a:rPr lang="en-US" dirty="0"/>
-              <a:t> and vertical angle </a:t>
+              <a:t> (fig. 1) and vertical angle </a:t>
             </a:r>
             <a:r>
               <a:rPr lang="el-GR" dirty="0"/>
@@ -49277,7 +49277,7 @@
             </a:r>
             <a:r>
               <a:rPr lang="en-US" dirty="0"/>
-              <a:t> of the corresponding camera ray with respect to the camera center (see figure 1). </a:t>
+              <a:t> (fig. 2) of the corresponding camera ray with respect to the camera center. </a:t>
             </a:r>
           </a:p>
           <a:p>
@@ -49308,9 +49308,6 @@
             <a:endParaRPr lang="en-US" dirty="0"/>
           </a:p>
           <a:p>
-            <a:endParaRPr lang="en-US" dirty="0"/>
-          </a:p>
-          <a:p>
             <a:r>
               <a:rPr lang="en-US" dirty="0"/>
               <a:t>Based on the computed flow values of the neighboring camera, the new position (</a:t>
@@ -49333,7 +49330,7 @@
             </a:r>
             <a:r>
               <a:rPr lang="en-US" dirty="0"/>
-              <a:t>) of the same pixel are calculated. The values of the pixels in between the original and the shifted pixel are obtained by a simple interpolation. All the RGB- values of the pixels are stored in the new panorama image at the corresponding position, (</a:t>
+              <a:t>) of the same pixel is calculated. The values of the pixels in between the original and the shifted pixel are obtained by a simple interpolation. All the RGB- values of the pixels are stored in the new panorama image at the corresponding position: (</a:t>
             </a:r>
             <a:r>
               <a:rPr lang="el-GR" dirty="0"/>
@@ -49708,7 +49705,15 @@
             </a:r>
             <a:r>
               <a:rPr lang="de-CH" dirty="0"/>
-              <a:t> in Jump. </a:t>
+              <a:t> Anderson et al.</a:t>
+            </a:r>
+            <a:r>
+              <a:rPr lang="en-US" baseline="30000" dirty="0"/>
+              <a:t>1</a:t>
+            </a:r>
+            <a:r>
+              <a:rPr lang="de-CH" dirty="0"/>
+              <a:t>. </a:t>
             </a:r>
             <a:r>
               <a:rPr lang="de-CH" dirty="0" err="1"/>
@@ -49732,7 +49737,7 @@
             </a:r>
             <a:r>
               <a:rPr lang="de-CH" dirty="0"/>
-              <a:t> </a:t>
+              <a:t>  </a:t>
             </a:r>
             <a:r>
               <a:rPr lang="de-CH" dirty="0" err="1"/>
@@ -50004,7 +50009,43 @@
             </a:r>
             <a:r>
               <a:rPr lang="de-CH" dirty="0"/>
-              <a:t> in </a:t>
+              <a:t> </a:t>
+            </a:r>
+            <a:r>
+              <a:rPr lang="de-CH" dirty="0" err="1"/>
+              <a:t>by</a:t>
+            </a:r>
+            <a:r>
+              <a:rPr lang="de-CH" dirty="0"/>
+              <a:t> </a:t>
+            </a:r>
+            <a:r>
+              <a:rPr lang="de-CH" dirty="0"/>
+              <a:t>Anderson et al.</a:t>
+            </a:r>
+            <a:r>
+              <a:rPr lang="en-US" baseline="30000" dirty="0"/>
+              <a:t>1</a:t>
+            </a:r>
+            <a:r>
+              <a:rPr lang="de-CH" dirty="0"/>
+              <a:t>, </a:t>
+            </a:r>
+            <a:r>
+              <a:rPr lang="de-CH" dirty="0" err="1"/>
+              <a:t>we</a:t>
+            </a:r>
+            <a:r>
+              <a:rPr lang="de-CH" dirty="0"/>
+              <a:t> </a:t>
+            </a:r>
+            <a:r>
+              <a:rPr lang="de-CH" dirty="0" err="1"/>
+              <a:t>adapted</a:t>
+            </a:r>
+            <a:r>
+              <a:rPr lang="de-CH" dirty="0"/>
+              <a:t> </a:t>
             </a:r>
             <a:r>
               <a:rPr lang="de-CH" dirty="0" err="1"/>
@@ -50012,11 +50053,67 @@
             </a:r>
             <a:r>
               <a:rPr lang="de-CH" dirty="0"/>
-              <a:t> Jump </a:t>
+              <a:t> </a:t>
             </a:r>
             <a:r>
               <a:rPr lang="de-CH" dirty="0" err="1"/>
-              <a:t>paper</a:t>
+              <a:t>standard</a:t>
+            </a:r>
+            <a:r>
+              <a:rPr lang="de-CH" dirty="0"/>
+              <a:t> per-pixel </a:t>
+            </a:r>
+            <a:r>
+              <a:rPr lang="de-CH" dirty="0" err="1"/>
+              <a:t>optical</a:t>
+            </a:r>
+            <a:r>
+              <a:rPr lang="de-CH" dirty="0"/>
+              <a:t> </a:t>
+            </a:r>
+            <a:r>
+              <a:rPr lang="de-CH" dirty="0" err="1"/>
+              <a:t>flow</a:t>
+            </a:r>
+            <a:r>
+              <a:rPr lang="de-CH" dirty="0"/>
+              <a:t> </a:t>
+            </a:r>
+            <a:r>
+              <a:rPr lang="de-CH" dirty="0" err="1"/>
+              <a:t>method</a:t>
+            </a:r>
+            <a:r>
+              <a:rPr lang="de-CH" dirty="0"/>
+              <a:t> </a:t>
+            </a:r>
+            <a:r>
+              <a:rPr lang="de-CH" dirty="0" err="1"/>
+              <a:t>of</a:t>
+            </a:r>
+            <a:r>
+              <a:rPr lang="de-CH" dirty="0"/>
+              <a:t> </a:t>
+            </a:r>
+            <a:r>
+              <a:rPr lang="de-CH" dirty="0" err="1"/>
+              <a:t>the</a:t>
+            </a:r>
+            <a:r>
+              <a:rPr lang="de-CH" dirty="0"/>
+              <a:t> </a:t>
+            </a:r>
+            <a:r>
+              <a:rPr lang="de-CH" dirty="0" err="1"/>
+              <a:t>OpenCV</a:t>
+            </a:r>
+            <a:r>
+              <a:rPr lang="de-CH" dirty="0"/>
+              <a:t> </a:t>
+            </a:r>
+            <a:r>
+              <a:rPr lang="de-CH" dirty="0" err="1"/>
+              <a:t>libary</a:t>
             </a:r>
             <a:r>
               <a:rPr lang="de-CH" dirty="0"/>
@@ -50024,7 +50121,15 @@
             </a:r>
             <a:r>
               <a:rPr lang="de-CH" dirty="0" err="1"/>
-              <a:t>We</a:t>
+              <a:t>Additionally</a:t>
+            </a:r>
+            <a:r>
+              <a:rPr lang="de-CH" dirty="0"/>
+              <a:t>, </a:t>
+            </a:r>
+            <a:r>
+              <a:rPr lang="de-CH" dirty="0" err="1"/>
+              <a:t>this</a:t>
             </a:r>
             <a:r>
               <a:rPr lang="de-CH" dirty="0"/>
@@ -50032,7 +50137,7 @@
             </a:r>
             <a:r>
               <a:rPr lang="de-CH" dirty="0" err="1"/>
-              <a:t>adapted</a:t>
+              <a:t>approach</a:t>
             </a:r>
             <a:r>
               <a:rPr lang="de-CH" dirty="0"/>
@@ -50040,7 +50145,15 @@
             </a:r>
             <a:r>
               <a:rPr lang="de-CH" dirty="0" err="1"/>
-              <a:t>the</a:t>
+              <a:t>does</a:t>
+            </a:r>
+            <a:r>
+              <a:rPr lang="de-CH" dirty="0"/>
+              <a:t> not </a:t>
+            </a:r>
+            <a:r>
+              <a:rPr lang="de-CH" dirty="0" err="1"/>
+              <a:t>take</a:t>
             </a:r>
             <a:r>
               <a:rPr lang="de-CH" dirty="0"/>
@@ -50048,15 +50161,7 @@
             </a:r>
             <a:r>
               <a:rPr lang="de-CH" dirty="0" err="1"/>
-              <a:t>standard</a:t>
-            </a:r>
-            <a:r>
-              <a:rPr lang="de-CH" dirty="0"/>
-              <a:t> per-pixel </a:t>
-            </a:r>
-            <a:r>
-              <a:rPr lang="de-CH" dirty="0" err="1"/>
-              <a:t>optical</a:t>
+              <a:t>into</a:t>
             </a:r>
             <a:r>
               <a:rPr lang="de-CH" dirty="0"/>
@@ -50064,7 +50169,7 @@
             </a:r>
             <a:r>
               <a:rPr lang="de-CH" dirty="0" err="1"/>
-              <a:t>flow</a:t>
+              <a:t>account</a:t>
             </a:r>
             <a:r>
               <a:rPr lang="de-CH" dirty="0"/>
@@ -50072,7 +50177,7 @@
             </a:r>
             <a:r>
               <a:rPr lang="de-CH" dirty="0" err="1"/>
-              <a:t>method</a:t>
+              <a:t>the</a:t>
             </a:r>
             <a:r>
               <a:rPr lang="de-CH" dirty="0"/>
@@ -50080,7 +50185,7 @@
             </a:r>
             <a:r>
               <a:rPr lang="de-CH" dirty="0" err="1"/>
-              <a:t>of</a:t>
+              <a:t>borders</a:t>
             </a:r>
             <a:r>
               <a:rPr lang="de-CH" dirty="0"/>
@@ -50088,7 +50193,15 @@
             </a:r>
             <a:r>
               <a:rPr lang="de-CH" dirty="0" err="1"/>
-              <a:t>the</a:t>
+              <a:t>of</a:t>
+            </a:r>
+            <a:r>
+              <a:rPr lang="de-CH" dirty="0"/>
+              <a:t> an </a:t>
+            </a:r>
+            <a:r>
+              <a:rPr lang="de-CH" dirty="0" err="1"/>
+              <a:t>object</a:t>
             </a:r>
             <a:r>
               <a:rPr lang="de-CH" dirty="0"/>
@@ -50096,7 +50209,7 @@
             </a:r>
             <a:r>
               <a:rPr lang="de-CH" dirty="0" err="1"/>
-              <a:t>OpenCV</a:t>
+              <a:t>and</a:t>
             </a:r>
             <a:r>
               <a:rPr lang="de-CH" dirty="0"/>
@@ -50104,7 +50217,139 @@
             </a:r>
             <a:r>
               <a:rPr lang="de-CH" dirty="0" err="1"/>
-              <a:t>libary</a:t>
+              <a:t>is</a:t>
+            </a:r>
+            <a:r>
+              <a:rPr lang="de-CH" dirty="0"/>
+              <a:t> </a:t>
+            </a:r>
+            <a:r>
+              <a:rPr lang="de-CH" dirty="0" err="1"/>
+              <a:t>therefore</a:t>
+            </a:r>
+            <a:r>
+              <a:rPr lang="de-CH" dirty="0"/>
+              <a:t> not </a:t>
+            </a:r>
+            <a:r>
+              <a:rPr lang="de-CH" dirty="0" err="1"/>
+              <a:t>edge</a:t>
+            </a:r>
+            <a:r>
+              <a:rPr lang="de-CH" dirty="0"/>
+              <a:t> </a:t>
+            </a:r>
+            <a:r>
+              <a:rPr lang="de-CH" dirty="0" err="1"/>
+              <a:t>preserving</a:t>
+            </a:r>
+            <a:r>
+              <a:rPr lang="de-CH" dirty="0"/>
+              <a:t> in </a:t>
+            </a:r>
+            <a:r>
+              <a:rPr lang="de-CH" dirty="0" err="1"/>
+              <a:t>contrast</a:t>
+            </a:r>
+            <a:r>
+              <a:rPr lang="de-CH" dirty="0"/>
+              <a:t> </a:t>
+            </a:r>
+            <a:r>
+              <a:rPr lang="de-CH" dirty="0" err="1"/>
+              <a:t>to</a:t>
+            </a:r>
+            <a:r>
+              <a:rPr lang="de-CH" dirty="0"/>
+              <a:t> </a:t>
+            </a:r>
+            <a:r>
+              <a:rPr lang="de-CH" dirty="0" err="1"/>
+              <a:t>the</a:t>
+            </a:r>
+            <a:r>
+              <a:rPr lang="de-CH" dirty="0"/>
+              <a:t> bilateral-</a:t>
+            </a:r>
+            <a:r>
+              <a:rPr lang="de-CH" dirty="0" err="1"/>
+              <a:t>solver</a:t>
+            </a:r>
+            <a:r>
+              <a:rPr lang="de-CH" dirty="0"/>
+              <a:t> </a:t>
+            </a:r>
+            <a:r>
+              <a:rPr lang="de-CH" dirty="0" err="1"/>
+              <a:t>used</a:t>
+            </a:r>
+            <a:r>
+              <a:rPr lang="de-CH" dirty="0"/>
+              <a:t> </a:t>
+            </a:r>
+            <a:r>
+              <a:rPr lang="de-CH" dirty="0" err="1"/>
+              <a:t>by</a:t>
+            </a:r>
+            <a:r>
+              <a:rPr lang="de-CH" dirty="0"/>
+              <a:t> </a:t>
+            </a:r>
+            <a:r>
+              <a:rPr lang="de-CH" dirty="0"/>
+              <a:t>Anderson et al.</a:t>
+            </a:r>
+            <a:r>
+              <a:rPr lang="en-US" baseline="30000" dirty="0"/>
+              <a:t>1</a:t>
+            </a:r>
+            <a:r>
+              <a:rPr lang="de-CH" dirty="0"/>
+              <a:t>, </a:t>
+            </a:r>
+            <a:r>
+              <a:rPr lang="de-CH" dirty="0" err="1"/>
+              <a:t>which</a:t>
+            </a:r>
+            <a:r>
+              <a:rPr lang="de-CH" dirty="0"/>
+              <a:t> also </a:t>
+            </a:r>
+            <a:r>
+              <a:rPr lang="de-CH" dirty="0" err="1"/>
+              <a:t>respects</a:t>
+            </a:r>
+            <a:r>
+              <a:rPr lang="de-CH" dirty="0"/>
+              <a:t> </a:t>
+            </a:r>
+            <a:r>
+              <a:rPr lang="de-CH" dirty="0" err="1"/>
+              <a:t>the</a:t>
+            </a:r>
+            <a:r>
+              <a:rPr lang="de-CH" dirty="0"/>
+              <a:t> </a:t>
+            </a:r>
+            <a:r>
+              <a:rPr lang="de-CH" dirty="0" err="1"/>
+              <a:t>edges</a:t>
+            </a:r>
+            <a:r>
+              <a:rPr lang="de-CH" dirty="0"/>
+              <a:t> in </a:t>
+            </a:r>
+            <a:r>
+              <a:rPr lang="de-CH" dirty="0" err="1"/>
+              <a:t>the</a:t>
+            </a:r>
+            <a:r>
+              <a:rPr lang="de-CH" dirty="0"/>
+              <a:t> </a:t>
+            </a:r>
+            <a:r>
+              <a:rPr lang="de-CH" dirty="0" err="1"/>
+              <a:t>image</a:t>
             </a:r>
             <a:r>
               <a:rPr lang="de-CH" dirty="0"/>
@@ -50112,7 +50357,7 @@
             </a:r>
             <a:r>
               <a:rPr lang="de-CH" dirty="0" err="1"/>
-              <a:t>Additionally</a:t>
+              <a:t>Furthermore</a:t>
             </a:r>
             <a:r>
               <a:rPr lang="de-CH" dirty="0"/>
@@ -50120,7 +50365,7 @@
             </a:r>
             <a:r>
               <a:rPr lang="de-CH" dirty="0" err="1"/>
-              <a:t>this</a:t>
+              <a:t>we</a:t>
             </a:r>
             <a:r>
               <a:rPr lang="de-CH" dirty="0"/>
@@ -50128,7 +50373,23 @@
             </a:r>
             <a:r>
               <a:rPr lang="de-CH" dirty="0" err="1"/>
-              <a:t>approach</a:t>
+              <a:t>used</a:t>
+            </a:r>
+            <a:r>
+              <a:rPr lang="de-CH" dirty="0"/>
+              <a:t> a </a:t>
+            </a:r>
+            <a:r>
+              <a:rPr lang="de-CH" dirty="0" err="1"/>
+              <a:t>much</a:t>
+            </a:r>
+            <a:r>
+              <a:rPr lang="de-CH" dirty="0"/>
+              <a:t> simpler </a:t>
+            </a:r>
+            <a:r>
+              <a:rPr lang="de-CH" dirty="0" err="1"/>
+              <a:t>exposure</a:t>
             </a:r>
             <a:r>
               <a:rPr lang="de-CH" dirty="0"/>
@@ -50136,15 +50397,7 @@
             </a:r>
             <a:r>
               <a:rPr lang="de-CH" dirty="0" err="1"/>
-              <a:t>does</a:t>
-            </a:r>
-            <a:r>
-              <a:rPr lang="de-CH" dirty="0"/>
-              <a:t> not </a:t>
-            </a:r>
-            <a:r>
-              <a:rPr lang="de-CH" dirty="0" err="1"/>
-              <a:t>take</a:t>
+              <a:t>correction</a:t>
             </a:r>
             <a:r>
               <a:rPr lang="de-CH" dirty="0"/>
@@ -50152,7 +50405,15 @@
             </a:r>
             <a:r>
               <a:rPr lang="de-CH" dirty="0" err="1"/>
-              <a:t>into</a:t>
+              <a:t>based</a:t>
+            </a:r>
+            <a:r>
+              <a:rPr lang="de-CH" dirty="0"/>
+              <a:t> on a classic linear </a:t>
+            </a:r>
+            <a:r>
+              <a:rPr lang="de-CH" dirty="0" err="1"/>
+              <a:t>interpolation</a:t>
             </a:r>
             <a:r>
               <a:rPr lang="de-CH" dirty="0"/>
@@ -50160,7 +50421,7 @@
             </a:r>
             <a:r>
               <a:rPr lang="de-CH" dirty="0" err="1"/>
-              <a:t>account</a:t>
+              <a:t>and</a:t>
             </a:r>
             <a:r>
               <a:rPr lang="de-CH" dirty="0"/>
@@ -50168,7 +50429,7 @@
             </a:r>
             <a:r>
               <a:rPr lang="de-CH" dirty="0" err="1"/>
-              <a:t>the</a:t>
+              <a:t>we</a:t>
             </a:r>
             <a:r>
               <a:rPr lang="de-CH" dirty="0"/>
@@ -50176,7 +50437,7 @@
             </a:r>
             <a:r>
               <a:rPr lang="de-CH" dirty="0" err="1"/>
-              <a:t>borders</a:t>
+              <a:t>simplified</a:t>
             </a:r>
             <a:r>
               <a:rPr lang="de-CH" dirty="0"/>
@@ -50184,15 +50445,7 @@
             </a:r>
             <a:r>
               <a:rPr lang="de-CH" dirty="0" err="1"/>
-              <a:t>of</a:t>
-            </a:r>
-            <a:r>
-              <a:rPr lang="de-CH" dirty="0"/>
-              <a:t> an </a:t>
-            </a:r>
-            <a:r>
-              <a:rPr lang="de-CH" dirty="0" err="1"/>
-              <a:t>object</a:t>
+              <a:t>the</a:t>
             </a:r>
             <a:r>
               <a:rPr lang="de-CH" dirty="0"/>
@@ -50200,7 +50453,7 @@
             </a:r>
             <a:r>
               <a:rPr lang="de-CH" dirty="0" err="1"/>
-              <a:t>and</a:t>
+              <a:t>stitching</a:t>
             </a:r>
             <a:r>
               <a:rPr lang="de-CH" dirty="0"/>
@@ -50208,7 +50461,23 @@
             </a:r>
             <a:r>
               <a:rPr lang="de-CH" dirty="0" err="1"/>
-              <a:t>is</a:t>
+              <a:t>procedure</a:t>
+            </a:r>
+            <a:r>
+              <a:rPr lang="de-CH" dirty="0"/>
+              <a:t>. </a:t>
+            </a:r>
+            <a:r>
+              <a:rPr lang="de-CH" dirty="0" err="1"/>
+              <a:t>Moreover</a:t>
+            </a:r>
+            <a:r>
+              <a:rPr lang="de-CH" dirty="0"/>
+              <a:t>, </a:t>
+            </a:r>
+            <a:r>
+              <a:rPr lang="de-CH" dirty="0" err="1"/>
+              <a:t>our</a:t>
             </a:r>
             <a:r>
               <a:rPr lang="de-CH" dirty="0"/>
@@ -50216,15 +50485,7 @@
             </a:r>
             <a:r>
               <a:rPr lang="de-CH" dirty="0" err="1"/>
-              <a:t>therefore</a:t>
-            </a:r>
-            <a:r>
-              <a:rPr lang="de-CH" dirty="0"/>
-              <a:t> not </a:t>
-            </a:r>
-            <a:r>
-              <a:rPr lang="de-CH" dirty="0" err="1"/>
-              <a:t>edge</a:t>
+              <a:t>results</a:t>
             </a:r>
             <a:r>
               <a:rPr lang="de-CH" dirty="0"/>
@@ -50232,15 +50493,7 @@
             </a:r>
             <a:r>
               <a:rPr lang="de-CH" dirty="0" err="1"/>
-              <a:t>preserving</a:t>
-            </a:r>
-            <a:r>
-              <a:rPr lang="de-CH" dirty="0"/>
-              <a:t> in </a:t>
-            </a:r>
-            <a:r>
-              <a:rPr lang="de-CH" dirty="0" err="1"/>
-              <a:t>contrast</a:t>
+              <a:t>have</a:t>
             </a:r>
             <a:r>
               <a:rPr lang="de-CH" dirty="0"/>
@@ -50248,7 +50501,7 @@
             </a:r>
             <a:r>
               <a:rPr lang="de-CH" dirty="0" err="1"/>
-              <a:t>to</a:t>
+              <a:t>of</a:t>
             </a:r>
             <a:r>
               <a:rPr lang="de-CH" dirty="0"/>
@@ -50256,15 +50509,7 @@
             </a:r>
             <a:r>
               <a:rPr lang="de-CH" dirty="0" err="1"/>
-              <a:t>the</a:t>
-            </a:r>
-            <a:r>
-              <a:rPr lang="de-CH" dirty="0"/>
-              <a:t> bilateral-</a:t>
-            </a:r>
-            <a:r>
-              <a:rPr lang="de-CH" dirty="0" err="1"/>
-              <a:t>solver</a:t>
+              <a:t>course</a:t>
             </a:r>
             <a:r>
               <a:rPr lang="de-CH" dirty="0"/>
@@ -50272,11 +50517,27 @@
             </a:r>
             <a:r>
               <a:rPr lang="de-CH" dirty="0" err="1"/>
-              <a:t>used</a:t>
+              <a:t>the</a:t>
             </a:r>
             <a:r>
               <a:rPr lang="de-CH" dirty="0"/>
-              <a:t> in </a:t>
+              <a:t> same </a:t>
+            </a:r>
+            <a:r>
+              <a:rPr lang="de-CH" dirty="0" err="1"/>
+              <a:t>drawbacks</a:t>
+            </a:r>
+            <a:r>
+              <a:rPr lang="de-CH" dirty="0"/>
+              <a:t> </a:t>
+            </a:r>
+            <a:r>
+              <a:rPr lang="de-CH" dirty="0" err="1"/>
+              <a:t>as</a:t>
+            </a:r>
+            <a:r>
+              <a:rPr lang="de-CH" dirty="0"/>
+              <a:t> </a:t>
             </a:r>
             <a:r>
               <a:rPr lang="de-CH" dirty="0" err="1"/>
@@ -50284,27 +50545,11 @@
             </a:r>
             <a:r>
               <a:rPr lang="de-CH" dirty="0"/>
-              <a:t> Jump </a:t>
+              <a:t> </a:t>
             </a:r>
             <a:r>
               <a:rPr lang="de-CH" dirty="0" err="1"/>
-              <a:t>paper</a:t>
-            </a:r>
-            <a:r>
-              <a:rPr lang="de-CH" dirty="0"/>
-              <a:t>, </a:t>
-            </a:r>
-            <a:r>
-              <a:rPr lang="de-CH" dirty="0" err="1"/>
-              <a:t>which</a:t>
-            </a:r>
-            <a:r>
-              <a:rPr lang="de-CH" dirty="0"/>
-              <a:t> also </a:t>
-            </a:r>
-            <a:r>
-              <a:rPr lang="de-CH" dirty="0" err="1"/>
-              <a:t>respects</a:t>
+              <a:t>implementation</a:t>
             </a:r>
             <a:r>
               <a:rPr lang="de-CH" dirty="0"/>
@@ -50312,231 +50557,19 @@
             </a:r>
             <a:r>
               <a:rPr lang="de-CH" dirty="0" err="1"/>
-              <a:t>the</a:t>
+              <a:t>of</a:t>
             </a:r>
             <a:r>
               <a:rPr lang="de-CH" dirty="0"/>
               <a:t> </a:t>
             </a:r>
             <a:r>
-              <a:rPr lang="de-CH" dirty="0" err="1"/>
-              <a:t>edges</a:t>
-            </a:r>
-            <a:r>
               <a:rPr lang="de-CH" dirty="0"/>
-              <a:t> in </a:t>
-            </a:r>
-            <a:r>
-              <a:rPr lang="de-CH" dirty="0" err="1"/>
-              <a:t>the</a:t>
-            </a:r>
-            <a:r>
-              <a:rPr lang="de-CH" dirty="0"/>
-              <a:t> </a:t>
-            </a:r>
-            <a:r>
-              <a:rPr lang="de-CH" dirty="0" err="1"/>
-              <a:t>image</a:t>
-            </a:r>
-            <a:r>
-              <a:rPr lang="de-CH" dirty="0"/>
-              <a:t>. </a:t>
-            </a:r>
-            <a:r>
-              <a:rPr lang="de-CH" dirty="0" err="1"/>
-              <a:t>Furthermore</a:t>
-            </a:r>
-            <a:r>
-              <a:rPr lang="de-CH" dirty="0"/>
-              <a:t>, </a:t>
-            </a:r>
-            <a:r>
-              <a:rPr lang="de-CH" dirty="0" err="1"/>
-              <a:t>we</a:t>
-            </a:r>
-            <a:r>
-              <a:rPr lang="de-CH" dirty="0"/>
-              <a:t> </a:t>
-            </a:r>
-            <a:r>
-              <a:rPr lang="de-CH" dirty="0" err="1"/>
-              <a:t>used</a:t>
-            </a:r>
-            <a:r>
-              <a:rPr lang="de-CH" dirty="0"/>
-              <a:t> a </a:t>
-            </a:r>
-            <a:r>
-              <a:rPr lang="de-CH" dirty="0" err="1"/>
-              <a:t>much</a:t>
-            </a:r>
-            <a:r>
-              <a:rPr lang="de-CH" dirty="0"/>
-              <a:t> simpler </a:t>
-            </a:r>
-            <a:r>
-              <a:rPr lang="de-CH" dirty="0" err="1"/>
-              <a:t>exposure</a:t>
-            </a:r>
-            <a:r>
-              <a:rPr lang="de-CH" dirty="0"/>
-              <a:t> </a:t>
-            </a:r>
-            <a:r>
-              <a:rPr lang="de-CH" dirty="0" err="1"/>
-              <a:t>correction</a:t>
-            </a:r>
-            <a:r>
-              <a:rPr lang="de-CH" dirty="0"/>
-              <a:t> </a:t>
-            </a:r>
-            <a:r>
-              <a:rPr lang="de-CH" dirty="0" err="1"/>
-              <a:t>based</a:t>
-            </a:r>
-            <a:r>
-              <a:rPr lang="de-CH" dirty="0"/>
-              <a:t> on a simple linear </a:t>
-            </a:r>
-            <a:r>
-              <a:rPr lang="de-CH" dirty="0" err="1"/>
-              <a:t>interpolation</a:t>
-            </a:r>
-            <a:r>
-              <a:rPr lang="de-CH" dirty="0"/>
-              <a:t> </a:t>
-            </a:r>
-            <a:r>
-              <a:rPr lang="de-CH" dirty="0" err="1"/>
-              <a:t>and</a:t>
-            </a:r>
-            <a:r>
-              <a:rPr lang="de-CH" dirty="0"/>
-              <a:t> </a:t>
-            </a:r>
-            <a:r>
-              <a:rPr lang="de-CH" dirty="0" err="1"/>
-              <a:t>we</a:t>
-            </a:r>
-            <a:r>
-              <a:rPr lang="de-CH" dirty="0"/>
-              <a:t> </a:t>
-            </a:r>
-            <a:r>
-              <a:rPr lang="de-CH" dirty="0" err="1"/>
-              <a:t>simplified</a:t>
-            </a:r>
-            <a:r>
-              <a:rPr lang="de-CH" dirty="0"/>
-              <a:t> </a:t>
-            </a:r>
-            <a:r>
-              <a:rPr lang="de-CH" dirty="0" err="1"/>
-              <a:t>the</a:t>
-            </a:r>
-            <a:r>
-              <a:rPr lang="de-CH" dirty="0"/>
-              <a:t> </a:t>
-            </a:r>
-            <a:r>
-              <a:rPr lang="de-CH" dirty="0" err="1"/>
-              <a:t>stitching</a:t>
-            </a:r>
-            <a:r>
-              <a:rPr lang="de-CH" dirty="0"/>
-              <a:t> </a:t>
-            </a:r>
-            <a:r>
-              <a:rPr lang="de-CH" dirty="0" err="1"/>
-              <a:t>prodcedure</a:t>
-            </a:r>
-            <a:r>
-              <a:rPr lang="de-CH" dirty="0"/>
-              <a:t>. </a:t>
-            </a:r>
-            <a:r>
-              <a:rPr lang="de-CH" dirty="0" err="1"/>
-              <a:t>Moreover</a:t>
-            </a:r>
-            <a:r>
-              <a:rPr lang="de-CH" dirty="0"/>
-              <a:t>, </a:t>
-            </a:r>
-            <a:r>
-              <a:rPr lang="de-CH" dirty="0" err="1"/>
-              <a:t>our</a:t>
-            </a:r>
-            <a:r>
-              <a:rPr lang="de-CH" dirty="0"/>
-              <a:t> </a:t>
-            </a:r>
-            <a:r>
-              <a:rPr lang="de-CH" dirty="0" err="1"/>
-              <a:t>results</a:t>
-            </a:r>
-            <a:r>
-              <a:rPr lang="de-CH" dirty="0"/>
-              <a:t> </a:t>
-            </a:r>
-            <a:r>
-              <a:rPr lang="de-CH" dirty="0" err="1"/>
-              <a:t>of</a:t>
-            </a:r>
-            <a:r>
-              <a:rPr lang="de-CH" dirty="0"/>
-              <a:t> </a:t>
-            </a:r>
-            <a:r>
-              <a:rPr lang="de-CH" dirty="0" err="1"/>
-              <a:t>course</a:t>
-            </a:r>
-            <a:r>
-              <a:rPr lang="de-CH" dirty="0"/>
-              <a:t> </a:t>
-            </a:r>
-            <a:r>
-              <a:rPr lang="de-CH" dirty="0" err="1"/>
-              <a:t>have</a:t>
-            </a:r>
-            <a:r>
-              <a:rPr lang="de-CH" dirty="0"/>
-              <a:t> </a:t>
-            </a:r>
-            <a:r>
-              <a:rPr lang="de-CH" dirty="0" err="1"/>
-              <a:t>the</a:t>
-            </a:r>
-            <a:r>
-              <a:rPr lang="de-CH" dirty="0"/>
-              <a:t> same </a:t>
-            </a:r>
-            <a:r>
-              <a:rPr lang="de-CH" dirty="0" err="1"/>
-              <a:t>drawbacks</a:t>
-            </a:r>
-            <a:r>
-              <a:rPr lang="de-CH" dirty="0"/>
-              <a:t>, </a:t>
-            </a:r>
-            <a:r>
-              <a:rPr lang="de-CH" dirty="0" err="1"/>
-              <a:t>as</a:t>
-            </a:r>
-            <a:r>
-              <a:rPr lang="de-CH" dirty="0"/>
-              <a:t> </a:t>
-            </a:r>
-            <a:r>
-              <a:rPr lang="de-CH" dirty="0" err="1"/>
-              <a:t>the</a:t>
-            </a:r>
-            <a:r>
-              <a:rPr lang="de-CH" dirty="0"/>
-              <a:t> Jump </a:t>
-            </a:r>
-            <a:r>
-              <a:rPr lang="de-CH" dirty="0" err="1"/>
-              <a:t>implementation</a:t>
+              <a:t>Anderson et al.</a:t>
+            </a:r>
+            <a:r>
+              <a:rPr lang="en-US" baseline="30000" dirty="0"/>
+              <a:t>1</a:t>
             </a:r>
             <a:r>
               <a:rPr lang="de-CH" dirty="0"/>
@@ -51216,7 +51249,7 @@
         </p:nvSpPr>
         <p:spPr>
           <a:xfrm>
-            <a:off x="725950" y="9019108"/>
+            <a:off x="725949" y="8927891"/>
             <a:ext cx="1362704" cy="307241"/>
           </a:xfrm>
           <a:prstGeom prst="rect">
@@ -51635,7 +51668,19 @@
             </a:br>
             <a:r>
               <a:rPr lang="en-US" dirty="0"/>
-              <a:t>Moreover, the quality of our produced panoramas is lower because our dataset only contained images from 10 different cameras, which additionally were not equally distributed onto the rig. Whereas in the Jump paper, they used a camera rig with 16 equally-distant GoPro cameras with a larger vertical field of view.</a:t>
+              <a:t>Moreover, the quality of our produced panoramas is lower because our dataset only contained images from 10 different cameras, which additionally were not equally distributed onto the rig. Whereas </a:t>
+            </a:r>
+            <a:r>
+              <a:rPr lang="de-CH" dirty="0"/>
+              <a:t>Anderson et al.</a:t>
+            </a:r>
+            <a:r>
+              <a:rPr lang="en-US" baseline="30000" dirty="0"/>
+              <a:t>1 </a:t>
+            </a:r>
+            <a:r>
+              <a:rPr lang="en-US" dirty="0"/>
+              <a:t>used a camera rig with 16 equally-distant GoPro cameras with a larger vertical field of view.</a:t>
             </a:r>
             <a:endParaRPr lang="de-CH" dirty="0"/>
           </a:p>
@@ -53319,7 +53364,7 @@
           <a:p>
             <a:r>
               <a:rPr lang="en-US" dirty="0"/>
-              <a:t>Recently, Google introduced Jump </a:t>
+              <a:t>Recently, Google introduced Jump</a:t>
             </a:r>
             <a:r>
               <a:rPr lang="en-US" baseline="30000" dirty="0"/>
@@ -53327,15 +53372,7 @@
             </a:r>
             <a:r>
               <a:rPr lang="en-US" dirty="0"/>
-              <a:t>, a hardware and software framework for the offline rendering of </a:t>
-            </a:r>
-            <a:r>
-              <a:rPr lang="en-US" dirty="0" err="1"/>
-              <a:t>omni</a:t>
-            </a:r>
-            <a:r>
-              <a:rPr lang="en-US" dirty="0"/>
-              <a:t>-directional stereo (ODS) videos for virtual reality(VR). Since Jump is designed as a complete solution, the vision algorithms it employs are optimized for a specific camera rig: the GoPro Odyssey. The goal of this project is to implement their ODS capture and composting algorithm and analyze its ability to render stereo images and videos captured through other means. At the end of the project, we hope to be able to render ODS content that can be viewed on the Google Cardboard; a cost effective head mounted display (HMD) for VR.</a:t>
+              <a:t>, a hardware and software framework for the offline rendering of omni-directional stereo (ODS) videos for virtual reality(VR). Since Jump is designed as a complete solution, the vision algorithms it employs are optimized for a specific camera rig: the GoPro Odyssey. The goal of this project is to implement their ODS capture and composting algorithm and analyze its ability to render stereo images and videos captured through other means. At the end of the project, we hope to be able to render ODS content that can be viewed on the Google Cardboard; a cost effective head mounted display (HMD) for VR.</a:t>
             </a:r>
           </a:p>
         </p:txBody>
@@ -53559,8 +53596,8 @@
         </p:blipFill>
         <p:spPr>
           <a:xfrm>
-            <a:off x="720502" y="7780510"/>
-            <a:ext cx="1363713" cy="1377141"/>
+            <a:off x="725949" y="7951990"/>
+            <a:ext cx="1080120" cy="1090756"/>
           </a:xfrm>
           <a:prstGeom prst="rect">
             <a:avLst/>
@@ -53847,7 +53884,7 @@
           <p:nvPr/>
         </p:nvPicPr>
         <p:blipFill rotWithShape="1">
-          <a:blip r:embed="rId3" cstate="print">
+          <a:blip r:embed="rId6" cstate="print">
             <a:extLst>
               <a:ext uri="{28A0092B-C50C-407E-A947-70E740481C1C}">
                 <a14:useLocalDpi xmlns:a14="http://schemas.microsoft.com/office/drawing/2010/main" val="0"/>
@@ -53859,8 +53896,8 @@
         </p:blipFill>
         <p:spPr>
           <a:xfrm>
-            <a:off x="2768148" y="7780510"/>
-            <a:ext cx="1359091" cy="1307041"/>
+            <a:off x="2524241" y="7951990"/>
+            <a:ext cx="1093049" cy="1051188"/>
           </a:xfrm>
           <a:prstGeom prst="rect">
             <a:avLst/>
@@ -53875,8 +53912,8 @@
         </p:nvSpPr>
         <p:spPr>
           <a:xfrm>
-            <a:off x="2764714" y="9019108"/>
-            <a:ext cx="1362525" cy="369569"/>
+            <a:off x="2524240" y="8941536"/>
+            <a:ext cx="1107770" cy="369569"/>
           </a:xfrm>
           <a:prstGeom prst="rect">
             <a:avLst/>
@@ -53934,11 +53971,11 @@
           <p:nvPr/>
         </p:nvPicPr>
         <p:blipFill>
-          <a:blip r:embed="rId6" cstate="print">
+          <a:blip r:embed="rId7" cstate="print">
             <a:extLst>
               <a:ext uri="{BEBA8EAE-BF5A-486C-A8C5-ECC9F3942E4B}">
                 <a14:imgProps xmlns:a14="http://schemas.microsoft.com/office/drawing/2010/main">
-                  <a14:imgLayer r:embed="rId7">
+                  <a14:imgLayer r:embed="rId8">
                     <a14:imgEffect>
                       <a14:brightnessContrast bright="40000" contrast="-40000"/>
                     </a14:imgEffect>
@@ -54040,7 +54077,7 @@
                   <a:schemeClr val="accent1"/>
                 </a:solidFill>
               </a:rPr>
-              <a:t>omnidirectional</a:t>
+              <a:t>omni-directional</a:t>
             </a:r>
             <a:r>
               <a:rPr lang="de-CH" sz="600" b="1" dirty="0">
@@ -54120,7 +54157,7 @@
                   <a:schemeClr val="accent1"/>
                 </a:solidFill>
               </a:rPr>
-              <a:t>cardboard</a:t>
+              <a:t>Cardboard</a:t>
             </a:r>
             <a:r>
               <a:rPr lang="de-CH" sz="600" b="1" dirty="0">
